--- a/recipesPRJCT/client/planning.pptx
+++ b/recipesPRJCT/client/planning.pptx
@@ -7,9 +7,8 @@
   <p:sldIdLst>
     <p:sldId id="259" r:id="rId2"/>
     <p:sldId id="256" r:id="rId3"/>
-    <p:sldId id="257" r:id="rId4"/>
-    <p:sldId id="258" r:id="rId5"/>
-    <p:sldId id="260" r:id="rId6"/>
+    <p:sldId id="262" r:id="rId4"/>
+    <p:sldId id="261" r:id="rId5"/>
   </p:sldIdLst>
   <p:sldSz cx="12192000" cy="6858000"/>
   <p:notesSz cx="6858000" cy="9144000"/>
@@ -108,6 +107,11 @@
       </a:defRPr>
     </a:lvl9pPr>
   </p:defaultTextStyle>
+  <p:extLst>
+    <p:ext uri="{EFAFB233-063F-42B5-8137-9DF3F51BA10A}">
+      <p15:sldGuideLst xmlns:p15="http://schemas.microsoft.com/office/powerpoint/2012/main"/>
+    </p:ext>
+  </p:extLst>
 </p:presentation>
 </file>
 
@@ -194,35 +198,35 @@
               <a:buNone/>
               <a:defRPr sz="2400"/>
             </a:lvl1pPr>
-            <a:lvl2pPr marL="457200" indent="0" algn="ctr">
+            <a:lvl2pPr marL="457195" indent="0" algn="ctr">
               <a:buNone/>
               <a:defRPr sz="2000"/>
             </a:lvl2pPr>
-            <a:lvl3pPr marL="914400" indent="0" algn="ctr">
+            <a:lvl3pPr marL="914388" indent="0" algn="ctr">
               <a:buNone/>
-              <a:defRPr sz="1800"/>
+              <a:defRPr sz="1801"/>
             </a:lvl3pPr>
-            <a:lvl4pPr marL="1371600" indent="0" algn="ctr">
+            <a:lvl4pPr marL="1371583" indent="0" algn="ctr">
               <a:buNone/>
               <a:defRPr sz="1600"/>
             </a:lvl4pPr>
-            <a:lvl5pPr marL="1828800" indent="0" algn="ctr">
+            <a:lvl5pPr marL="1828777" indent="0" algn="ctr">
               <a:buNone/>
               <a:defRPr sz="1600"/>
             </a:lvl5pPr>
-            <a:lvl6pPr marL="2286000" indent="0" algn="ctr">
+            <a:lvl6pPr marL="2285972" indent="0" algn="ctr">
               <a:buNone/>
               <a:defRPr sz="1600"/>
             </a:lvl6pPr>
-            <a:lvl7pPr marL="2743200" indent="0" algn="ctr">
+            <a:lvl7pPr marL="2743166" indent="0" algn="ctr">
               <a:buNone/>
               <a:defRPr sz="1600"/>
             </a:lvl7pPr>
-            <a:lvl8pPr marL="3200400" indent="0" algn="ctr">
+            <a:lvl8pPr marL="3200360" indent="0" algn="ctr">
               <a:buNone/>
               <a:defRPr sz="1600"/>
             </a:lvl8pPr>
-            <a:lvl9pPr marL="3657600" indent="0" algn="ctr">
+            <a:lvl9pPr marL="3657555" indent="0" algn="ctr">
               <a:buNone/>
               <a:defRPr sz="1600"/>
             </a:lvl9pPr>
@@ -258,7 +262,7 @@
           <a:p>
             <a:fld id="{EFC81BCF-26DE-4B7E-A1D2-560DC9402B9F}" type="datetimeFigureOut">
               <a:rPr lang="he-IL" smtClean="0"/>
-              <a:t>כ"ח/טבת/תשפ"ה</a:t>
+              <a:t>ה'/שבט/תשפ"ה</a:t>
             </a:fld>
             <a:endParaRPr lang="he-IL"/>
           </a:p>
@@ -456,7 +460,7 @@
           <a:p>
             <a:fld id="{EFC81BCF-26DE-4B7E-A1D2-560DC9402B9F}" type="datetimeFigureOut">
               <a:rPr lang="he-IL" smtClean="0"/>
-              <a:t>כ"ח/טבת/תשפ"ה</a:t>
+              <a:t>ה'/שבט/תשפ"ה</a:t>
             </a:fld>
             <a:endParaRPr lang="he-IL"/>
           </a:p>
@@ -564,7 +568,7 @@
         </p:nvSpPr>
         <p:spPr>
           <a:xfrm>
-            <a:off x="8724900" y="365125"/>
+            <a:off x="8724899" y="365125"/>
             <a:ext cx="2628900" cy="5811838"/>
           </a:xfrm>
         </p:spPr>
@@ -597,7 +601,7 @@
         </p:nvSpPr>
         <p:spPr>
           <a:xfrm>
-            <a:off x="838200" y="365125"/>
+            <a:off x="838199" y="365125"/>
             <a:ext cx="7734300" cy="5811838"/>
           </a:xfrm>
         </p:spPr>
@@ -664,7 +668,7 @@
           <a:p>
             <a:fld id="{EFC81BCF-26DE-4B7E-A1D2-560DC9402B9F}" type="datetimeFigureOut">
               <a:rPr lang="he-IL" smtClean="0"/>
-              <a:t>כ"ח/טבת/תשפ"ה</a:t>
+              <a:t>ה'/שבט/תשפ"ה</a:t>
             </a:fld>
             <a:endParaRPr lang="he-IL"/>
           </a:p>
@@ -862,7 +866,7 @@
           <a:p>
             <a:fld id="{EFC81BCF-26DE-4B7E-A1D2-560DC9402B9F}" type="datetimeFigureOut">
               <a:rPr lang="he-IL" smtClean="0"/>
-              <a:t>כ"ח/טבת/תשפ"ה</a:t>
+              <a:t>ה'/שבט/תשפ"ה</a:t>
             </a:fld>
             <a:endParaRPr lang="he-IL"/>
           </a:p>
@@ -970,7 +974,7 @@
         </p:nvSpPr>
         <p:spPr>
           <a:xfrm>
-            <a:off x="831850" y="1709738"/>
+            <a:off x="831852" y="1709740"/>
             <a:ext cx="10515600" cy="2852737"/>
           </a:xfrm>
         </p:spPr>
@@ -1007,7 +1011,7 @@
         </p:nvSpPr>
         <p:spPr>
           <a:xfrm>
-            <a:off x="831850" y="4589463"/>
+            <a:off x="831852" y="4589466"/>
             <a:ext cx="10515600" cy="1500187"/>
           </a:xfrm>
         </p:spPr>
@@ -1024,7 +1028,7 @@
                 </a:solidFill>
               </a:defRPr>
             </a:lvl1pPr>
-            <a:lvl2pPr marL="457200" indent="0">
+            <a:lvl2pPr marL="457195" indent="0">
               <a:buNone/>
               <a:defRPr sz="2000">
                 <a:solidFill>
@@ -1034,9 +1038,9 @@
                 </a:solidFill>
               </a:defRPr>
             </a:lvl2pPr>
-            <a:lvl3pPr marL="914400" indent="0">
+            <a:lvl3pPr marL="914388" indent="0">
               <a:buNone/>
-              <a:defRPr sz="1800">
+              <a:defRPr sz="1801">
                 <a:solidFill>
                   <a:schemeClr val="tx1">
                     <a:tint val="75000"/>
@@ -1044,7 +1048,7 @@
                 </a:solidFill>
               </a:defRPr>
             </a:lvl3pPr>
-            <a:lvl4pPr marL="1371600" indent="0">
+            <a:lvl4pPr marL="1371583" indent="0">
               <a:buNone/>
               <a:defRPr sz="1600">
                 <a:solidFill>
@@ -1054,7 +1058,7 @@
                 </a:solidFill>
               </a:defRPr>
             </a:lvl4pPr>
-            <a:lvl5pPr marL="1828800" indent="0">
+            <a:lvl5pPr marL="1828777" indent="0">
               <a:buNone/>
               <a:defRPr sz="1600">
                 <a:solidFill>
@@ -1064,7 +1068,7 @@
                 </a:solidFill>
               </a:defRPr>
             </a:lvl5pPr>
-            <a:lvl6pPr marL="2286000" indent="0">
+            <a:lvl6pPr marL="2285972" indent="0">
               <a:buNone/>
               <a:defRPr sz="1600">
                 <a:solidFill>
@@ -1074,7 +1078,7 @@
                 </a:solidFill>
               </a:defRPr>
             </a:lvl6pPr>
-            <a:lvl7pPr marL="2743200" indent="0">
+            <a:lvl7pPr marL="2743166" indent="0">
               <a:buNone/>
               <a:defRPr sz="1600">
                 <a:solidFill>
@@ -1084,7 +1088,7 @@
                 </a:solidFill>
               </a:defRPr>
             </a:lvl7pPr>
-            <a:lvl8pPr marL="3200400" indent="0">
+            <a:lvl8pPr marL="3200360" indent="0">
               <a:buNone/>
               <a:defRPr sz="1600">
                 <a:solidFill>
@@ -1094,7 +1098,7 @@
                 </a:solidFill>
               </a:defRPr>
             </a:lvl8pPr>
-            <a:lvl9pPr marL="3657600" indent="0">
+            <a:lvl9pPr marL="3657555" indent="0">
               <a:buNone/>
               <a:defRPr sz="1600">
                 <a:solidFill>
@@ -1137,7 +1141,7 @@
           <a:p>
             <a:fld id="{EFC81BCF-26DE-4B7E-A1D2-560DC9402B9F}" type="datetimeFigureOut">
               <a:rPr lang="he-IL" smtClean="0"/>
-              <a:t>כ"ח/טבת/תשפ"ה</a:t>
+              <a:t>ה'/שבט/תשפ"ה</a:t>
             </a:fld>
             <a:endParaRPr lang="he-IL"/>
           </a:p>
@@ -1273,7 +1277,7 @@
         </p:nvSpPr>
         <p:spPr>
           <a:xfrm>
-            <a:off x="838200" y="1825625"/>
+            <a:off x="838201" y="1825625"/>
             <a:ext cx="5181600" cy="4351338"/>
           </a:xfrm>
         </p:spPr>
@@ -1335,7 +1339,7 @@
         </p:nvSpPr>
         <p:spPr>
           <a:xfrm>
-            <a:off x="6172200" y="1825625"/>
+            <a:off x="6172201" y="1825625"/>
             <a:ext cx="5181600" cy="4351338"/>
           </a:xfrm>
         </p:spPr>
@@ -1402,7 +1406,7 @@
           <a:p>
             <a:fld id="{EFC81BCF-26DE-4B7E-A1D2-560DC9402B9F}" type="datetimeFigureOut">
               <a:rPr lang="he-IL" smtClean="0"/>
-              <a:t>כ"ח/טבת/תשפ"ה</a:t>
+              <a:t>ה'/שבט/תשפ"ה</a:t>
             </a:fld>
             <a:endParaRPr lang="he-IL"/>
           </a:p>
@@ -1510,7 +1514,7 @@
         </p:nvSpPr>
         <p:spPr>
           <a:xfrm>
-            <a:off x="839788" y="365125"/>
+            <a:off x="839789" y="365127"/>
             <a:ext cx="10515600" cy="1325563"/>
           </a:xfrm>
         </p:spPr>
@@ -1543,7 +1547,7 @@
         </p:nvSpPr>
         <p:spPr>
           <a:xfrm>
-            <a:off x="839788" y="1681163"/>
+            <a:off x="839789" y="1681163"/>
             <a:ext cx="5157787" cy="823912"/>
           </a:xfrm>
         </p:spPr>
@@ -1554,35 +1558,35 @@
               <a:buNone/>
               <a:defRPr sz="2400" b="1"/>
             </a:lvl1pPr>
-            <a:lvl2pPr marL="457200" indent="0">
+            <a:lvl2pPr marL="457195" indent="0">
               <a:buNone/>
               <a:defRPr sz="2000" b="1"/>
             </a:lvl2pPr>
-            <a:lvl3pPr marL="914400" indent="0">
+            <a:lvl3pPr marL="914388" indent="0">
               <a:buNone/>
-              <a:defRPr sz="1800" b="1"/>
+              <a:defRPr sz="1801" b="1"/>
             </a:lvl3pPr>
-            <a:lvl4pPr marL="1371600" indent="0">
+            <a:lvl4pPr marL="1371583" indent="0">
               <a:buNone/>
               <a:defRPr sz="1600" b="1"/>
             </a:lvl4pPr>
-            <a:lvl5pPr marL="1828800" indent="0">
+            <a:lvl5pPr marL="1828777" indent="0">
               <a:buNone/>
               <a:defRPr sz="1600" b="1"/>
             </a:lvl5pPr>
-            <a:lvl6pPr marL="2286000" indent="0">
+            <a:lvl6pPr marL="2285972" indent="0">
               <a:buNone/>
               <a:defRPr sz="1600" b="1"/>
             </a:lvl6pPr>
-            <a:lvl7pPr marL="2743200" indent="0">
+            <a:lvl7pPr marL="2743166" indent="0">
               <a:buNone/>
               <a:defRPr sz="1600" b="1"/>
             </a:lvl7pPr>
-            <a:lvl8pPr marL="3200400" indent="0">
+            <a:lvl8pPr marL="3200360" indent="0">
               <a:buNone/>
               <a:defRPr sz="1600" b="1"/>
             </a:lvl8pPr>
-            <a:lvl9pPr marL="3657600" indent="0">
+            <a:lvl9pPr marL="3657555" indent="0">
               <a:buNone/>
               <a:defRPr sz="1600" b="1"/>
             </a:lvl9pPr>
@@ -1614,7 +1618,7 @@
         </p:nvSpPr>
         <p:spPr>
           <a:xfrm>
-            <a:off x="839788" y="2505075"/>
+            <a:off x="839789" y="2505076"/>
             <a:ext cx="5157787" cy="3684588"/>
           </a:xfrm>
         </p:spPr>
@@ -1676,7 +1680,7 @@
         </p:nvSpPr>
         <p:spPr>
           <a:xfrm>
-            <a:off x="6172200" y="1681163"/>
+            <a:off x="6172203" y="1681163"/>
             <a:ext cx="5183188" cy="823912"/>
           </a:xfrm>
         </p:spPr>
@@ -1687,35 +1691,35 @@
               <a:buNone/>
               <a:defRPr sz="2400" b="1"/>
             </a:lvl1pPr>
-            <a:lvl2pPr marL="457200" indent="0">
+            <a:lvl2pPr marL="457195" indent="0">
               <a:buNone/>
               <a:defRPr sz="2000" b="1"/>
             </a:lvl2pPr>
-            <a:lvl3pPr marL="914400" indent="0">
+            <a:lvl3pPr marL="914388" indent="0">
               <a:buNone/>
-              <a:defRPr sz="1800" b="1"/>
+              <a:defRPr sz="1801" b="1"/>
             </a:lvl3pPr>
-            <a:lvl4pPr marL="1371600" indent="0">
+            <a:lvl4pPr marL="1371583" indent="0">
               <a:buNone/>
               <a:defRPr sz="1600" b="1"/>
             </a:lvl4pPr>
-            <a:lvl5pPr marL="1828800" indent="0">
+            <a:lvl5pPr marL="1828777" indent="0">
               <a:buNone/>
               <a:defRPr sz="1600" b="1"/>
             </a:lvl5pPr>
-            <a:lvl6pPr marL="2286000" indent="0">
+            <a:lvl6pPr marL="2285972" indent="0">
               <a:buNone/>
               <a:defRPr sz="1600" b="1"/>
             </a:lvl6pPr>
-            <a:lvl7pPr marL="2743200" indent="0">
+            <a:lvl7pPr marL="2743166" indent="0">
               <a:buNone/>
               <a:defRPr sz="1600" b="1"/>
             </a:lvl7pPr>
-            <a:lvl8pPr marL="3200400" indent="0">
+            <a:lvl8pPr marL="3200360" indent="0">
               <a:buNone/>
               <a:defRPr sz="1600" b="1"/>
             </a:lvl8pPr>
-            <a:lvl9pPr marL="3657600" indent="0">
+            <a:lvl9pPr marL="3657555" indent="0">
               <a:buNone/>
               <a:defRPr sz="1600" b="1"/>
             </a:lvl9pPr>
@@ -1747,7 +1751,7 @@
         </p:nvSpPr>
         <p:spPr>
           <a:xfrm>
-            <a:off x="6172200" y="2505075"/>
+            <a:off x="6172203" y="2505076"/>
             <a:ext cx="5183188" cy="3684588"/>
           </a:xfrm>
         </p:spPr>
@@ -1814,7 +1818,7 @@
           <a:p>
             <a:fld id="{EFC81BCF-26DE-4B7E-A1D2-560DC9402B9F}" type="datetimeFigureOut">
               <a:rPr lang="he-IL" smtClean="0"/>
-              <a:t>כ"ח/טבת/תשפ"ה</a:t>
+              <a:t>ה'/שבט/תשפ"ה</a:t>
             </a:fld>
             <a:endParaRPr lang="he-IL"/>
           </a:p>
@@ -1955,7 +1959,7 @@
           <a:p>
             <a:fld id="{EFC81BCF-26DE-4B7E-A1D2-560DC9402B9F}" type="datetimeFigureOut">
               <a:rPr lang="he-IL" smtClean="0"/>
-              <a:t>כ"ח/טבת/תשפ"ה</a:t>
+              <a:t>ה'/שבט/תשפ"ה</a:t>
             </a:fld>
             <a:endParaRPr lang="he-IL"/>
           </a:p>
@@ -2068,7 +2072,7 @@
           <a:p>
             <a:fld id="{EFC81BCF-26DE-4B7E-A1D2-560DC9402B9F}" type="datetimeFigureOut">
               <a:rPr lang="he-IL" smtClean="0"/>
-              <a:t>כ"ח/טבת/תשפ"ה</a:t>
+              <a:t>ה'/שבט/תשפ"ה</a:t>
             </a:fld>
             <a:endParaRPr lang="he-IL"/>
           </a:p>
@@ -2176,8 +2180,8 @@
         </p:nvSpPr>
         <p:spPr>
           <a:xfrm>
-            <a:off x="839788" y="457200"/>
-            <a:ext cx="3932237" cy="1600200"/>
+            <a:off x="839791" y="457200"/>
+            <a:ext cx="3932236" cy="1600200"/>
           </a:xfrm>
         </p:spPr>
         <p:txBody>
@@ -2213,8 +2217,8 @@
         </p:nvSpPr>
         <p:spPr>
           <a:xfrm>
-            <a:off x="5183188" y="987425"/>
-            <a:ext cx="6172200" cy="4873625"/>
+            <a:off x="5183189" y="987427"/>
+            <a:ext cx="6172201" cy="4873625"/>
           </a:xfrm>
         </p:spPr>
         <p:txBody>
@@ -2303,8 +2307,8 @@
         </p:nvSpPr>
         <p:spPr>
           <a:xfrm>
-            <a:off x="839788" y="2057400"/>
-            <a:ext cx="3932237" cy="3811588"/>
+            <a:off x="839791" y="2057400"/>
+            <a:ext cx="3932236" cy="3811588"/>
           </a:xfrm>
         </p:spPr>
         <p:txBody>
@@ -2314,37 +2318,37 @@
               <a:buNone/>
               <a:defRPr sz="1600"/>
             </a:lvl1pPr>
-            <a:lvl2pPr marL="457200" indent="0">
+            <a:lvl2pPr marL="457195" indent="0">
               <a:buNone/>
-              <a:defRPr sz="1400"/>
+              <a:defRPr sz="1401"/>
             </a:lvl2pPr>
-            <a:lvl3pPr marL="914400" indent="0">
+            <a:lvl3pPr marL="914388" indent="0">
               <a:buNone/>
               <a:defRPr sz="1200"/>
             </a:lvl3pPr>
-            <a:lvl4pPr marL="1371600" indent="0">
+            <a:lvl4pPr marL="1371583" indent="0">
               <a:buNone/>
-              <a:defRPr sz="1000"/>
+              <a:defRPr sz="1001"/>
             </a:lvl4pPr>
-            <a:lvl5pPr marL="1828800" indent="0">
+            <a:lvl5pPr marL="1828777" indent="0">
               <a:buNone/>
-              <a:defRPr sz="1000"/>
+              <a:defRPr sz="1001"/>
             </a:lvl5pPr>
-            <a:lvl6pPr marL="2286000" indent="0">
+            <a:lvl6pPr marL="2285972" indent="0">
               <a:buNone/>
-              <a:defRPr sz="1000"/>
+              <a:defRPr sz="1001"/>
             </a:lvl6pPr>
-            <a:lvl7pPr marL="2743200" indent="0">
+            <a:lvl7pPr marL="2743166" indent="0">
               <a:buNone/>
-              <a:defRPr sz="1000"/>
+              <a:defRPr sz="1001"/>
             </a:lvl7pPr>
-            <a:lvl8pPr marL="3200400" indent="0">
+            <a:lvl8pPr marL="3200360" indent="0">
               <a:buNone/>
-              <a:defRPr sz="1000"/>
+              <a:defRPr sz="1001"/>
             </a:lvl8pPr>
-            <a:lvl9pPr marL="3657600" indent="0">
+            <a:lvl9pPr marL="3657555" indent="0">
               <a:buNone/>
-              <a:defRPr sz="1000"/>
+              <a:defRPr sz="1001"/>
             </a:lvl9pPr>
           </a:lstStyle>
           <a:p>
@@ -2379,7 +2383,7 @@
           <a:p>
             <a:fld id="{EFC81BCF-26DE-4B7E-A1D2-560DC9402B9F}" type="datetimeFigureOut">
               <a:rPr lang="he-IL" smtClean="0"/>
-              <a:t>כ"ח/טבת/תשפ"ה</a:t>
+              <a:t>ה'/שבט/תשפ"ה</a:t>
             </a:fld>
             <a:endParaRPr lang="he-IL"/>
           </a:p>
@@ -2487,8 +2491,8 @@
         </p:nvSpPr>
         <p:spPr>
           <a:xfrm>
-            <a:off x="839788" y="457200"/>
-            <a:ext cx="3932237" cy="1600200"/>
+            <a:off x="839791" y="457200"/>
+            <a:ext cx="3932236" cy="1600200"/>
           </a:xfrm>
         </p:spPr>
         <p:txBody>
@@ -2524,8 +2528,8 @@
         </p:nvSpPr>
         <p:spPr>
           <a:xfrm>
-            <a:off x="5183188" y="987425"/>
-            <a:ext cx="6172200" cy="4873625"/>
+            <a:off x="5183189" y="987427"/>
+            <a:ext cx="6172201" cy="4873625"/>
           </a:xfrm>
         </p:spPr>
         <p:txBody>
@@ -2535,35 +2539,35 @@
               <a:buNone/>
               <a:defRPr sz="3200"/>
             </a:lvl1pPr>
-            <a:lvl2pPr marL="457200" indent="0">
+            <a:lvl2pPr marL="457195" indent="0">
               <a:buNone/>
               <a:defRPr sz="2800"/>
             </a:lvl2pPr>
-            <a:lvl3pPr marL="914400" indent="0">
+            <a:lvl3pPr marL="914388" indent="0">
               <a:buNone/>
               <a:defRPr sz="2400"/>
             </a:lvl3pPr>
-            <a:lvl4pPr marL="1371600" indent="0">
+            <a:lvl4pPr marL="1371583" indent="0">
               <a:buNone/>
               <a:defRPr sz="2000"/>
             </a:lvl4pPr>
-            <a:lvl5pPr marL="1828800" indent="0">
+            <a:lvl5pPr marL="1828777" indent="0">
               <a:buNone/>
               <a:defRPr sz="2000"/>
             </a:lvl5pPr>
-            <a:lvl6pPr marL="2286000" indent="0">
+            <a:lvl6pPr marL="2285972" indent="0">
               <a:buNone/>
               <a:defRPr sz="2000"/>
             </a:lvl6pPr>
-            <a:lvl7pPr marL="2743200" indent="0">
+            <a:lvl7pPr marL="2743166" indent="0">
               <a:buNone/>
               <a:defRPr sz="2000"/>
             </a:lvl7pPr>
-            <a:lvl8pPr marL="3200400" indent="0">
+            <a:lvl8pPr marL="3200360" indent="0">
               <a:buNone/>
               <a:defRPr sz="2000"/>
             </a:lvl8pPr>
-            <a:lvl9pPr marL="3657600" indent="0">
+            <a:lvl9pPr marL="3657555" indent="0">
               <a:buNone/>
               <a:defRPr sz="2000"/>
             </a:lvl9pPr>
@@ -2591,8 +2595,8 @@
         </p:nvSpPr>
         <p:spPr>
           <a:xfrm>
-            <a:off x="839788" y="2057400"/>
-            <a:ext cx="3932237" cy="3811588"/>
+            <a:off x="839791" y="2057400"/>
+            <a:ext cx="3932236" cy="3811588"/>
           </a:xfrm>
         </p:spPr>
         <p:txBody>
@@ -2602,37 +2606,37 @@
               <a:buNone/>
               <a:defRPr sz="1600"/>
             </a:lvl1pPr>
-            <a:lvl2pPr marL="457200" indent="0">
+            <a:lvl2pPr marL="457195" indent="0">
               <a:buNone/>
-              <a:defRPr sz="1400"/>
+              <a:defRPr sz="1401"/>
             </a:lvl2pPr>
-            <a:lvl3pPr marL="914400" indent="0">
+            <a:lvl3pPr marL="914388" indent="0">
               <a:buNone/>
               <a:defRPr sz="1200"/>
             </a:lvl3pPr>
-            <a:lvl4pPr marL="1371600" indent="0">
+            <a:lvl4pPr marL="1371583" indent="0">
               <a:buNone/>
-              <a:defRPr sz="1000"/>
+              <a:defRPr sz="1001"/>
             </a:lvl4pPr>
-            <a:lvl5pPr marL="1828800" indent="0">
+            <a:lvl5pPr marL="1828777" indent="0">
               <a:buNone/>
-              <a:defRPr sz="1000"/>
+              <a:defRPr sz="1001"/>
             </a:lvl5pPr>
-            <a:lvl6pPr marL="2286000" indent="0">
+            <a:lvl6pPr marL="2285972" indent="0">
               <a:buNone/>
-              <a:defRPr sz="1000"/>
+              <a:defRPr sz="1001"/>
             </a:lvl6pPr>
-            <a:lvl7pPr marL="2743200" indent="0">
+            <a:lvl7pPr marL="2743166" indent="0">
               <a:buNone/>
-              <a:defRPr sz="1000"/>
+              <a:defRPr sz="1001"/>
             </a:lvl7pPr>
-            <a:lvl8pPr marL="3200400" indent="0">
+            <a:lvl8pPr marL="3200360" indent="0">
               <a:buNone/>
-              <a:defRPr sz="1000"/>
+              <a:defRPr sz="1001"/>
             </a:lvl8pPr>
-            <a:lvl9pPr marL="3657600" indent="0">
+            <a:lvl9pPr marL="3657555" indent="0">
               <a:buNone/>
-              <a:defRPr sz="1000"/>
+              <a:defRPr sz="1001"/>
             </a:lvl9pPr>
           </a:lstStyle>
           <a:p>
@@ -2667,7 +2671,7 @@
           <a:p>
             <a:fld id="{EFC81BCF-26DE-4B7E-A1D2-560DC9402B9F}" type="datetimeFigureOut">
               <a:rPr lang="he-IL" smtClean="0"/>
-              <a:t>כ"ח/טבת/תשפ"ה</a:t>
+              <a:t>ה'/שבט/תשפ"ה</a:t>
             </a:fld>
             <a:endParaRPr lang="he-IL"/>
           </a:p>
@@ -2780,7 +2784,7 @@
         </p:nvSpPr>
         <p:spPr>
           <a:xfrm>
-            <a:off x="838200" y="365125"/>
+            <a:off x="838203" y="365127"/>
             <a:ext cx="10515600" cy="1325563"/>
           </a:xfrm>
           <a:prstGeom prst="rect">
@@ -2818,7 +2822,7 @@
         </p:nvSpPr>
         <p:spPr>
           <a:xfrm>
-            <a:off x="838200" y="1825625"/>
+            <a:off x="838203" y="1825625"/>
             <a:ext cx="10515600" cy="4351338"/>
           </a:xfrm>
           <a:prstGeom prst="rect">
@@ -2885,7 +2889,7 @@
         </p:nvSpPr>
         <p:spPr>
           <a:xfrm>
-            <a:off x="8610600" y="6356350"/>
+            <a:off x="8610601" y="6356353"/>
             <a:ext cx="2743200" cy="365125"/>
           </a:xfrm>
           <a:prstGeom prst="rect">
@@ -2908,7 +2912,7 @@
           <a:p>
             <a:fld id="{EFC81BCF-26DE-4B7E-A1D2-560DC9402B9F}" type="datetimeFigureOut">
               <a:rPr lang="he-IL" smtClean="0"/>
-              <a:t>כ"ח/טבת/תשפ"ה</a:t>
+              <a:t>ה'/שבט/תשפ"ה</a:t>
             </a:fld>
             <a:endParaRPr lang="he-IL"/>
           </a:p>
@@ -2932,7 +2936,7 @@
         </p:nvSpPr>
         <p:spPr>
           <a:xfrm>
-            <a:off x="4038600" y="6356350"/>
+            <a:off x="4038603" y="6356353"/>
             <a:ext cx="4114800" cy="365125"/>
           </a:xfrm>
           <a:prstGeom prst="rect">
@@ -2975,7 +2979,7 @@
         </p:nvSpPr>
         <p:spPr>
           <a:xfrm>
-            <a:off x="838200" y="6356350"/>
+            <a:off x="838201" y="6356353"/>
             <a:ext cx="2743200" cy="365125"/>
           </a:xfrm>
           <a:prstGeom prst="rect">
@@ -3027,7 +3031,7 @@
   </p:sldLayoutIdLst>
   <p:txStyles>
     <p:titleStyle>
-      <a:lvl1pPr algn="r" defTabSz="914400" rtl="1" eaLnBrk="1" latinLnBrk="0" hangingPunct="1">
+      <a:lvl1pPr algn="r" defTabSz="914388" rtl="1" eaLnBrk="1" latinLnBrk="0" hangingPunct="1">
         <a:lnSpc>
           <a:spcPct val="90000"/>
         </a:lnSpc>
@@ -3046,12 +3050,12 @@
       </a:lvl1pPr>
     </p:titleStyle>
     <p:bodyStyle>
-      <a:lvl1pPr marL="228600" indent="-228600" algn="r" defTabSz="914400" rtl="1" eaLnBrk="1" latinLnBrk="0" hangingPunct="1">
+      <a:lvl1pPr marL="228598" indent="-228598" algn="r" defTabSz="914388" rtl="1" eaLnBrk="1" latinLnBrk="0" hangingPunct="1">
         <a:lnSpc>
           <a:spcPct val="90000"/>
         </a:lnSpc>
         <a:spcBef>
-          <a:spcPts val="1000"/>
+          <a:spcPts val="1001"/>
         </a:spcBef>
         <a:buFont typeface="Arial" panose="020B0604020202020204" pitchFamily="34" charset="0"/>
         <a:buChar char="•"/>
@@ -3064,7 +3068,7 @@
           <a:cs typeface="+mn-cs"/>
         </a:defRPr>
       </a:lvl1pPr>
-      <a:lvl2pPr marL="685800" indent="-228600" algn="r" defTabSz="914400" rtl="1" eaLnBrk="1" latinLnBrk="0" hangingPunct="1">
+      <a:lvl2pPr marL="685792" indent="-228598" algn="r" defTabSz="914388" rtl="1" eaLnBrk="1" latinLnBrk="0" hangingPunct="1">
         <a:lnSpc>
           <a:spcPct val="90000"/>
         </a:lnSpc>
@@ -3082,7 +3086,7 @@
           <a:cs typeface="+mn-cs"/>
         </a:defRPr>
       </a:lvl2pPr>
-      <a:lvl3pPr marL="1143000" indent="-228600" algn="r" defTabSz="914400" rtl="1" eaLnBrk="1" latinLnBrk="0" hangingPunct="1">
+      <a:lvl3pPr marL="1142986" indent="-228598" algn="r" defTabSz="914388" rtl="1" eaLnBrk="1" latinLnBrk="0" hangingPunct="1">
         <a:lnSpc>
           <a:spcPct val="90000"/>
         </a:lnSpc>
@@ -3100,7 +3104,7 @@
           <a:cs typeface="+mn-cs"/>
         </a:defRPr>
       </a:lvl3pPr>
-      <a:lvl4pPr marL="1600200" indent="-228600" algn="r" defTabSz="914400" rtl="1" eaLnBrk="1" latinLnBrk="0" hangingPunct="1">
+      <a:lvl4pPr marL="1600181" indent="-228598" algn="r" defTabSz="914388" rtl="1" eaLnBrk="1" latinLnBrk="0" hangingPunct="1">
         <a:lnSpc>
           <a:spcPct val="90000"/>
         </a:lnSpc>
@@ -3109,7 +3113,7 @@
         </a:spcBef>
         <a:buFont typeface="Arial" panose="020B0604020202020204" pitchFamily="34" charset="0"/>
         <a:buChar char="•"/>
-        <a:defRPr sz="1800" kern="1200">
+        <a:defRPr sz="1801" kern="1200">
           <a:solidFill>
             <a:schemeClr val="tx1"/>
           </a:solidFill>
@@ -3118,7 +3122,7 @@
           <a:cs typeface="+mn-cs"/>
         </a:defRPr>
       </a:lvl4pPr>
-      <a:lvl5pPr marL="2057400" indent="-228600" algn="r" defTabSz="914400" rtl="1" eaLnBrk="1" latinLnBrk="0" hangingPunct="1">
+      <a:lvl5pPr marL="2057375" indent="-228598" algn="r" defTabSz="914388" rtl="1" eaLnBrk="1" latinLnBrk="0" hangingPunct="1">
         <a:lnSpc>
           <a:spcPct val="90000"/>
         </a:lnSpc>
@@ -3127,7 +3131,7 @@
         </a:spcBef>
         <a:buFont typeface="Arial" panose="020B0604020202020204" pitchFamily="34" charset="0"/>
         <a:buChar char="•"/>
-        <a:defRPr sz="1800" kern="1200">
+        <a:defRPr sz="1801" kern="1200">
           <a:solidFill>
             <a:schemeClr val="tx1"/>
           </a:solidFill>
@@ -3136,7 +3140,7 @@
           <a:cs typeface="+mn-cs"/>
         </a:defRPr>
       </a:lvl5pPr>
-      <a:lvl6pPr marL="2514600" indent="-228600" algn="r" defTabSz="914400" rtl="1" eaLnBrk="1" latinLnBrk="0" hangingPunct="1">
+      <a:lvl6pPr marL="2514569" indent="-228598" algn="r" defTabSz="914388" rtl="1" eaLnBrk="1" latinLnBrk="0" hangingPunct="1">
         <a:lnSpc>
           <a:spcPct val="90000"/>
         </a:lnSpc>
@@ -3145,7 +3149,7 @@
         </a:spcBef>
         <a:buFont typeface="Arial" panose="020B0604020202020204" pitchFamily="34" charset="0"/>
         <a:buChar char="•"/>
-        <a:defRPr sz="1800" kern="1200">
+        <a:defRPr sz="1801" kern="1200">
           <a:solidFill>
             <a:schemeClr val="tx1"/>
           </a:solidFill>
@@ -3154,7 +3158,7 @@
           <a:cs typeface="+mn-cs"/>
         </a:defRPr>
       </a:lvl6pPr>
-      <a:lvl7pPr marL="2971800" indent="-228600" algn="r" defTabSz="914400" rtl="1" eaLnBrk="1" latinLnBrk="0" hangingPunct="1">
+      <a:lvl7pPr marL="2971764" indent="-228598" algn="r" defTabSz="914388" rtl="1" eaLnBrk="1" latinLnBrk="0" hangingPunct="1">
         <a:lnSpc>
           <a:spcPct val="90000"/>
         </a:lnSpc>
@@ -3163,7 +3167,7 @@
         </a:spcBef>
         <a:buFont typeface="Arial" panose="020B0604020202020204" pitchFamily="34" charset="0"/>
         <a:buChar char="•"/>
-        <a:defRPr sz="1800" kern="1200">
+        <a:defRPr sz="1801" kern="1200">
           <a:solidFill>
             <a:schemeClr val="tx1"/>
           </a:solidFill>
@@ -3172,7 +3176,7 @@
           <a:cs typeface="+mn-cs"/>
         </a:defRPr>
       </a:lvl7pPr>
-      <a:lvl8pPr marL="3429000" indent="-228600" algn="r" defTabSz="914400" rtl="1" eaLnBrk="1" latinLnBrk="0" hangingPunct="1">
+      <a:lvl8pPr marL="3428958" indent="-228598" algn="r" defTabSz="914388" rtl="1" eaLnBrk="1" latinLnBrk="0" hangingPunct="1">
         <a:lnSpc>
           <a:spcPct val="90000"/>
         </a:lnSpc>
@@ -3181,7 +3185,7 @@
         </a:spcBef>
         <a:buFont typeface="Arial" panose="020B0604020202020204" pitchFamily="34" charset="0"/>
         <a:buChar char="•"/>
-        <a:defRPr sz="1800" kern="1200">
+        <a:defRPr sz="1801" kern="1200">
           <a:solidFill>
             <a:schemeClr val="tx1"/>
           </a:solidFill>
@@ -3190,7 +3194,7 @@
           <a:cs typeface="+mn-cs"/>
         </a:defRPr>
       </a:lvl8pPr>
-      <a:lvl9pPr marL="3886200" indent="-228600" algn="r" defTabSz="914400" rtl="1" eaLnBrk="1" latinLnBrk="0" hangingPunct="1">
+      <a:lvl9pPr marL="3886152" indent="-228598" algn="r" defTabSz="914388" rtl="1" eaLnBrk="1" latinLnBrk="0" hangingPunct="1">
         <a:lnSpc>
           <a:spcPct val="90000"/>
         </a:lnSpc>
@@ -3199,7 +3203,7 @@
         </a:spcBef>
         <a:buFont typeface="Arial" panose="020B0604020202020204" pitchFamily="34" charset="0"/>
         <a:buChar char="•"/>
-        <a:defRPr sz="1800" kern="1200">
+        <a:defRPr sz="1801" kern="1200">
           <a:solidFill>
             <a:schemeClr val="tx1"/>
           </a:solidFill>
@@ -3213,8 +3217,8 @@
       <a:defPPr>
         <a:defRPr lang="he-IL"/>
       </a:defPPr>
-      <a:lvl1pPr marL="0" algn="r" defTabSz="914400" rtl="1" eaLnBrk="1" latinLnBrk="0" hangingPunct="1">
-        <a:defRPr sz="1800" kern="1200">
+      <a:lvl1pPr marL="0" algn="r" defTabSz="914388" rtl="1" eaLnBrk="1" latinLnBrk="0" hangingPunct="1">
+        <a:defRPr sz="1801" kern="1200">
           <a:solidFill>
             <a:schemeClr val="tx1"/>
           </a:solidFill>
@@ -3223,8 +3227,8 @@
           <a:cs typeface="+mn-cs"/>
         </a:defRPr>
       </a:lvl1pPr>
-      <a:lvl2pPr marL="457200" algn="r" defTabSz="914400" rtl="1" eaLnBrk="1" latinLnBrk="0" hangingPunct="1">
-        <a:defRPr sz="1800" kern="1200">
+      <a:lvl2pPr marL="457195" algn="r" defTabSz="914388" rtl="1" eaLnBrk="1" latinLnBrk="0" hangingPunct="1">
+        <a:defRPr sz="1801" kern="1200">
           <a:solidFill>
             <a:schemeClr val="tx1"/>
           </a:solidFill>
@@ -3233,8 +3237,8 @@
           <a:cs typeface="+mn-cs"/>
         </a:defRPr>
       </a:lvl2pPr>
-      <a:lvl3pPr marL="914400" algn="r" defTabSz="914400" rtl="1" eaLnBrk="1" latinLnBrk="0" hangingPunct="1">
-        <a:defRPr sz="1800" kern="1200">
+      <a:lvl3pPr marL="914388" algn="r" defTabSz="914388" rtl="1" eaLnBrk="1" latinLnBrk="0" hangingPunct="1">
+        <a:defRPr sz="1801" kern="1200">
           <a:solidFill>
             <a:schemeClr val="tx1"/>
           </a:solidFill>
@@ -3243,8 +3247,8 @@
           <a:cs typeface="+mn-cs"/>
         </a:defRPr>
       </a:lvl3pPr>
-      <a:lvl4pPr marL="1371600" algn="r" defTabSz="914400" rtl="1" eaLnBrk="1" latinLnBrk="0" hangingPunct="1">
-        <a:defRPr sz="1800" kern="1200">
+      <a:lvl4pPr marL="1371583" algn="r" defTabSz="914388" rtl="1" eaLnBrk="1" latinLnBrk="0" hangingPunct="1">
+        <a:defRPr sz="1801" kern="1200">
           <a:solidFill>
             <a:schemeClr val="tx1"/>
           </a:solidFill>
@@ -3253,8 +3257,8 @@
           <a:cs typeface="+mn-cs"/>
         </a:defRPr>
       </a:lvl4pPr>
-      <a:lvl5pPr marL="1828800" algn="r" defTabSz="914400" rtl="1" eaLnBrk="1" latinLnBrk="0" hangingPunct="1">
-        <a:defRPr sz="1800" kern="1200">
+      <a:lvl5pPr marL="1828777" algn="r" defTabSz="914388" rtl="1" eaLnBrk="1" latinLnBrk="0" hangingPunct="1">
+        <a:defRPr sz="1801" kern="1200">
           <a:solidFill>
             <a:schemeClr val="tx1"/>
           </a:solidFill>
@@ -3263,8 +3267,8 @@
           <a:cs typeface="+mn-cs"/>
         </a:defRPr>
       </a:lvl5pPr>
-      <a:lvl6pPr marL="2286000" algn="r" defTabSz="914400" rtl="1" eaLnBrk="1" latinLnBrk="0" hangingPunct="1">
-        <a:defRPr sz="1800" kern="1200">
+      <a:lvl6pPr marL="2285972" algn="r" defTabSz="914388" rtl="1" eaLnBrk="1" latinLnBrk="0" hangingPunct="1">
+        <a:defRPr sz="1801" kern="1200">
           <a:solidFill>
             <a:schemeClr val="tx1"/>
           </a:solidFill>
@@ -3273,8 +3277,8 @@
           <a:cs typeface="+mn-cs"/>
         </a:defRPr>
       </a:lvl6pPr>
-      <a:lvl7pPr marL="2743200" algn="r" defTabSz="914400" rtl="1" eaLnBrk="1" latinLnBrk="0" hangingPunct="1">
-        <a:defRPr sz="1800" kern="1200">
+      <a:lvl7pPr marL="2743166" algn="r" defTabSz="914388" rtl="1" eaLnBrk="1" latinLnBrk="0" hangingPunct="1">
+        <a:defRPr sz="1801" kern="1200">
           <a:solidFill>
             <a:schemeClr val="tx1"/>
           </a:solidFill>
@@ -3283,8 +3287,8 @@
           <a:cs typeface="+mn-cs"/>
         </a:defRPr>
       </a:lvl7pPr>
-      <a:lvl8pPr marL="3200400" algn="r" defTabSz="914400" rtl="1" eaLnBrk="1" latinLnBrk="0" hangingPunct="1">
-        <a:defRPr sz="1800" kern="1200">
+      <a:lvl8pPr marL="3200360" algn="r" defTabSz="914388" rtl="1" eaLnBrk="1" latinLnBrk="0" hangingPunct="1">
+        <a:defRPr sz="1801" kern="1200">
           <a:solidFill>
             <a:schemeClr val="tx1"/>
           </a:solidFill>
@@ -3293,8 +3297,8 @@
           <a:cs typeface="+mn-cs"/>
         </a:defRPr>
       </a:lvl8pPr>
-      <a:lvl9pPr marL="3657600" algn="r" defTabSz="914400" rtl="1" eaLnBrk="1" latinLnBrk="0" hangingPunct="1">
-        <a:defRPr sz="1800" kern="1200">
+      <a:lvl9pPr marL="3657555" algn="r" defTabSz="914388" rtl="1" eaLnBrk="1" latinLnBrk="0" hangingPunct="1">
+        <a:defRPr sz="1801" kern="1200">
           <a:solidFill>
             <a:schemeClr val="tx1"/>
           </a:solidFill>
@@ -3343,7 +3347,7 @@
         </p:nvSpPr>
         <p:spPr>
           <a:xfrm>
-            <a:off x="1282337" y="5532437"/>
+            <a:off x="1093654" y="5532437"/>
             <a:ext cx="10515600" cy="1325563"/>
           </a:xfrm>
         </p:spPr>
@@ -3403,7 +3407,7 @@
         </p:nvSpPr>
         <p:spPr>
           <a:xfrm>
-            <a:off x="5734593" y="143692"/>
+            <a:off x="5313681" y="172721"/>
             <a:ext cx="1593669" cy="509451"/>
           </a:xfrm>
           <a:prstGeom prst="rect">
@@ -3432,10 +3436,10 @@
           <a:p>
             <a:pPr algn="ctr"/>
             <a:r>
-              <a:rPr lang="en-US" dirty="0"/>
+              <a:rPr lang="en-US" sz="1801" dirty="0"/>
               <a:t>app</a:t>
             </a:r>
-            <a:endParaRPr lang="he-IL" dirty="0"/>
+            <a:endParaRPr lang="he-IL" sz="1801" dirty="0"/>
           </a:p>
         </p:txBody>
       </p:sp>
@@ -3453,8 +3457,8 @@
         </p:nvSpPr>
         <p:spPr>
           <a:xfrm>
-            <a:off x="5355770" y="1005841"/>
-            <a:ext cx="2351314" cy="509451"/>
+            <a:off x="4934856" y="890060"/>
+            <a:ext cx="2351315" cy="509451"/>
           </a:xfrm>
           <a:prstGeom prst="rect">
             <a:avLst/>
@@ -3482,14 +3486,14 @@
           <a:p>
             <a:pPr algn="ctr"/>
             <a:r>
-              <a:rPr lang="en-US" dirty="0" err="1"/>
+              <a:rPr lang="en-US" sz="1801" dirty="0" err="1"/>
               <a:t>UserContextReducer</a:t>
             </a:r>
-            <a:endParaRPr lang="en-US" dirty="0"/>
+            <a:endParaRPr lang="en-US" sz="1801" dirty="0"/>
           </a:p>
           <a:p>
             <a:pPr algn="ctr"/>
-            <a:endParaRPr lang="he-IL" dirty="0"/>
+            <a:endParaRPr lang="he-IL" sz="1801" dirty="0"/>
           </a:p>
         </p:txBody>
       </p:sp>
@@ -3507,7 +3511,7 @@
         </p:nvSpPr>
         <p:spPr>
           <a:xfrm>
-            <a:off x="5734593" y="1822270"/>
+            <a:off x="5313681" y="1618152"/>
             <a:ext cx="1593669" cy="509451"/>
           </a:xfrm>
           <a:prstGeom prst="rect">
@@ -3536,10 +3540,10 @@
           <a:p>
             <a:pPr algn="ctr"/>
             <a:r>
-              <a:rPr lang="en-US" dirty="0"/>
+              <a:rPr lang="en-US" sz="1801" dirty="0"/>
               <a:t>redux</a:t>
             </a:r>
-            <a:endParaRPr lang="he-IL" dirty="0"/>
+            <a:endParaRPr lang="he-IL" sz="1801" dirty="0"/>
           </a:p>
         </p:txBody>
       </p:sp>
@@ -3557,7 +3561,7 @@
         </p:nvSpPr>
         <p:spPr>
           <a:xfrm>
-            <a:off x="5734593" y="2638699"/>
+            <a:off x="5313681" y="2372885"/>
             <a:ext cx="1593669" cy="509451"/>
           </a:xfrm>
           <a:prstGeom prst="rect">
@@ -3586,10 +3590,10 @@
           <a:p>
             <a:pPr algn="ctr"/>
             <a:r>
-              <a:rPr lang="en-US" dirty="0"/>
+              <a:rPr lang="en-US" sz="1801" dirty="0"/>
               <a:t>router</a:t>
             </a:r>
-            <a:endParaRPr lang="he-IL" dirty="0"/>
+            <a:endParaRPr lang="he-IL" sz="1801" dirty="0"/>
           </a:p>
         </p:txBody>
       </p:sp>
@@ -3607,7 +3611,7 @@
         </p:nvSpPr>
         <p:spPr>
           <a:xfrm>
-            <a:off x="5734593" y="3455125"/>
+            <a:off x="5313681" y="3107477"/>
             <a:ext cx="1593669" cy="509451"/>
           </a:xfrm>
           <a:prstGeom prst="rect">
@@ -3636,14 +3640,14 @@
           <a:p>
             <a:pPr algn="ctr"/>
             <a:r>
-              <a:rPr lang="en-US" dirty="0"/>
+              <a:rPr lang="en-US" sz="1801" dirty="0"/>
               <a:t>App </a:t>
             </a:r>
             <a:r>
-              <a:rPr lang="en-US" dirty="0" err="1"/>
+              <a:rPr lang="en-US" sz="1801" dirty="0" err="1"/>
               <a:t>Layuot</a:t>
             </a:r>
-            <a:endParaRPr lang="he-IL" dirty="0"/>
+            <a:endParaRPr lang="he-IL" sz="1801" dirty="0"/>
           </a:p>
         </p:txBody>
       </p:sp>
@@ -3661,7 +3665,7 @@
         </p:nvSpPr>
         <p:spPr>
           <a:xfrm>
-            <a:off x="5734593" y="4271551"/>
+            <a:off x="5313680" y="3879485"/>
             <a:ext cx="1593669" cy="509451"/>
           </a:xfrm>
           <a:prstGeom prst="rect">
@@ -3690,10 +3694,10 @@
           <a:p>
             <a:pPr algn="ctr" rtl="0"/>
             <a:r>
-              <a:rPr lang="en-US" dirty="0" err="1"/>
+              <a:rPr lang="en-US" sz="1801" dirty="0" err="1"/>
               <a:t>navBar</a:t>
             </a:r>
-            <a:endParaRPr lang="he-IL" dirty="0"/>
+            <a:endParaRPr lang="he-IL" sz="1801" dirty="0"/>
           </a:p>
         </p:txBody>
       </p:sp>
@@ -3711,7 +3715,7 @@
         </p:nvSpPr>
         <p:spPr>
           <a:xfrm>
-            <a:off x="3749040" y="4271551"/>
+            <a:off x="3328125" y="3879485"/>
             <a:ext cx="1593669" cy="509451"/>
           </a:xfrm>
           <a:prstGeom prst="rect">
@@ -3740,10 +3744,10 @@
           <a:p>
             <a:pPr algn="ctr" rtl="0"/>
             <a:r>
-              <a:rPr lang="en-US" dirty="0"/>
-              <a:t>user</a:t>
+              <a:rPr lang="en-US" sz="1801" dirty="0"/>
+              <a:t>menu</a:t>
             </a:r>
-            <a:endParaRPr lang="he-IL" dirty="0"/>
+            <a:endParaRPr lang="he-IL" sz="1801" dirty="0"/>
           </a:p>
         </p:txBody>
       </p:sp>
@@ -3761,7 +3765,7 @@
         </p:nvSpPr>
         <p:spPr>
           <a:xfrm>
-            <a:off x="7720146" y="4271551"/>
+            <a:off x="7299232" y="3879485"/>
             <a:ext cx="1593669" cy="509451"/>
           </a:xfrm>
           <a:prstGeom prst="rect">
@@ -3790,10 +3794,10 @@
           <a:p>
             <a:pPr algn="ctr" rtl="0"/>
             <a:r>
-              <a:rPr lang="en-US" dirty="0"/>
+              <a:rPr lang="en-US" sz="1801" dirty="0"/>
               <a:t>outlet</a:t>
             </a:r>
-            <a:endParaRPr lang="he-IL" dirty="0"/>
+            <a:endParaRPr lang="he-IL" sz="1801" dirty="0"/>
           </a:p>
         </p:txBody>
       </p:sp>
@@ -3814,8 +3818,8 @@
         </p:nvCxnSpPr>
         <p:spPr>
           <a:xfrm flipH="1">
-            <a:off x="6531427" y="653143"/>
-            <a:ext cx="1" cy="352698"/>
+            <a:off x="6110513" y="682177"/>
+            <a:ext cx="3" cy="207887"/>
           </a:xfrm>
           <a:prstGeom prst="line">
             <a:avLst/>
@@ -3853,8 +3857,8 @@
         </p:nvCxnSpPr>
         <p:spPr>
           <a:xfrm>
-            <a:off x="6531427" y="1515292"/>
-            <a:ext cx="1" cy="306978"/>
+            <a:off x="6110513" y="1399514"/>
+            <a:ext cx="3" cy="218641"/>
           </a:xfrm>
           <a:prstGeom prst="line">
             <a:avLst/>
@@ -3892,8 +3896,8 @@
         </p:nvCxnSpPr>
         <p:spPr>
           <a:xfrm>
-            <a:off x="6531428" y="2331721"/>
-            <a:ext cx="0" cy="306978"/>
+            <a:off x="6110516" y="2127601"/>
+            <a:ext cx="0" cy="245283"/>
           </a:xfrm>
           <a:prstGeom prst="line">
             <a:avLst/>
@@ -3931,8 +3935,8 @@
         </p:nvCxnSpPr>
         <p:spPr>
           <a:xfrm>
-            <a:off x="6531428" y="3148150"/>
-            <a:ext cx="0" cy="306975"/>
+            <a:off x="6110516" y="2882336"/>
+            <a:ext cx="0" cy="225141"/>
           </a:xfrm>
           <a:prstGeom prst="line">
             <a:avLst/>
@@ -3969,9 +3973,9 @@
           <p:nvPr/>
         </p:nvCxnSpPr>
         <p:spPr>
-          <a:xfrm>
-            <a:off x="6531428" y="3964576"/>
-            <a:ext cx="0" cy="306975"/>
+          <a:xfrm flipH="1">
+            <a:off x="6110518" y="3616930"/>
+            <a:ext cx="1" cy="262559"/>
           </a:xfrm>
           <a:prstGeom prst="line">
             <a:avLst/>
@@ -4009,8 +4013,8 @@
         </p:nvCxnSpPr>
         <p:spPr>
           <a:xfrm flipH="1">
-            <a:off x="4545875" y="3964576"/>
-            <a:ext cx="1985553" cy="306975"/>
+            <a:off x="4124961" y="3616930"/>
+            <a:ext cx="1985555" cy="262559"/>
           </a:xfrm>
           <a:prstGeom prst="line">
             <a:avLst/>
@@ -4048,8 +4052,8 @@
         </p:nvCxnSpPr>
         <p:spPr>
           <a:xfrm>
-            <a:off x="6531428" y="3964576"/>
-            <a:ext cx="1985553" cy="306975"/>
+            <a:off x="6110519" y="3616930"/>
+            <a:ext cx="1985551" cy="262559"/>
           </a:xfrm>
           <a:prstGeom prst="line">
             <a:avLst/>
@@ -4084,8 +4088,8 @@
         </p:nvSpPr>
         <p:spPr>
           <a:xfrm>
-            <a:off x="9999618" y="352697"/>
-            <a:ext cx="1998617" cy="369332"/>
+            <a:off x="9868994" y="312712"/>
+            <a:ext cx="1998617" cy="369460"/>
           </a:xfrm>
           <a:prstGeom prst="rect">
             <a:avLst/>
@@ -4099,13 +4103,946 @@
           <a:lstStyle/>
           <a:p>
             <a:r>
-              <a:rPr lang="en-US" b="1" dirty="0"/>
+              <a:rPr lang="en-US" sz="1801" b="1" dirty="0"/>
               <a:t>Flowchart</a:t>
             </a:r>
-            <a:endParaRPr lang="he-IL" b="1" dirty="0"/>
+            <a:endParaRPr lang="he-IL" sz="1801" b="1" dirty="0"/>
           </a:p>
         </p:txBody>
       </p:sp>
+      <p:sp>
+        <p:nvSpPr>
+          <p:cNvPr id="23" name="מלבן 22">
+            <a:extLst>
+              <a:ext uri="{FF2B5EF4-FFF2-40B4-BE49-F238E27FC236}">
+                <a16:creationId xmlns:a16="http://schemas.microsoft.com/office/drawing/2014/main" id="{A71A908D-B541-4617-B6CF-B3BE44644AF4}"/>
+              </a:ext>
+            </a:extLst>
+          </p:cNvPr>
+          <p:cNvSpPr/>
+          <p:nvPr/>
+        </p:nvSpPr>
+        <p:spPr>
+          <a:xfrm>
+            <a:off x="3516629" y="4532607"/>
+            <a:ext cx="1216661" cy="312885"/>
+          </a:xfrm>
+          <a:prstGeom prst="rect">
+            <a:avLst/>
+          </a:prstGeom>
+        </p:spPr>
+        <p:style>
+          <a:lnRef idx="2">
+            <a:schemeClr val="accent1">
+              <a:shade val="50000"/>
+            </a:schemeClr>
+          </a:lnRef>
+          <a:fillRef idx="1">
+            <a:schemeClr val="accent1"/>
+          </a:fillRef>
+          <a:effectRef idx="0">
+            <a:schemeClr val="accent1"/>
+          </a:effectRef>
+          <a:fontRef idx="minor">
+            <a:schemeClr val="lt1"/>
+          </a:fontRef>
+        </p:style>
+        <p:txBody>
+          <a:bodyPr rtlCol="1" anchor="ctr"/>
+          <a:lstStyle/>
+          <a:p>
+            <a:pPr algn="ctr" rtl="0"/>
+            <a:r>
+              <a:rPr lang="en-US" sz="1200" dirty="0" err="1"/>
+              <a:t>userContextReducer</a:t>
+            </a:r>
+            <a:endParaRPr lang="he-IL" sz="1200" dirty="0"/>
+          </a:p>
+        </p:txBody>
+      </p:sp>
+      <p:sp>
+        <p:nvSpPr>
+          <p:cNvPr id="25" name="מלבן 24">
+            <a:extLst>
+              <a:ext uri="{FF2B5EF4-FFF2-40B4-BE49-F238E27FC236}">
+                <a16:creationId xmlns:a16="http://schemas.microsoft.com/office/drawing/2014/main" id="{269AFBDB-5FA3-441F-A789-758468520A93}"/>
+              </a:ext>
+            </a:extLst>
+          </p:cNvPr>
+          <p:cNvSpPr/>
+          <p:nvPr/>
+        </p:nvSpPr>
+        <p:spPr>
+          <a:xfrm>
+            <a:off x="3516628" y="5041420"/>
+            <a:ext cx="1216661" cy="313529"/>
+          </a:xfrm>
+          <a:prstGeom prst="rect">
+            <a:avLst/>
+          </a:prstGeom>
+        </p:spPr>
+        <p:style>
+          <a:lnRef idx="2">
+            <a:schemeClr val="accent1">
+              <a:shade val="50000"/>
+            </a:schemeClr>
+          </a:lnRef>
+          <a:fillRef idx="1">
+            <a:schemeClr val="accent1"/>
+          </a:fillRef>
+          <a:effectRef idx="0">
+            <a:schemeClr val="accent1"/>
+          </a:effectRef>
+          <a:fontRef idx="minor">
+            <a:schemeClr val="lt1"/>
+          </a:fontRef>
+        </p:style>
+        <p:txBody>
+          <a:bodyPr rtlCol="1" anchor="ctr"/>
+          <a:lstStyle/>
+          <a:p>
+            <a:pPr algn="ctr" rtl="0"/>
+            <a:r>
+              <a:rPr lang="en-US" sz="1200" dirty="0" err="1"/>
+              <a:t>loginBtn</a:t>
+            </a:r>
+            <a:endParaRPr lang="en-US" sz="1200" dirty="0"/>
+          </a:p>
+        </p:txBody>
+      </p:sp>
+      <p:sp>
+        <p:nvSpPr>
+          <p:cNvPr id="28" name="מלבן 27">
+            <a:extLst>
+              <a:ext uri="{FF2B5EF4-FFF2-40B4-BE49-F238E27FC236}">
+                <a16:creationId xmlns:a16="http://schemas.microsoft.com/office/drawing/2014/main" id="{972D8AFF-1CBB-4361-9588-53FA6AE3BAB4}"/>
+              </a:ext>
+            </a:extLst>
+          </p:cNvPr>
+          <p:cNvSpPr/>
+          <p:nvPr/>
+        </p:nvSpPr>
+        <p:spPr>
+          <a:xfrm>
+            <a:off x="3516627" y="5503760"/>
+            <a:ext cx="1216661" cy="313529"/>
+          </a:xfrm>
+          <a:prstGeom prst="rect">
+            <a:avLst/>
+          </a:prstGeom>
+        </p:spPr>
+        <p:style>
+          <a:lnRef idx="2">
+            <a:schemeClr val="accent1">
+              <a:shade val="50000"/>
+            </a:schemeClr>
+          </a:lnRef>
+          <a:fillRef idx="1">
+            <a:schemeClr val="accent1"/>
+          </a:fillRef>
+          <a:effectRef idx="0">
+            <a:schemeClr val="accent1"/>
+          </a:effectRef>
+          <a:fontRef idx="minor">
+            <a:schemeClr val="lt1"/>
+          </a:fontRef>
+        </p:style>
+        <p:txBody>
+          <a:bodyPr rtlCol="1" anchor="ctr"/>
+          <a:lstStyle/>
+          <a:p>
+            <a:pPr algn="ctr" rtl="0"/>
+            <a:r>
+              <a:rPr lang="en-US" sz="1200" dirty="0" err="1"/>
+              <a:t>loginApi</a:t>
+            </a:r>
+            <a:endParaRPr lang="he-IL" sz="1200" dirty="0"/>
+          </a:p>
+        </p:txBody>
+      </p:sp>
+      <p:sp>
+        <p:nvSpPr>
+          <p:cNvPr id="29" name="מלבן 28">
+            <a:extLst>
+              <a:ext uri="{FF2B5EF4-FFF2-40B4-BE49-F238E27FC236}">
+                <a16:creationId xmlns:a16="http://schemas.microsoft.com/office/drawing/2014/main" id="{4B108AFD-1D6C-4516-9F74-D36A567BBBB1}"/>
+              </a:ext>
+            </a:extLst>
+          </p:cNvPr>
+          <p:cNvSpPr/>
+          <p:nvPr/>
+        </p:nvSpPr>
+        <p:spPr>
+          <a:xfrm>
+            <a:off x="3516625" y="5940141"/>
+            <a:ext cx="1216661" cy="313529"/>
+          </a:xfrm>
+          <a:prstGeom prst="rect">
+            <a:avLst/>
+          </a:prstGeom>
+        </p:spPr>
+        <p:style>
+          <a:lnRef idx="2">
+            <a:schemeClr val="accent1">
+              <a:shade val="50000"/>
+            </a:schemeClr>
+          </a:lnRef>
+          <a:fillRef idx="1">
+            <a:schemeClr val="accent1"/>
+          </a:fillRef>
+          <a:effectRef idx="0">
+            <a:schemeClr val="accent1"/>
+          </a:effectRef>
+          <a:fontRef idx="minor">
+            <a:schemeClr val="lt1"/>
+          </a:fontRef>
+        </p:style>
+        <p:txBody>
+          <a:bodyPr rtlCol="1" anchor="ctr"/>
+          <a:lstStyle/>
+          <a:p>
+            <a:pPr algn="ctr" rtl="0"/>
+            <a:r>
+              <a:rPr lang="en-US" sz="1200" dirty="0" err="1"/>
+              <a:t>UserDetails</a:t>
+            </a:r>
+            <a:endParaRPr lang="he-IL" sz="1200" dirty="0"/>
+          </a:p>
+        </p:txBody>
+      </p:sp>
+      <p:sp>
+        <p:nvSpPr>
+          <p:cNvPr id="30" name="מלבן 29">
+            <a:extLst>
+              <a:ext uri="{FF2B5EF4-FFF2-40B4-BE49-F238E27FC236}">
+                <a16:creationId xmlns:a16="http://schemas.microsoft.com/office/drawing/2014/main" id="{2D1F379F-1144-49EF-B53D-194C550F1D38}"/>
+              </a:ext>
+            </a:extLst>
+          </p:cNvPr>
+          <p:cNvSpPr/>
+          <p:nvPr/>
+        </p:nvSpPr>
+        <p:spPr>
+          <a:xfrm>
+            <a:off x="3516625" y="6429809"/>
+            <a:ext cx="1216661" cy="313529"/>
+          </a:xfrm>
+          <a:prstGeom prst="rect">
+            <a:avLst/>
+          </a:prstGeom>
+        </p:spPr>
+        <p:style>
+          <a:lnRef idx="2">
+            <a:schemeClr val="accent1">
+              <a:shade val="50000"/>
+            </a:schemeClr>
+          </a:lnRef>
+          <a:fillRef idx="1">
+            <a:schemeClr val="accent1"/>
+          </a:fillRef>
+          <a:effectRef idx="0">
+            <a:schemeClr val="accent1"/>
+          </a:effectRef>
+          <a:fontRef idx="minor">
+            <a:schemeClr val="lt1"/>
+          </a:fontRef>
+        </p:style>
+        <p:txBody>
+          <a:bodyPr rtlCol="1" anchor="ctr"/>
+          <a:lstStyle/>
+          <a:p>
+            <a:pPr algn="ctr" rtl="0"/>
+            <a:r>
+              <a:rPr lang="en-US" sz="1200" dirty="0" err="1"/>
+              <a:t>UpdateUser</a:t>
+            </a:r>
+            <a:endParaRPr lang="en-US" sz="1200" dirty="0"/>
+          </a:p>
+        </p:txBody>
+      </p:sp>
+      <p:sp>
+        <p:nvSpPr>
+          <p:cNvPr id="32" name="מלבן 31">
+            <a:extLst>
+              <a:ext uri="{FF2B5EF4-FFF2-40B4-BE49-F238E27FC236}">
+                <a16:creationId xmlns:a16="http://schemas.microsoft.com/office/drawing/2014/main" id="{2CE65F15-E6F0-4FDA-BBF4-9414AED8AEBE}"/>
+              </a:ext>
+            </a:extLst>
+          </p:cNvPr>
+          <p:cNvSpPr/>
+          <p:nvPr/>
+        </p:nvSpPr>
+        <p:spPr>
+          <a:xfrm>
+            <a:off x="5502187" y="4594083"/>
+            <a:ext cx="1216663" cy="388795"/>
+          </a:xfrm>
+          <a:prstGeom prst="rect">
+            <a:avLst/>
+          </a:prstGeom>
+        </p:spPr>
+        <p:style>
+          <a:lnRef idx="2">
+            <a:schemeClr val="accent1">
+              <a:shade val="50000"/>
+            </a:schemeClr>
+          </a:lnRef>
+          <a:fillRef idx="1">
+            <a:schemeClr val="accent1"/>
+          </a:fillRef>
+          <a:effectRef idx="0">
+            <a:schemeClr val="accent1"/>
+          </a:effectRef>
+          <a:fontRef idx="minor">
+            <a:schemeClr val="lt1"/>
+          </a:fontRef>
+        </p:style>
+        <p:txBody>
+          <a:bodyPr rtlCol="1" anchor="ctr"/>
+          <a:lstStyle/>
+          <a:p>
+            <a:pPr algn="ctr" rtl="0"/>
+            <a:r>
+              <a:rPr lang="en-US" sz="1801" dirty="0" err="1"/>
+              <a:t>HomePage</a:t>
+            </a:r>
+            <a:endParaRPr lang="he-IL" sz="1801" dirty="0"/>
+          </a:p>
+        </p:txBody>
+      </p:sp>
+      <p:sp>
+        <p:nvSpPr>
+          <p:cNvPr id="33" name="מלבן 32">
+            <a:extLst>
+              <a:ext uri="{FF2B5EF4-FFF2-40B4-BE49-F238E27FC236}">
+                <a16:creationId xmlns:a16="http://schemas.microsoft.com/office/drawing/2014/main" id="{20DDCF84-EDEB-485A-B730-8B1BB080D625}"/>
+              </a:ext>
+            </a:extLst>
+          </p:cNvPr>
+          <p:cNvSpPr/>
+          <p:nvPr/>
+        </p:nvSpPr>
+        <p:spPr>
+          <a:xfrm>
+            <a:off x="5502186" y="5125719"/>
+            <a:ext cx="1216663" cy="388795"/>
+          </a:xfrm>
+          <a:prstGeom prst="rect">
+            <a:avLst/>
+          </a:prstGeom>
+        </p:spPr>
+        <p:style>
+          <a:lnRef idx="2">
+            <a:schemeClr val="accent1">
+              <a:shade val="50000"/>
+            </a:schemeClr>
+          </a:lnRef>
+          <a:fillRef idx="1">
+            <a:schemeClr val="accent1"/>
+          </a:fillRef>
+          <a:effectRef idx="0">
+            <a:schemeClr val="accent1"/>
+          </a:effectRef>
+          <a:fontRef idx="minor">
+            <a:schemeClr val="lt1"/>
+          </a:fontRef>
+        </p:style>
+        <p:txBody>
+          <a:bodyPr rtlCol="1" anchor="ctr"/>
+          <a:lstStyle/>
+          <a:p>
+            <a:pPr algn="ctr" rtl="0"/>
+            <a:r>
+              <a:rPr lang="en-US" sz="1801" dirty="0"/>
+              <a:t>About</a:t>
+            </a:r>
+            <a:endParaRPr lang="he-IL" sz="1801" dirty="0"/>
+          </a:p>
+        </p:txBody>
+      </p:sp>
+      <p:sp>
+        <p:nvSpPr>
+          <p:cNvPr id="34" name="מלבן 33">
+            <a:extLst>
+              <a:ext uri="{FF2B5EF4-FFF2-40B4-BE49-F238E27FC236}">
+                <a16:creationId xmlns:a16="http://schemas.microsoft.com/office/drawing/2014/main" id="{B250A067-E2A4-4674-A088-3E84CB5A821C}"/>
+              </a:ext>
+            </a:extLst>
+          </p:cNvPr>
+          <p:cNvSpPr/>
+          <p:nvPr/>
+        </p:nvSpPr>
+        <p:spPr>
+          <a:xfrm>
+            <a:off x="5507258" y="5637203"/>
+            <a:ext cx="1216663" cy="388795"/>
+          </a:xfrm>
+          <a:prstGeom prst="rect">
+            <a:avLst/>
+          </a:prstGeom>
+        </p:spPr>
+        <p:style>
+          <a:lnRef idx="2">
+            <a:schemeClr val="accent1">
+              <a:shade val="50000"/>
+            </a:schemeClr>
+          </a:lnRef>
+          <a:fillRef idx="1">
+            <a:schemeClr val="accent1"/>
+          </a:fillRef>
+          <a:effectRef idx="0">
+            <a:schemeClr val="accent1"/>
+          </a:effectRef>
+          <a:fontRef idx="minor">
+            <a:schemeClr val="lt1"/>
+          </a:fontRef>
+        </p:style>
+        <p:txBody>
+          <a:bodyPr rtlCol="1" anchor="ctr"/>
+          <a:lstStyle/>
+          <a:p>
+            <a:pPr algn="ctr" rtl="0"/>
+            <a:r>
+              <a:rPr lang="en-US" sz="1801" dirty="0" err="1"/>
+              <a:t>RecipesList</a:t>
+            </a:r>
+            <a:endParaRPr lang="he-IL" sz="1801" dirty="0"/>
+          </a:p>
+        </p:txBody>
+      </p:sp>
+      <p:sp>
+        <p:nvSpPr>
+          <p:cNvPr id="35" name="מלבן 34">
+            <a:extLst>
+              <a:ext uri="{FF2B5EF4-FFF2-40B4-BE49-F238E27FC236}">
+                <a16:creationId xmlns:a16="http://schemas.microsoft.com/office/drawing/2014/main" id="{247D524A-6765-4DB3-98E2-4EAE773FC37F}"/>
+              </a:ext>
+            </a:extLst>
+          </p:cNvPr>
+          <p:cNvSpPr/>
+          <p:nvPr/>
+        </p:nvSpPr>
+        <p:spPr>
+          <a:xfrm>
+            <a:off x="5502186" y="6146653"/>
+            <a:ext cx="1216663" cy="388795"/>
+          </a:xfrm>
+          <a:prstGeom prst="rect">
+            <a:avLst/>
+          </a:prstGeom>
+        </p:spPr>
+        <p:style>
+          <a:lnRef idx="2">
+            <a:schemeClr val="accent1">
+              <a:shade val="50000"/>
+            </a:schemeClr>
+          </a:lnRef>
+          <a:fillRef idx="1">
+            <a:schemeClr val="accent1"/>
+          </a:fillRef>
+          <a:effectRef idx="0">
+            <a:schemeClr val="accent1"/>
+          </a:effectRef>
+          <a:fontRef idx="minor">
+            <a:schemeClr val="lt1"/>
+          </a:fontRef>
+        </p:style>
+        <p:txBody>
+          <a:bodyPr rtlCol="1" anchor="ctr"/>
+          <a:lstStyle/>
+          <a:p>
+            <a:pPr algn="ctr" rtl="0"/>
+            <a:r>
+              <a:rPr lang="en-US" sz="1801" dirty="0" err="1"/>
+              <a:t>AddRecipe</a:t>
+            </a:r>
+            <a:endParaRPr lang="he-IL" sz="1801" dirty="0"/>
+          </a:p>
+        </p:txBody>
+      </p:sp>
+      <p:sp>
+        <p:nvSpPr>
+          <p:cNvPr id="36" name="מלבן 35">
+            <a:extLst>
+              <a:ext uri="{FF2B5EF4-FFF2-40B4-BE49-F238E27FC236}">
+                <a16:creationId xmlns:a16="http://schemas.microsoft.com/office/drawing/2014/main" id="{DA3023F7-D76A-4ECD-84EA-643B6C00A455}"/>
+              </a:ext>
+            </a:extLst>
+          </p:cNvPr>
+          <p:cNvSpPr/>
+          <p:nvPr/>
+        </p:nvSpPr>
+        <p:spPr>
+          <a:xfrm>
+            <a:off x="7529828" y="5849944"/>
+            <a:ext cx="1312335" cy="403723"/>
+          </a:xfrm>
+          <a:prstGeom prst="rect">
+            <a:avLst/>
+          </a:prstGeom>
+        </p:spPr>
+        <p:style>
+          <a:lnRef idx="2">
+            <a:schemeClr val="accent1">
+              <a:shade val="50000"/>
+            </a:schemeClr>
+          </a:lnRef>
+          <a:fillRef idx="1">
+            <a:schemeClr val="accent1"/>
+          </a:fillRef>
+          <a:effectRef idx="0">
+            <a:schemeClr val="accent1"/>
+          </a:effectRef>
+          <a:fontRef idx="minor">
+            <a:schemeClr val="lt1"/>
+          </a:fontRef>
+        </p:style>
+        <p:txBody>
+          <a:bodyPr rtlCol="1" anchor="ctr"/>
+          <a:lstStyle/>
+          <a:p>
+            <a:pPr algn="ctr" rtl="0"/>
+            <a:r>
+              <a:rPr lang="en-US" sz="1801" dirty="0" err="1"/>
+              <a:t>ShowRecipe</a:t>
+            </a:r>
+            <a:endParaRPr lang="he-IL" sz="1801" dirty="0"/>
+          </a:p>
+        </p:txBody>
+      </p:sp>
+      <p:cxnSp>
+        <p:nvCxnSpPr>
+          <p:cNvPr id="50" name="מחבר ישר 49">
+            <a:extLst>
+              <a:ext uri="{FF2B5EF4-FFF2-40B4-BE49-F238E27FC236}">
+                <a16:creationId xmlns:a16="http://schemas.microsoft.com/office/drawing/2014/main" id="{5BB0FC0F-48DB-4CE2-8FCD-6B0B82B3FBCD}"/>
+              </a:ext>
+            </a:extLst>
+          </p:cNvPr>
+          <p:cNvCxnSpPr>
+            <a:stCxn id="10" idx="2"/>
+            <a:endCxn id="23" idx="0"/>
+          </p:cNvCxnSpPr>
+          <p:nvPr/>
+        </p:nvCxnSpPr>
+        <p:spPr>
+          <a:xfrm flipH="1">
+            <a:off x="4124963" y="4388939"/>
+            <a:ext cx="1" cy="143671"/>
+          </a:xfrm>
+          <a:prstGeom prst="line">
+            <a:avLst/>
+          </a:prstGeom>
+        </p:spPr>
+        <p:style>
+          <a:lnRef idx="1">
+            <a:schemeClr val="accent1"/>
+          </a:lnRef>
+          <a:fillRef idx="0">
+            <a:schemeClr val="accent1"/>
+          </a:fillRef>
+          <a:effectRef idx="0">
+            <a:schemeClr val="accent1"/>
+          </a:effectRef>
+          <a:fontRef idx="minor">
+            <a:schemeClr val="tx1"/>
+          </a:fontRef>
+        </p:style>
+      </p:cxnSp>
+      <p:cxnSp>
+        <p:nvCxnSpPr>
+          <p:cNvPr id="52" name="מחבר ישר 51">
+            <a:extLst>
+              <a:ext uri="{FF2B5EF4-FFF2-40B4-BE49-F238E27FC236}">
+                <a16:creationId xmlns:a16="http://schemas.microsoft.com/office/drawing/2014/main" id="{2DC88548-FD20-4F9F-9710-B5EFF4F364DB}"/>
+              </a:ext>
+            </a:extLst>
+          </p:cNvPr>
+          <p:cNvCxnSpPr>
+            <a:stCxn id="23" idx="2"/>
+            <a:endCxn id="25" idx="0"/>
+          </p:cNvCxnSpPr>
+          <p:nvPr/>
+        </p:nvCxnSpPr>
+        <p:spPr>
+          <a:xfrm flipH="1">
+            <a:off x="4124962" y="4845494"/>
+            <a:ext cx="1" cy="195924"/>
+          </a:xfrm>
+          <a:prstGeom prst="line">
+            <a:avLst/>
+          </a:prstGeom>
+        </p:spPr>
+        <p:style>
+          <a:lnRef idx="1">
+            <a:schemeClr val="accent1"/>
+          </a:lnRef>
+          <a:fillRef idx="0">
+            <a:schemeClr val="accent1"/>
+          </a:fillRef>
+          <a:effectRef idx="0">
+            <a:schemeClr val="accent1"/>
+          </a:effectRef>
+          <a:fontRef idx="minor">
+            <a:schemeClr val="tx1"/>
+          </a:fontRef>
+        </p:style>
+      </p:cxnSp>
+      <p:cxnSp>
+        <p:nvCxnSpPr>
+          <p:cNvPr id="54" name="מחבר ישר 53">
+            <a:extLst>
+              <a:ext uri="{FF2B5EF4-FFF2-40B4-BE49-F238E27FC236}">
+                <a16:creationId xmlns:a16="http://schemas.microsoft.com/office/drawing/2014/main" id="{37EC54AB-5BA4-46DF-99B0-C4597B31B070}"/>
+              </a:ext>
+            </a:extLst>
+          </p:cNvPr>
+          <p:cNvCxnSpPr>
+            <a:stCxn id="25" idx="2"/>
+            <a:endCxn id="28" idx="0"/>
+          </p:cNvCxnSpPr>
+          <p:nvPr/>
+        </p:nvCxnSpPr>
+        <p:spPr>
+          <a:xfrm flipH="1">
+            <a:off x="4124961" y="5354945"/>
+            <a:ext cx="1" cy="148811"/>
+          </a:xfrm>
+          <a:prstGeom prst="line">
+            <a:avLst/>
+          </a:prstGeom>
+        </p:spPr>
+        <p:style>
+          <a:lnRef idx="1">
+            <a:schemeClr val="accent1"/>
+          </a:lnRef>
+          <a:fillRef idx="0">
+            <a:schemeClr val="accent1"/>
+          </a:fillRef>
+          <a:effectRef idx="0">
+            <a:schemeClr val="accent1"/>
+          </a:effectRef>
+          <a:fontRef idx="minor">
+            <a:schemeClr val="tx1"/>
+          </a:fontRef>
+        </p:style>
+      </p:cxnSp>
+      <p:cxnSp>
+        <p:nvCxnSpPr>
+          <p:cNvPr id="56" name="מחבר ישר 55">
+            <a:extLst>
+              <a:ext uri="{FF2B5EF4-FFF2-40B4-BE49-F238E27FC236}">
+                <a16:creationId xmlns:a16="http://schemas.microsoft.com/office/drawing/2014/main" id="{A315AFBB-456C-4486-BC67-CB44BDB128A4}"/>
+              </a:ext>
+            </a:extLst>
+          </p:cNvPr>
+          <p:cNvCxnSpPr>
+            <a:stCxn id="28" idx="2"/>
+            <a:endCxn id="29" idx="0"/>
+          </p:cNvCxnSpPr>
+          <p:nvPr/>
+        </p:nvCxnSpPr>
+        <p:spPr>
+          <a:xfrm flipH="1">
+            <a:off x="4124961" y="5817284"/>
+            <a:ext cx="1" cy="122853"/>
+          </a:xfrm>
+          <a:prstGeom prst="line">
+            <a:avLst/>
+          </a:prstGeom>
+        </p:spPr>
+        <p:style>
+          <a:lnRef idx="1">
+            <a:schemeClr val="accent1"/>
+          </a:lnRef>
+          <a:fillRef idx="0">
+            <a:schemeClr val="accent1"/>
+          </a:fillRef>
+          <a:effectRef idx="0">
+            <a:schemeClr val="accent1"/>
+          </a:effectRef>
+          <a:fontRef idx="minor">
+            <a:schemeClr val="tx1"/>
+          </a:fontRef>
+        </p:style>
+      </p:cxnSp>
+      <p:cxnSp>
+        <p:nvCxnSpPr>
+          <p:cNvPr id="58" name="מחבר ישר 57">
+            <a:extLst>
+              <a:ext uri="{FF2B5EF4-FFF2-40B4-BE49-F238E27FC236}">
+                <a16:creationId xmlns:a16="http://schemas.microsoft.com/office/drawing/2014/main" id="{4080901D-1C0E-4185-B777-7A9538511EE6}"/>
+              </a:ext>
+            </a:extLst>
+          </p:cNvPr>
+          <p:cNvCxnSpPr>
+            <a:stCxn id="29" idx="2"/>
+            <a:endCxn id="30" idx="0"/>
+          </p:cNvCxnSpPr>
+          <p:nvPr/>
+        </p:nvCxnSpPr>
+        <p:spPr>
+          <a:xfrm flipH="1">
+            <a:off x="4124959" y="6253667"/>
+            <a:ext cx="1" cy="176139"/>
+          </a:xfrm>
+          <a:prstGeom prst="line">
+            <a:avLst/>
+          </a:prstGeom>
+        </p:spPr>
+        <p:style>
+          <a:lnRef idx="1">
+            <a:schemeClr val="accent1"/>
+          </a:lnRef>
+          <a:fillRef idx="0">
+            <a:schemeClr val="accent1"/>
+          </a:fillRef>
+          <a:effectRef idx="0">
+            <a:schemeClr val="accent1"/>
+          </a:effectRef>
+          <a:fontRef idx="minor">
+            <a:schemeClr val="tx1"/>
+          </a:fontRef>
+        </p:style>
+      </p:cxnSp>
+      <p:cxnSp>
+        <p:nvCxnSpPr>
+          <p:cNvPr id="60" name="מחבר ישר 59">
+            <a:extLst>
+              <a:ext uri="{FF2B5EF4-FFF2-40B4-BE49-F238E27FC236}">
+                <a16:creationId xmlns:a16="http://schemas.microsoft.com/office/drawing/2014/main" id="{0548060E-381A-474D-B3CC-85E350342167}"/>
+              </a:ext>
+            </a:extLst>
+          </p:cNvPr>
+          <p:cNvCxnSpPr>
+            <a:cxnSpLocks/>
+            <a:stCxn id="9" idx="2"/>
+            <a:endCxn id="32" idx="0"/>
+          </p:cNvCxnSpPr>
+          <p:nvPr/>
+        </p:nvCxnSpPr>
+        <p:spPr>
+          <a:xfrm>
+            <a:off x="6110518" y="4388936"/>
+            <a:ext cx="1" cy="205147"/>
+          </a:xfrm>
+          <a:prstGeom prst="line">
+            <a:avLst/>
+          </a:prstGeom>
+        </p:spPr>
+        <p:style>
+          <a:lnRef idx="1">
+            <a:schemeClr val="accent1"/>
+          </a:lnRef>
+          <a:fillRef idx="0">
+            <a:schemeClr val="accent1"/>
+          </a:fillRef>
+          <a:effectRef idx="0">
+            <a:schemeClr val="accent1"/>
+          </a:effectRef>
+          <a:fontRef idx="minor">
+            <a:schemeClr val="tx1"/>
+          </a:fontRef>
+        </p:style>
+      </p:cxnSp>
+      <p:cxnSp>
+        <p:nvCxnSpPr>
+          <p:cNvPr id="62" name="מחבר ישר 61">
+            <a:extLst>
+              <a:ext uri="{FF2B5EF4-FFF2-40B4-BE49-F238E27FC236}">
+                <a16:creationId xmlns:a16="http://schemas.microsoft.com/office/drawing/2014/main" id="{BAC8ABC3-48BE-424D-9963-8EA83F57A36B}"/>
+              </a:ext>
+            </a:extLst>
+          </p:cNvPr>
+          <p:cNvCxnSpPr>
+            <a:cxnSpLocks/>
+            <a:stCxn id="32" idx="2"/>
+            <a:endCxn id="33" idx="0"/>
+          </p:cNvCxnSpPr>
+          <p:nvPr/>
+        </p:nvCxnSpPr>
+        <p:spPr>
+          <a:xfrm flipH="1">
+            <a:off x="6110518" y="4982881"/>
+            <a:ext cx="1" cy="142841"/>
+          </a:xfrm>
+          <a:prstGeom prst="line">
+            <a:avLst/>
+          </a:prstGeom>
+        </p:spPr>
+        <p:style>
+          <a:lnRef idx="1">
+            <a:schemeClr val="accent1"/>
+          </a:lnRef>
+          <a:fillRef idx="0">
+            <a:schemeClr val="accent1"/>
+          </a:fillRef>
+          <a:effectRef idx="0">
+            <a:schemeClr val="accent1"/>
+          </a:effectRef>
+          <a:fontRef idx="minor">
+            <a:schemeClr val="tx1"/>
+          </a:fontRef>
+        </p:style>
+      </p:cxnSp>
+      <p:cxnSp>
+        <p:nvCxnSpPr>
+          <p:cNvPr id="64" name="מחבר ישר 63">
+            <a:extLst>
+              <a:ext uri="{FF2B5EF4-FFF2-40B4-BE49-F238E27FC236}">
+                <a16:creationId xmlns:a16="http://schemas.microsoft.com/office/drawing/2014/main" id="{11C5FB91-9D8F-41A7-8E4E-1445DBAD11C4}"/>
+              </a:ext>
+            </a:extLst>
+          </p:cNvPr>
+          <p:cNvCxnSpPr>
+            <a:cxnSpLocks/>
+            <a:stCxn id="33" idx="2"/>
+            <a:endCxn id="34" idx="0"/>
+          </p:cNvCxnSpPr>
+          <p:nvPr/>
+        </p:nvCxnSpPr>
+        <p:spPr>
+          <a:xfrm>
+            <a:off x="6110514" y="5514517"/>
+            <a:ext cx="5072" cy="122689"/>
+          </a:xfrm>
+          <a:prstGeom prst="line">
+            <a:avLst/>
+          </a:prstGeom>
+        </p:spPr>
+        <p:style>
+          <a:lnRef idx="1">
+            <a:schemeClr val="accent1"/>
+          </a:lnRef>
+          <a:fillRef idx="0">
+            <a:schemeClr val="accent1"/>
+          </a:fillRef>
+          <a:effectRef idx="0">
+            <a:schemeClr val="accent1"/>
+          </a:effectRef>
+          <a:fontRef idx="minor">
+            <a:schemeClr val="tx1"/>
+          </a:fontRef>
+        </p:style>
+      </p:cxnSp>
+      <p:cxnSp>
+        <p:nvCxnSpPr>
+          <p:cNvPr id="66" name="מחבר ישר 65">
+            <a:extLst>
+              <a:ext uri="{FF2B5EF4-FFF2-40B4-BE49-F238E27FC236}">
+                <a16:creationId xmlns:a16="http://schemas.microsoft.com/office/drawing/2014/main" id="{EAFCDB8C-1E05-43EB-9E19-77150262190E}"/>
+              </a:ext>
+            </a:extLst>
+          </p:cNvPr>
+          <p:cNvCxnSpPr>
+            <a:cxnSpLocks/>
+            <a:stCxn id="35" idx="0"/>
+            <a:endCxn id="34" idx="2"/>
+          </p:cNvCxnSpPr>
+          <p:nvPr/>
+        </p:nvCxnSpPr>
+        <p:spPr>
+          <a:xfrm flipV="1">
+            <a:off x="6110517" y="6025997"/>
+            <a:ext cx="5073" cy="120656"/>
+          </a:xfrm>
+          <a:prstGeom prst="line">
+            <a:avLst/>
+          </a:prstGeom>
+        </p:spPr>
+        <p:style>
+          <a:lnRef idx="1">
+            <a:schemeClr val="accent1"/>
+          </a:lnRef>
+          <a:fillRef idx="0">
+            <a:schemeClr val="accent1"/>
+          </a:fillRef>
+          <a:effectRef idx="0">
+            <a:schemeClr val="accent1"/>
+          </a:effectRef>
+          <a:fontRef idx="minor">
+            <a:schemeClr val="tx1"/>
+          </a:fontRef>
+        </p:style>
+      </p:cxnSp>
+      <p:cxnSp>
+        <p:nvCxnSpPr>
+          <p:cNvPr id="69" name="מחבר ישר 68">
+            <a:extLst>
+              <a:ext uri="{FF2B5EF4-FFF2-40B4-BE49-F238E27FC236}">
+                <a16:creationId xmlns:a16="http://schemas.microsoft.com/office/drawing/2014/main" id="{6A2CB6EA-EADE-4BA8-8120-F73366864061}"/>
+              </a:ext>
+            </a:extLst>
+          </p:cNvPr>
+          <p:cNvCxnSpPr>
+            <a:cxnSpLocks/>
+            <a:stCxn id="34" idx="3"/>
+            <a:endCxn id="36" idx="1"/>
+          </p:cNvCxnSpPr>
+          <p:nvPr/>
+        </p:nvCxnSpPr>
+        <p:spPr>
+          <a:xfrm>
+            <a:off x="6723918" y="5831600"/>
+            <a:ext cx="805907" cy="220205"/>
+          </a:xfrm>
+          <a:prstGeom prst="line">
+            <a:avLst/>
+          </a:prstGeom>
+        </p:spPr>
+        <p:style>
+          <a:lnRef idx="1">
+            <a:schemeClr val="accent1"/>
+          </a:lnRef>
+          <a:fillRef idx="0">
+            <a:schemeClr val="accent1"/>
+          </a:fillRef>
+          <a:effectRef idx="0">
+            <a:schemeClr val="accent1"/>
+          </a:effectRef>
+          <a:fontRef idx="minor">
+            <a:schemeClr val="tx1"/>
+          </a:fontRef>
+        </p:style>
+      </p:cxnSp>
+      <p:cxnSp>
+        <p:nvCxnSpPr>
+          <p:cNvPr id="71" name="מחבר ישר 70">
+            <a:extLst>
+              <a:ext uri="{FF2B5EF4-FFF2-40B4-BE49-F238E27FC236}">
+                <a16:creationId xmlns:a16="http://schemas.microsoft.com/office/drawing/2014/main" id="{BCF29704-1D2F-4F12-979C-221082A37B20}"/>
+              </a:ext>
+            </a:extLst>
+          </p:cNvPr>
+          <p:cNvCxnSpPr>
+            <a:stCxn id="11" idx="2"/>
+          </p:cNvCxnSpPr>
+          <p:nvPr/>
+        </p:nvCxnSpPr>
+        <p:spPr>
+          <a:xfrm flipH="1">
+            <a:off x="8096069" y="4388939"/>
+            <a:ext cx="1" cy="1489775"/>
+          </a:xfrm>
+          <a:prstGeom prst="line">
+            <a:avLst/>
+          </a:prstGeom>
+        </p:spPr>
+        <p:style>
+          <a:lnRef idx="1">
+            <a:schemeClr val="accent1"/>
+          </a:lnRef>
+          <a:fillRef idx="0">
+            <a:schemeClr val="accent1"/>
+          </a:fillRef>
+          <a:effectRef idx="0">
+            <a:schemeClr val="accent1"/>
+          </a:effectRef>
+          <a:fontRef idx="minor">
+            <a:schemeClr val="tx1"/>
+          </a:fontRef>
+        </p:style>
+      </p:cxnSp>
     </p:spTree>
     <p:extLst>
       <p:ext uri="{BB962C8B-B14F-4D97-AF65-F5344CB8AC3E}">
@@ -4136,6 +5073,42 @@
           <a:chExt cx="0" cy="0"/>
         </a:xfrm>
       </p:grpSpPr>
+      <p:sp>
+        <p:nvSpPr>
+          <p:cNvPr id="5" name="TextBox 4">
+            <a:extLst>
+              <a:ext uri="{FF2B5EF4-FFF2-40B4-BE49-F238E27FC236}">
+                <a16:creationId xmlns:a16="http://schemas.microsoft.com/office/drawing/2014/main" id="{81782143-B76B-4EFB-AF7B-54B516E2F47F}"/>
+              </a:ext>
+            </a:extLst>
+          </p:cNvPr>
+          <p:cNvSpPr txBox="1"/>
+          <p:nvPr/>
+        </p:nvSpPr>
+        <p:spPr>
+          <a:xfrm>
+            <a:off x="9986560" y="42444"/>
+            <a:ext cx="1998617" cy="369460"/>
+          </a:xfrm>
+          <a:prstGeom prst="rect">
+            <a:avLst/>
+          </a:prstGeom>
+          <a:noFill/>
+        </p:spPr>
+        <p:txBody>
+          <a:bodyPr wrap="square" rtlCol="1">
+            <a:spAutoFit/>
+          </a:bodyPr>
+          <a:lstStyle/>
+          <a:p>
+            <a:r>
+              <a:rPr lang="en-US" sz="1801" b="1" dirty="0"/>
+              <a:t>components</a:t>
+            </a:r>
+            <a:endParaRPr lang="he-IL" sz="1801" b="1" dirty="0"/>
+          </a:p>
+        </p:txBody>
+      </p:sp>
       <p:graphicFrame>
         <p:nvGraphicFramePr>
           <p:cNvPr id="4" name="טבלה 3">
@@ -4151,14 +5124,14 @@
           <p:nvPr>
             <p:extLst>
               <p:ext uri="{D42A27DB-BD31-4B8C-83A1-F6EECF244321}">
-                <p14:modId xmlns:p14="http://schemas.microsoft.com/office/powerpoint/2010/main" val="3807698214"/>
+                <p14:modId xmlns:p14="http://schemas.microsoft.com/office/powerpoint/2010/main" val="377859792"/>
               </p:ext>
             </p:extLst>
           </p:nvPr>
         </p:nvGraphicFramePr>
         <p:xfrm>
-          <a:off x="193765" y="813072"/>
-          <a:ext cx="11804470" cy="4930624"/>
+          <a:off x="479043" y="473679"/>
+          <a:ext cx="11233988" cy="6167454"/>
         </p:xfrm>
         <a:graphic>
           <a:graphicData uri="http://schemas.openxmlformats.org/drawingml/2006/table">
@@ -4167,153 +5140,1008 @@
                 <a:tableStyleId>{5C22544A-7EE6-4342-B048-85BDC9FD1C3A}</a:tableStyleId>
               </a:tblPr>
               <a:tblGrid>
-                <a:gridCol w="2044338">
+                <a:gridCol w="1543127">
                   <a:extLst>
                     <a:ext uri="{9D8B030D-6E8A-4147-A177-3AD203B41FA5}">
                       <a16:colId xmlns:a16="http://schemas.microsoft.com/office/drawing/2014/main" val="3899471719"/>
                     </a:ext>
                   </a:extLst>
                 </a:gridCol>
-                <a:gridCol w="1890484">
+                <a:gridCol w="1521812">
                   <a:extLst>
                     <a:ext uri="{9D8B030D-6E8A-4147-A177-3AD203B41FA5}">
                       <a16:colId xmlns:a16="http://schemas.microsoft.com/office/drawing/2014/main" val="1880985765"/>
                     </a:ext>
                   </a:extLst>
                 </a:gridCol>
-                <a:gridCol w="1967412">
+                <a:gridCol w="2232775">
                   <a:extLst>
                     <a:ext uri="{9D8B030D-6E8A-4147-A177-3AD203B41FA5}">
                       <a16:colId xmlns:a16="http://schemas.microsoft.com/office/drawing/2014/main" val="3887272854"/>
                     </a:ext>
                   </a:extLst>
                 </a:gridCol>
-                <a:gridCol w="1967412">
+                <a:gridCol w="934707">
                   <a:extLst>
                     <a:ext uri="{9D8B030D-6E8A-4147-A177-3AD203B41FA5}">
                       <a16:colId xmlns:a16="http://schemas.microsoft.com/office/drawing/2014/main" val="1989503371"/>
                     </a:ext>
                   </a:extLst>
                 </a:gridCol>
-                <a:gridCol w="1656372">
+                <a:gridCol w="1823011">
                   <a:extLst>
                     <a:ext uri="{9D8B030D-6E8A-4147-A177-3AD203B41FA5}">
                       <a16:colId xmlns:a16="http://schemas.microsoft.com/office/drawing/2014/main" val="2413159262"/>
                     </a:ext>
                   </a:extLst>
                 </a:gridCol>
-                <a:gridCol w="2278452">
+                <a:gridCol w="1698133">
                   <a:extLst>
                     <a:ext uri="{9D8B030D-6E8A-4147-A177-3AD203B41FA5}">
                       <a16:colId xmlns:a16="http://schemas.microsoft.com/office/drawing/2014/main" val="3564299130"/>
                     </a:ext>
                   </a:extLst>
                 </a:gridCol>
+                <a:gridCol w="1480423">
+                  <a:extLst>
+                    <a:ext uri="{9D8B030D-6E8A-4147-A177-3AD203B41FA5}">
+                      <a16:colId xmlns:a16="http://schemas.microsoft.com/office/drawing/2014/main" val="3639081641"/>
+                    </a:ext>
+                  </a:extLst>
+                </a:gridCol>
               </a:tblGrid>
-              <a:tr h="592576">
-                <a:tc>
-                  <a:txBody>
-                    <a:bodyPr/>
-                    <a:lstStyle/>
-                    <a:p>
-                      <a:pPr algn="l" rtl="0"/>
-                      <a:r>
-                        <a:rPr lang="en-US" sz="1200" dirty="0"/>
+              <a:tr h="441852">
+                <a:tc>
+                  <a:txBody>
+                    <a:bodyPr/>
+                    <a:lstStyle/>
+                    <a:p>
+                      <a:pPr algn="ctr" rtl="0"/>
+                      <a:r>
+                        <a:rPr lang="en-US" sz="1900" dirty="0"/>
                         <a:t>children</a:t>
                       </a:r>
-                      <a:endParaRPr lang="he-IL" sz="1200" dirty="0"/>
-                    </a:p>
-                  </a:txBody>
-                  <a:tcPr/>
-                </a:tc>
-                <a:tc>
-                  <a:txBody>
-                    <a:bodyPr/>
-                    <a:lstStyle/>
-                    <a:p>
-                      <a:pPr algn="l" rtl="0"/>
-                      <a:r>
-                        <a:rPr lang="en-US" sz="1200" dirty="0"/>
+                      <a:endParaRPr lang="he-IL" sz="1900" dirty="0"/>
+                    </a:p>
+                  </a:txBody>
+                  <a:tcPr marT="45721" marB="45721"/>
+                </a:tc>
+                <a:tc>
+                  <a:txBody>
+                    <a:bodyPr/>
+                    <a:lstStyle/>
+                    <a:p>
+                      <a:pPr algn="ctr" rtl="0"/>
+                      <a:r>
+                        <a:rPr lang="en-US" sz="1900" dirty="0"/>
                         <a:t>father</a:t>
                       </a:r>
-                      <a:endParaRPr lang="he-IL" sz="1200" dirty="0"/>
-                    </a:p>
-                  </a:txBody>
-                  <a:tcPr/>
-                </a:tc>
-                <a:tc>
-                  <a:txBody>
-                    <a:bodyPr/>
-                    <a:lstStyle/>
-                    <a:p>
-                      <a:pPr algn="l" rtl="0"/>
-                      <a:r>
-                        <a:rPr lang="en-US" sz="1200" dirty="0"/>
+                      <a:endParaRPr lang="he-IL" sz="1900" dirty="0"/>
+                    </a:p>
+                  </a:txBody>
+                  <a:tcPr marT="45721" marB="45721"/>
+                </a:tc>
+                <a:tc>
+                  <a:txBody>
+                    <a:bodyPr/>
+                    <a:lstStyle/>
+                    <a:p>
+                      <a:pPr algn="ctr" rtl="0"/>
+                      <a:r>
+                        <a:rPr lang="en-US" sz="1900" dirty="0"/>
                         <a:t>Global state</a:t>
                       </a:r>
-                      <a:endParaRPr lang="he-IL" sz="1200" dirty="0"/>
-                    </a:p>
-                  </a:txBody>
-                  <a:tcPr/>
-                </a:tc>
-                <a:tc>
-                  <a:txBody>
-                    <a:bodyPr/>
-                    <a:lstStyle/>
-                    <a:p>
-                      <a:pPr algn="l" rtl="0"/>
-                      <a:r>
-                        <a:rPr lang="en-US" sz="1200" dirty="0"/>
+                      <a:endParaRPr lang="he-IL" sz="1900" dirty="0"/>
+                    </a:p>
+                  </a:txBody>
+                  <a:tcPr marT="45721" marB="45721"/>
+                </a:tc>
+                <a:tc>
+                  <a:txBody>
+                    <a:bodyPr/>
+                    <a:lstStyle/>
+                    <a:p>
+                      <a:pPr algn="ctr" rtl="0"/>
+                      <a:r>
+                        <a:rPr lang="en-US" sz="1900" dirty="0"/>
                         <a:t>props</a:t>
                       </a:r>
-                      <a:endParaRPr lang="he-IL" sz="1200" dirty="0"/>
-                    </a:p>
-                  </a:txBody>
-                  <a:tcPr/>
-                </a:tc>
-                <a:tc>
-                  <a:txBody>
-                    <a:bodyPr/>
-                    <a:lstStyle/>
-                    <a:p>
-                      <a:pPr algn="l" rtl="0"/>
-                      <a:r>
-                        <a:rPr lang="en-US" sz="1200" dirty="0"/>
+                      <a:endParaRPr lang="he-IL" sz="1900" dirty="0"/>
+                    </a:p>
+                  </a:txBody>
+                  <a:tcPr marT="45721" marB="45721"/>
+                </a:tc>
+                <a:tc>
+                  <a:txBody>
+                    <a:bodyPr/>
+                    <a:lstStyle/>
+                    <a:p>
+                      <a:pPr algn="ctr" rtl="0"/>
+                      <a:r>
+                        <a:rPr lang="en-US" sz="1900" dirty="0"/>
                         <a:t>goal</a:t>
                       </a:r>
-                      <a:endParaRPr lang="he-IL" sz="1200" dirty="0"/>
-                    </a:p>
-                  </a:txBody>
-                  <a:tcPr/>
-                </a:tc>
-                <a:tc>
-                  <a:txBody>
-                    <a:bodyPr/>
-                    <a:lstStyle/>
-                    <a:p>
-                      <a:pPr algn="l" rtl="0"/>
-                      <a:r>
-                        <a:rPr lang="en-US" sz="1200" dirty="0"/>
+                      <a:endParaRPr lang="he-IL" sz="1900" dirty="0"/>
+                    </a:p>
+                  </a:txBody>
+                  <a:tcPr marT="45721" marB="45721"/>
+                </a:tc>
+                <a:tc>
+                  <a:txBody>
+                    <a:bodyPr/>
+                    <a:lstStyle/>
+                    <a:p>
+                      <a:pPr algn="ctr" rtl="0"/>
+                      <a:r>
+                        <a:rPr lang="en-US" sz="1900" dirty="0"/>
                         <a:t>name</a:t>
                       </a:r>
-                      <a:endParaRPr lang="he-IL" sz="1200" dirty="0"/>
-                    </a:p>
-                  </a:txBody>
-                  <a:tcPr/>
+                      <a:endParaRPr lang="he-IL" sz="1900" dirty="0"/>
+                    </a:p>
+                  </a:txBody>
+                  <a:tcPr marT="45721" marB="45721"/>
+                </a:tc>
+                <a:tc rowSpan="10">
+                  <a:txBody>
+                    <a:bodyPr/>
+                    <a:lstStyle/>
+                    <a:p>
+                      <a:pPr algn="r" rtl="1"/>
+                      <a:endParaRPr lang="en-US" sz="2800" dirty="0"/>
+                    </a:p>
+                    <a:p>
+                      <a:pPr algn="r" rtl="1"/>
+                      <a:endParaRPr lang="en-US" sz="2800" dirty="0"/>
+                    </a:p>
+                    <a:p>
+                      <a:pPr algn="r" rtl="1"/>
+                      <a:endParaRPr lang="en-US" sz="2800" dirty="0"/>
+                    </a:p>
+                    <a:p>
+                      <a:pPr algn="r" rtl="1"/>
+                      <a:endParaRPr lang="en-US" sz="2800" dirty="0"/>
+                    </a:p>
+                    <a:p>
+                      <a:pPr algn="r" rtl="1"/>
+                      <a:endParaRPr lang="en-US" sz="2800" dirty="0"/>
+                    </a:p>
+                    <a:p>
+                      <a:pPr algn="r" rtl="1"/>
+                      <a:endParaRPr lang="en-US" sz="2800" dirty="0"/>
+                    </a:p>
+                    <a:p>
+                      <a:pPr algn="r" rtl="1"/>
+                      <a:r>
+                        <a:rPr lang="en-US" sz="2800" b="1" dirty="0"/>
+                        <a:t>General </a:t>
+                      </a:r>
+                      <a:endParaRPr lang="he-IL" sz="2800" b="1" dirty="0"/>
+                    </a:p>
+                  </a:txBody>
+                  <a:tcPr marT="45721" marB="45721"/>
                 </a:tc>
                 <a:extLst>
                   <a:ext uri="{0D108BD9-81ED-4DB2-BD59-A6C34878D82A}">
-                    <a16:rowId xmlns:a16="http://schemas.microsoft.com/office/drawing/2014/main" val="4148491661"/>
+                    <a16:rowId xmlns:a16="http://schemas.microsoft.com/office/drawing/2014/main" val="816043874"/>
                   </a:ext>
                 </a:extLst>
               </a:tr>
-              <a:tr h="592576">
-                <a:tc>
-                  <a:txBody>
-                    <a:bodyPr/>
-                    <a:lstStyle/>
-                    <a:p>
-                      <a:pPr marL="0" marR="0" lvl="0" indent="0" algn="l" defTabSz="914400" rtl="0" eaLnBrk="1" fontAlgn="auto" latinLnBrk="0" hangingPunct="1">
+              <a:tr h="554554">
+                <a:tc>
+                  <a:txBody>
+                    <a:bodyPr/>
+                    <a:lstStyle/>
+                    <a:p>
+                      <a:pPr algn="l" rtl="1"/>
+                      <a:r>
+                        <a:rPr lang="en-US" sz="1200" dirty="0"/>
+                        <a:t>router</a:t>
+                      </a:r>
+                      <a:endParaRPr lang="he-IL" sz="1200" dirty="0"/>
+                    </a:p>
+                  </a:txBody>
+                  <a:tcPr marT="45721" marB="45721"/>
+                </a:tc>
+                <a:tc>
+                  <a:txBody>
+                    <a:bodyPr/>
+                    <a:lstStyle/>
+                    <a:p>
+                      <a:pPr algn="l" rtl="1"/>
+                      <a:r>
+                        <a:rPr lang="en-US" sz="1200" dirty="0"/>
+                        <a:t>---</a:t>
+                      </a:r>
+                      <a:endParaRPr lang="he-IL" sz="1200" dirty="0"/>
+                    </a:p>
+                  </a:txBody>
+                  <a:tcPr marT="45721" marB="45721"/>
+                </a:tc>
+                <a:tc>
+                  <a:txBody>
+                    <a:bodyPr/>
+                    <a:lstStyle/>
+                    <a:p>
+                      <a:pPr algn="l" rtl="1"/>
+                      <a:r>
+                        <a:rPr lang="en-US" sz="1200" dirty="0"/>
+                        <a:t>The redux provider</a:t>
+                      </a:r>
+                      <a:endParaRPr lang="he-IL" sz="1200" dirty="0"/>
+                    </a:p>
+                  </a:txBody>
+                  <a:tcPr marT="45721" marB="45721"/>
+                </a:tc>
+                <a:tc>
+                  <a:txBody>
+                    <a:bodyPr/>
+                    <a:lstStyle/>
+                    <a:p>
+                      <a:pPr algn="l" rtl="1"/>
+                      <a:r>
+                        <a:rPr lang="en-US" sz="1200" dirty="0"/>
+                        <a:t>---</a:t>
+                      </a:r>
+                      <a:endParaRPr lang="he-IL" sz="1200" dirty="0"/>
+                    </a:p>
+                  </a:txBody>
+                  <a:tcPr marT="45721" marB="45721"/>
+                </a:tc>
+                <a:tc>
+                  <a:txBody>
+                    <a:bodyPr/>
+                    <a:lstStyle/>
+                    <a:p>
+                      <a:pPr algn="l" rtl="1"/>
+                      <a:r>
+                        <a:rPr lang="en-US" sz="1200" dirty="0"/>
+                        <a:t>The app </a:t>
+                      </a:r>
+                      <a:r>
+                        <a:rPr lang="en-US" sz="1200" dirty="0" err="1"/>
+                        <a:t>cmpnt</a:t>
+                      </a:r>
+                      <a:endParaRPr lang="he-IL" sz="1200" dirty="0"/>
+                    </a:p>
+                  </a:txBody>
+                  <a:tcPr marT="45721" marB="45721"/>
+                </a:tc>
+                <a:tc>
+                  <a:txBody>
+                    <a:bodyPr/>
+                    <a:lstStyle/>
+                    <a:p>
+                      <a:pPr algn="l" rtl="1"/>
+                      <a:r>
+                        <a:rPr lang="en-US" sz="1200" dirty="0"/>
+                        <a:t>App</a:t>
+                      </a:r>
+                    </a:p>
+                  </a:txBody>
+                  <a:tcPr marT="45721" marB="45721"/>
+                </a:tc>
+                <a:tc vMerge="1">
+                  <a:txBody>
+                    <a:bodyPr/>
+                    <a:lstStyle/>
+                    <a:p>
+                      <a:pPr algn="l" rtl="0"/>
+                      <a:endParaRPr lang="he-IL" sz="1200" dirty="0"/>
+                    </a:p>
+                  </a:txBody>
+                  <a:tcPr/>
+                </a:tc>
+                <a:extLst>
+                  <a:ext uri="{0D108BD9-81ED-4DB2-BD59-A6C34878D82A}">
+                    <a16:rowId xmlns:a16="http://schemas.microsoft.com/office/drawing/2014/main" val="784867720"/>
+                  </a:ext>
+                </a:extLst>
+              </a:tr>
+              <a:tr h="378735">
+                <a:tc gridSpan="6">
+                  <a:txBody>
+                    <a:bodyPr/>
+                    <a:lstStyle/>
+                    <a:p>
+                      <a:pPr algn="ctr" rtl="1"/>
+                      <a:r>
+                        <a:rPr lang="en-US" sz="1500" dirty="0"/>
+                        <a:t>Router</a:t>
+                      </a:r>
+                    </a:p>
+                  </a:txBody>
+                  <a:tcPr marT="45721" marB="45721"/>
+                </a:tc>
+                <a:tc hMerge="1">
+                  <a:txBody>
+                    <a:bodyPr/>
+                    <a:lstStyle/>
+                    <a:p>
+                      <a:pPr algn="l" rtl="1"/>
+                      <a:endParaRPr lang="he-IL" sz="1200" dirty="0"/>
+                    </a:p>
+                  </a:txBody>
+                  <a:tcPr/>
+                </a:tc>
+                <a:tc hMerge="1">
+                  <a:txBody>
+                    <a:bodyPr/>
+                    <a:lstStyle/>
+                    <a:p>
+                      <a:pPr algn="l" rtl="1"/>
+                      <a:endParaRPr lang="he-IL" sz="1200" dirty="0"/>
+                    </a:p>
+                  </a:txBody>
+                  <a:tcPr/>
+                </a:tc>
+                <a:tc hMerge="1">
+                  <a:txBody>
+                    <a:bodyPr/>
+                    <a:lstStyle/>
+                    <a:p>
+                      <a:pPr algn="l" rtl="1"/>
+                      <a:endParaRPr lang="he-IL" sz="1200" dirty="0"/>
+                    </a:p>
+                  </a:txBody>
+                  <a:tcPr/>
+                </a:tc>
+                <a:tc hMerge="1">
+                  <a:txBody>
+                    <a:bodyPr/>
+                    <a:lstStyle/>
+                    <a:p>
+                      <a:pPr algn="l" rtl="1"/>
+                      <a:endParaRPr lang="he-IL" sz="1200" dirty="0"/>
+                    </a:p>
+                  </a:txBody>
+                  <a:tcPr/>
+                </a:tc>
+                <a:tc hMerge="1">
+                  <a:txBody>
+                    <a:bodyPr/>
+                    <a:lstStyle/>
+                    <a:p>
+                      <a:pPr algn="l" rtl="1"/>
+                      <a:endParaRPr lang="en-US" sz="1200" dirty="0"/>
+                    </a:p>
+                  </a:txBody>
+                  <a:tcPr/>
+                </a:tc>
+                <a:tc vMerge="1">
+                  <a:txBody>
+                    <a:bodyPr/>
+                    <a:lstStyle/>
+                    <a:p>
+                      <a:pPr rtl="1"/>
+                      <a:endParaRPr lang="he-IL"/>
+                    </a:p>
+                  </a:txBody>
+                  <a:tcPr/>
+                </a:tc>
+                <a:extLst>
+                  <a:ext uri="{0D108BD9-81ED-4DB2-BD59-A6C34878D82A}">
+                    <a16:rowId xmlns:a16="http://schemas.microsoft.com/office/drawing/2014/main" val="2304705078"/>
+                  </a:ext>
+                </a:extLst>
+              </a:tr>
+              <a:tr h="618028">
+                <a:tc>
+                  <a:txBody>
+                    <a:bodyPr/>
+                    <a:lstStyle/>
+                    <a:p>
+                      <a:pPr algn="l" rtl="0"/>
+                      <a:r>
+                        <a:rPr lang="en-US" sz="1200" dirty="0"/>
+                        <a:t>Menu</a:t>
+                      </a:r>
+                    </a:p>
+                    <a:p>
+                      <a:pPr algn="l" rtl="0"/>
+                      <a:r>
+                        <a:rPr lang="en-US" sz="1200" dirty="0" err="1"/>
+                        <a:t>NavBar</a:t>
+                      </a:r>
+                      <a:endParaRPr lang="en-US" sz="1200" dirty="0"/>
+                    </a:p>
+                    <a:p>
+                      <a:pPr algn="l" rtl="0"/>
+                      <a:r>
+                        <a:rPr lang="en-US" sz="1200" dirty="0" err="1"/>
+                        <a:t>usingTypingEffect</a:t>
+                      </a:r>
+                      <a:endParaRPr lang="he-IL" sz="1200" dirty="0"/>
+                    </a:p>
+                  </a:txBody>
+                  <a:tcPr marT="45721" marB="45721"/>
+                </a:tc>
+                <a:tc>
+                  <a:txBody>
+                    <a:bodyPr/>
+                    <a:lstStyle/>
+                    <a:p>
+                      <a:pPr algn="l" rtl="0"/>
+                      <a:r>
+                        <a:rPr lang="en-US" sz="1200" dirty="0"/>
+                        <a:t>App</a:t>
+                      </a:r>
+                      <a:endParaRPr lang="he-IL" sz="1200" dirty="0"/>
+                    </a:p>
+                  </a:txBody>
+                  <a:tcPr marT="45721" marB="45721"/>
+                </a:tc>
+                <a:tc>
+                  <a:txBody>
+                    <a:bodyPr/>
+                    <a:lstStyle/>
+                    <a:p>
+                      <a:pPr algn="l" rtl="0"/>
+                      <a:r>
+                        <a:rPr lang="en-US" sz="1200" dirty="0"/>
+                        <a:t>---</a:t>
+                      </a:r>
+                      <a:endParaRPr lang="he-IL" sz="1200" dirty="0"/>
+                    </a:p>
+                  </a:txBody>
+                  <a:tcPr marT="45721" marB="45721"/>
+                </a:tc>
+                <a:tc>
+                  <a:txBody>
+                    <a:bodyPr/>
+                    <a:lstStyle/>
+                    <a:p>
+                      <a:pPr algn="l" rtl="0"/>
+                      <a:r>
+                        <a:rPr lang="he-IL" sz="1200" dirty="0"/>
+                        <a:t>---</a:t>
+                      </a:r>
+                    </a:p>
+                  </a:txBody>
+                  <a:tcPr marT="45721" marB="45721"/>
+                </a:tc>
+                <a:tc>
+                  <a:txBody>
+                    <a:bodyPr/>
+                    <a:lstStyle/>
+                    <a:p>
+                      <a:pPr algn="l" rtl="0"/>
+                      <a:r>
+                        <a:rPr lang="en-US" sz="1200" dirty="0"/>
+                        <a:t>Paging the </a:t>
+                      </a:r>
+                      <a:r>
+                        <a:rPr lang="en-US" sz="1200" b="0" i="0" kern="1200" dirty="0">
+                          <a:solidFill>
+                            <a:schemeClr val="dk1"/>
+                          </a:solidFill>
+                          <a:effectLst/>
+                          <a:latin typeface="+mn-lt"/>
+                          <a:ea typeface="+mn-ea"/>
+                          <a:cs typeface="+mn-cs"/>
+                        </a:rPr>
+                        <a:t>framework</a:t>
+                      </a:r>
+                      <a:endParaRPr lang="he-IL" sz="1200" dirty="0"/>
+                    </a:p>
+                  </a:txBody>
+                  <a:tcPr marT="45721" marB="45721"/>
+                </a:tc>
+                <a:tc>
+                  <a:txBody>
+                    <a:bodyPr/>
+                    <a:lstStyle/>
+                    <a:p>
+                      <a:pPr algn="l" rtl="0"/>
+                      <a:r>
+                        <a:rPr lang="en-US" sz="1200" dirty="0" err="1"/>
+                        <a:t>AppLayout</a:t>
+                      </a:r>
+                      <a:endParaRPr lang="he-IL" sz="1200" dirty="0"/>
+                    </a:p>
+                  </a:txBody>
+                  <a:tcPr marT="45721" marB="45721"/>
+                </a:tc>
+                <a:tc vMerge="1">
+                  <a:txBody>
+                    <a:bodyPr/>
+                    <a:lstStyle/>
+                    <a:p>
+                      <a:pPr algn="l" rtl="0"/>
+                      <a:endParaRPr lang="he-IL" sz="1200" dirty="0"/>
+                    </a:p>
+                  </a:txBody>
+                  <a:tcPr/>
+                </a:tc>
+                <a:extLst>
+                  <a:ext uri="{0D108BD9-81ED-4DB2-BD59-A6C34878D82A}">
+                    <a16:rowId xmlns:a16="http://schemas.microsoft.com/office/drawing/2014/main" val="2302951321"/>
+                  </a:ext>
+                </a:extLst>
+              </a:tr>
+              <a:tr h="434995">
+                <a:tc>
+                  <a:txBody>
+                    <a:bodyPr/>
+                    <a:lstStyle/>
+                    <a:p>
+                      <a:pPr algn="l"/>
+                      <a:r>
+                        <a:rPr lang="en-US" sz="1200" dirty="0" err="1"/>
+                        <a:t>userContextReducer</a:t>
+                      </a:r>
+                      <a:endParaRPr lang="he-IL" sz="1200" dirty="0"/>
+                    </a:p>
+                  </a:txBody>
+                  <a:tcPr marT="45721" marB="45721"/>
+                </a:tc>
+                <a:tc>
+                  <a:txBody>
+                    <a:bodyPr/>
+                    <a:lstStyle/>
+                    <a:p>
+                      <a:pPr algn="l"/>
+                      <a:r>
+                        <a:rPr lang="en-US" sz="1200" dirty="0" err="1"/>
+                        <a:t>AppLayout</a:t>
+                      </a:r>
+                      <a:endParaRPr lang="he-IL" sz="1200" dirty="0"/>
+                    </a:p>
+                  </a:txBody>
+                  <a:tcPr marT="45721" marB="45721"/>
+                </a:tc>
+                <a:tc>
+                  <a:txBody>
+                    <a:bodyPr/>
+                    <a:lstStyle/>
+                    <a:p>
+                      <a:pPr algn="l"/>
+                      <a:r>
+                        <a:rPr lang="en-US" sz="1200" dirty="0"/>
+                        <a:t>---</a:t>
+                      </a:r>
+                      <a:endParaRPr lang="he-IL" sz="1200" dirty="0"/>
+                    </a:p>
+                  </a:txBody>
+                  <a:tcPr marT="45721" marB="45721"/>
+                </a:tc>
+                <a:tc>
+                  <a:txBody>
+                    <a:bodyPr/>
+                    <a:lstStyle/>
+                    <a:p>
+                      <a:pPr algn="l"/>
+                      <a:r>
+                        <a:rPr lang="en-US" sz="1200" dirty="0"/>
+                        <a:t>---</a:t>
+                      </a:r>
+                      <a:endParaRPr lang="he-IL" sz="1200" dirty="0"/>
+                    </a:p>
+                  </a:txBody>
+                  <a:tcPr marT="45721" marB="45721"/>
+                </a:tc>
+                <a:tc>
+                  <a:txBody>
+                    <a:bodyPr/>
+                    <a:lstStyle/>
+                    <a:p>
+                      <a:pPr algn="l"/>
+                      <a:r>
+                        <a:rPr lang="en-US" sz="1200" b="0" i="0" kern="1200" dirty="0">
+                          <a:solidFill>
+                            <a:schemeClr val="dk1"/>
+                          </a:solidFill>
+                          <a:effectLst/>
+                          <a:latin typeface="+mn-lt"/>
+                          <a:ea typeface="+mn-ea"/>
+                          <a:cs typeface="+mn-cs"/>
+                        </a:rPr>
+                        <a:t>Placing the menu item</a:t>
+                      </a:r>
+                    </a:p>
+                  </a:txBody>
+                  <a:tcPr marT="45721" marB="45721"/>
+                </a:tc>
+                <a:tc>
+                  <a:txBody>
+                    <a:bodyPr/>
+                    <a:lstStyle/>
+                    <a:p>
+                      <a:pPr algn="l"/>
+                      <a:r>
+                        <a:rPr lang="en-US" sz="1200" dirty="0"/>
+                        <a:t>Menu</a:t>
+                      </a:r>
+                      <a:endParaRPr lang="he-IL" sz="1200" dirty="0"/>
+                    </a:p>
+                  </a:txBody>
+                  <a:tcPr marT="45721" marB="45721"/>
+                </a:tc>
+                <a:tc vMerge="1">
+                  <a:txBody>
+                    <a:bodyPr/>
+                    <a:lstStyle/>
+                    <a:p>
+                      <a:pPr algn="r" rtl="1"/>
+                      <a:endParaRPr lang="he-IL" sz="2800" b="1" dirty="0"/>
+                    </a:p>
+                  </a:txBody>
+                  <a:tcPr/>
+                </a:tc>
+                <a:extLst>
+                  <a:ext uri="{0D108BD9-81ED-4DB2-BD59-A6C34878D82A}">
+                    <a16:rowId xmlns:a16="http://schemas.microsoft.com/office/drawing/2014/main" val="4088307630"/>
+                  </a:ext>
+                </a:extLst>
+              </a:tr>
+              <a:tr h="1327964">
+                <a:tc>
+                  <a:txBody>
+                    <a:bodyPr/>
+                    <a:lstStyle/>
+                    <a:p>
+                      <a:pPr algn="l"/>
+                      <a:r>
+                        <a:rPr lang="en-US" sz="1200" dirty="0"/>
+                        <a:t>Link to menu items</a:t>
+                      </a:r>
+                      <a:endParaRPr lang="he-IL" sz="1200" dirty="0"/>
+                    </a:p>
+                  </a:txBody>
+                  <a:tcPr marT="45721" marB="45721"/>
+                </a:tc>
+                <a:tc>
+                  <a:txBody>
+                    <a:bodyPr/>
+                    <a:lstStyle/>
+                    <a:p>
+                      <a:pPr algn="l"/>
+                      <a:r>
+                        <a:rPr lang="en-US" sz="1200" dirty="0" err="1"/>
+                        <a:t>AppLayout</a:t>
+                      </a:r>
+                      <a:endParaRPr lang="he-IL" sz="1200" dirty="0"/>
+                    </a:p>
+                  </a:txBody>
+                  <a:tcPr marT="45721" marB="45721"/>
+                </a:tc>
+                <a:tc>
+                  <a:txBody>
+                    <a:bodyPr/>
+                    <a:lstStyle/>
+                    <a:p>
+                      <a:pPr algn="l"/>
+                      <a:r>
+                        <a:rPr lang="en-US" sz="1200" dirty="0"/>
+                        <a:t>Redux:</a:t>
+                      </a:r>
+                    </a:p>
+                    <a:p>
+                      <a:pPr marL="171450" indent="-171450" algn="l" rtl="0">
+                        <a:buFont typeface="Arial" panose="020B0604020202020204" pitchFamily="34" charset="0"/>
+                        <a:buChar char="•"/>
+                      </a:pPr>
+                      <a:r>
+                        <a:rPr lang="en-US" sz="1200" dirty="0" err="1"/>
+                        <a:t>SetIsOpen</a:t>
+                      </a:r>
+                      <a:r>
+                        <a:rPr lang="en-US" sz="1200" dirty="0"/>
+                        <a:t> – set the </a:t>
+                      </a:r>
+                      <a:r>
+                        <a:rPr lang="en-US" sz="1200" dirty="0" err="1"/>
+                        <a:t>addRecipe</a:t>
+                      </a:r>
+                      <a:r>
+                        <a:rPr lang="en-US" sz="1200" dirty="0"/>
+                        <a:t> modal true</a:t>
+                      </a:r>
+                    </a:p>
+                    <a:p>
+                      <a:pPr marL="0" indent="0" algn="l" rtl="0">
+                        <a:buFont typeface="Arial" panose="020B0604020202020204" pitchFamily="34" charset="0"/>
+                        <a:buNone/>
+                      </a:pPr>
+                      <a:r>
+                        <a:rPr lang="en-US" sz="1200" dirty="0" err="1"/>
+                        <a:t>Mubx</a:t>
+                      </a:r>
+                      <a:r>
+                        <a:rPr lang="en-US" sz="1200" dirty="0"/>
+                        <a:t>:</a:t>
+                      </a:r>
+                    </a:p>
+                    <a:p>
+                      <a:pPr marL="171450" indent="-171450" algn="l" rtl="0">
+                        <a:buFont typeface="Arial" panose="020B0604020202020204" pitchFamily="34" charset="0"/>
+                        <a:buChar char="•"/>
+                      </a:pPr>
+                      <a:r>
+                        <a:rPr lang="en-US" sz="1200" dirty="0" err="1"/>
+                        <a:t>addRecipe</a:t>
+                      </a:r>
+                      <a:r>
+                        <a:rPr lang="en-US" sz="1200" dirty="0"/>
+                        <a:t> appears only when the login status is ‘after’</a:t>
+                      </a:r>
+                      <a:endParaRPr lang="he-IL" sz="1200" dirty="0"/>
+                    </a:p>
+                  </a:txBody>
+                  <a:tcPr marT="45721" marB="45721"/>
+                </a:tc>
+                <a:tc>
+                  <a:txBody>
+                    <a:bodyPr/>
+                    <a:lstStyle/>
+                    <a:p>
+                      <a:pPr algn="l"/>
+                      <a:r>
+                        <a:rPr lang="en-US" sz="1200" dirty="0"/>
+                        <a:t>---</a:t>
+                      </a:r>
+                      <a:endParaRPr lang="he-IL" sz="1200" dirty="0"/>
+                    </a:p>
+                  </a:txBody>
+                  <a:tcPr marT="45721" marB="45721"/>
+                </a:tc>
+                <a:tc>
+                  <a:txBody>
+                    <a:bodyPr/>
+                    <a:lstStyle/>
+                    <a:p>
+                      <a:pPr algn="l"/>
+                      <a:r>
+                        <a:rPr lang="en-US" sz="1200" dirty="0"/>
+                        <a:t>Links to the menu items</a:t>
+                      </a:r>
+                      <a:endParaRPr lang="he-IL" sz="1200" dirty="0"/>
+                    </a:p>
+                  </a:txBody>
+                  <a:tcPr marT="45721" marB="45721"/>
+                </a:tc>
+                <a:tc>
+                  <a:txBody>
+                    <a:bodyPr/>
+                    <a:lstStyle/>
+                    <a:p>
+                      <a:pPr algn="l"/>
+                      <a:r>
+                        <a:rPr lang="en-US" sz="1200" dirty="0" err="1"/>
+                        <a:t>NavBar</a:t>
+                      </a:r>
+                      <a:endParaRPr lang="he-IL" sz="1200" dirty="0"/>
+                    </a:p>
+                  </a:txBody>
+                  <a:tcPr marT="45721" marB="45721"/>
+                </a:tc>
+                <a:tc vMerge="1">
+                  <a:txBody>
+                    <a:bodyPr/>
+                    <a:lstStyle/>
+                    <a:p>
+                      <a:pPr algn="r" rtl="1"/>
+                      <a:endParaRPr lang="he-IL" sz="2800" b="1" dirty="0"/>
+                    </a:p>
+                  </a:txBody>
+                  <a:tcPr/>
+                </a:tc>
+                <a:extLst>
+                  <a:ext uri="{0D108BD9-81ED-4DB2-BD59-A6C34878D82A}">
+                    <a16:rowId xmlns:a16="http://schemas.microsoft.com/office/drawing/2014/main" val="950422286"/>
+                  </a:ext>
+                </a:extLst>
+              </a:tr>
+              <a:tr h="554554">
+                <a:tc>
+                  <a:txBody>
+                    <a:bodyPr/>
+                    <a:lstStyle/>
+                    <a:p>
+                      <a:pPr algn="l"/>
+                      <a:r>
+                        <a:rPr lang="en-US" sz="1200" dirty="0"/>
+                        <a:t>---</a:t>
+                      </a:r>
+                      <a:endParaRPr lang="he-IL" sz="1200" dirty="0"/>
+                    </a:p>
+                  </a:txBody>
+                  <a:tcPr marT="45721" marB="45721"/>
+                </a:tc>
+                <a:tc>
+                  <a:txBody>
+                    <a:bodyPr/>
+                    <a:lstStyle/>
+                    <a:p>
+                      <a:pPr algn="l"/>
+                      <a:r>
+                        <a:rPr lang="en-US" sz="1200" dirty="0" err="1"/>
+                        <a:t>AppLayout</a:t>
+                      </a:r>
+                      <a:endParaRPr lang="he-IL" sz="1200" dirty="0"/>
+                    </a:p>
+                  </a:txBody>
+                  <a:tcPr marT="45721" marB="45721"/>
+                </a:tc>
+                <a:tc>
+                  <a:txBody>
+                    <a:bodyPr/>
+                    <a:lstStyle/>
+                    <a:p>
+                      <a:pPr algn="l"/>
+                      <a:r>
+                        <a:rPr lang="en-US" sz="1200" dirty="0"/>
+                        <a:t>---</a:t>
+                      </a:r>
+                    </a:p>
+                    <a:p>
+                      <a:pPr algn="l"/>
+                      <a:endParaRPr lang="he-IL" sz="1200" dirty="0"/>
+                    </a:p>
+                  </a:txBody>
+                  <a:tcPr marT="45721" marB="45721"/>
+                </a:tc>
+                <a:tc>
+                  <a:txBody>
+                    <a:bodyPr/>
+                    <a:lstStyle/>
+                    <a:p>
+                      <a:pPr algn="l"/>
+                      <a:endParaRPr lang="he-IL" sz="1200" dirty="0"/>
+                    </a:p>
+                  </a:txBody>
+                  <a:tcPr marT="45721" marB="45721"/>
+                </a:tc>
+                <a:tc>
+                  <a:txBody>
+                    <a:bodyPr/>
+                    <a:lstStyle/>
+                    <a:p>
+                      <a:pPr algn="l" rtl="0"/>
+                      <a:r>
+                        <a:rPr lang="en-US" sz="1200" b="0" i="0" kern="1200" dirty="0">
+                          <a:solidFill>
+                            <a:schemeClr val="dk1"/>
+                          </a:solidFill>
+                          <a:effectLst/>
+                          <a:latin typeface="+mn-lt"/>
+                          <a:ea typeface="+mn-ea"/>
+                          <a:cs typeface="+mn-cs"/>
+                        </a:rPr>
+                        <a:t>Using </a:t>
+                      </a:r>
+                      <a:r>
+                        <a:rPr lang="en-US" sz="1200" b="0" i="0" kern="1200" dirty="0" err="1">
+                          <a:solidFill>
+                            <a:schemeClr val="dk1"/>
+                          </a:solidFill>
+                          <a:effectLst/>
+                          <a:latin typeface="+mn-lt"/>
+                          <a:ea typeface="+mn-ea"/>
+                          <a:cs typeface="+mn-cs"/>
+                        </a:rPr>
+                        <a:t>typingEffect</a:t>
+                      </a:r>
+                      <a:r>
+                        <a:rPr lang="en-US" sz="1200" b="0" i="0" kern="1200" dirty="0">
+                          <a:solidFill>
+                            <a:schemeClr val="dk1"/>
+                          </a:solidFill>
+                          <a:effectLst/>
+                          <a:latin typeface="+mn-lt"/>
+                          <a:ea typeface="+mn-ea"/>
+                          <a:cs typeface="+mn-cs"/>
+                        </a:rPr>
+                        <a:t> </a:t>
+                      </a:r>
+                      <a:r>
+                        <a:rPr lang="en-US" sz="1200" b="0" i="0" kern="1200" dirty="0" err="1">
+                          <a:solidFill>
+                            <a:schemeClr val="dk1"/>
+                          </a:solidFill>
+                          <a:effectLst/>
+                          <a:latin typeface="+mn-lt"/>
+                          <a:ea typeface="+mn-ea"/>
+                          <a:cs typeface="+mn-cs"/>
+                        </a:rPr>
+                        <a:t>copmponent</a:t>
+                      </a:r>
+                      <a:endParaRPr lang="en-US" sz="1200" b="0" i="0" kern="1200" dirty="0">
+                        <a:solidFill>
+                          <a:schemeClr val="dk1"/>
+                        </a:solidFill>
+                        <a:effectLst/>
+                        <a:latin typeface="+mn-lt"/>
+                        <a:ea typeface="+mn-ea"/>
+                        <a:cs typeface="+mn-cs"/>
+                      </a:endParaRPr>
+                    </a:p>
+                  </a:txBody>
+                  <a:tcPr marT="45721" marB="45721"/>
+                </a:tc>
+                <a:tc>
+                  <a:txBody>
+                    <a:bodyPr/>
+                    <a:lstStyle/>
+                    <a:p>
+                      <a:pPr algn="l"/>
+                      <a:r>
+                        <a:rPr lang="en-US" sz="1200" dirty="0" err="1"/>
+                        <a:t>UsingTypingEffect</a:t>
+                      </a:r>
+                      <a:endParaRPr lang="he-IL" sz="1200" dirty="0"/>
+                    </a:p>
+                  </a:txBody>
+                  <a:tcPr marT="45721" marB="45721"/>
+                </a:tc>
+                <a:tc vMerge="1">
+                  <a:txBody>
+                    <a:bodyPr/>
+                    <a:lstStyle/>
+                    <a:p>
+                      <a:pPr algn="r" rtl="1"/>
+                      <a:endParaRPr lang="he-IL" sz="2800" b="1" dirty="0"/>
+                    </a:p>
+                  </a:txBody>
+                  <a:tcPr/>
+                </a:tc>
+                <a:extLst>
+                  <a:ext uri="{0D108BD9-81ED-4DB2-BD59-A6C34878D82A}">
+                    <a16:rowId xmlns:a16="http://schemas.microsoft.com/office/drawing/2014/main" val="59903845"/>
+                  </a:ext>
+                </a:extLst>
+              </a:tr>
+              <a:tr h="554554">
+                <a:tc>
+                  <a:txBody>
+                    <a:bodyPr/>
+                    <a:lstStyle/>
+                    <a:p>
+                      <a:pPr algn="l"/>
+                      <a:r>
+                        <a:rPr lang="en-US" sz="1200" dirty="0"/>
+                        <a:t>---</a:t>
+                      </a:r>
+                      <a:endParaRPr lang="he-IL" sz="1200" dirty="0"/>
+                    </a:p>
+                  </a:txBody>
+                  <a:tcPr marT="45721" marB="45721"/>
+                </a:tc>
+                <a:tc>
+                  <a:txBody>
+                    <a:bodyPr/>
+                    <a:lstStyle/>
+                    <a:p>
+                      <a:pPr algn="l"/>
+                      <a:r>
+                        <a:rPr lang="en-US" sz="1200" dirty="0" err="1"/>
+                        <a:t>usingTypingEffect</a:t>
+                      </a:r>
+                      <a:endParaRPr lang="he-IL" sz="1200" dirty="0"/>
+                    </a:p>
+                  </a:txBody>
+                  <a:tcPr marT="45721" marB="45721"/>
+                </a:tc>
+                <a:tc>
+                  <a:txBody>
+                    <a:bodyPr/>
+                    <a:lstStyle/>
+                    <a:p>
+                      <a:pPr algn="l"/>
+                      <a:r>
+                        <a:rPr lang="en-US" sz="1200" dirty="0"/>
+                        <a:t>---</a:t>
+                      </a:r>
+                      <a:endParaRPr lang="he-IL" sz="1200" dirty="0"/>
+                    </a:p>
+                  </a:txBody>
+                  <a:tcPr marT="45721" marB="45721"/>
+                </a:tc>
+                <a:tc>
+                  <a:txBody>
+                    <a:bodyPr/>
+                    <a:lstStyle/>
+                    <a:p>
+                      <a:pPr marL="0" marR="0" lvl="0" indent="0" algn="l" defTabSz="914400" rtl="1" eaLnBrk="1" fontAlgn="auto" latinLnBrk="0" hangingPunct="1">
                         <a:lnSpc>
                           <a:spcPct val="100000"/>
                         </a:lnSpc>
@@ -4331,122 +6159,20 @@
                         <a:defRPr/>
                       </a:pPr>
                       <a:r>
-                        <a:rPr lang="en-US" sz="1200" b="0" kern="1200" dirty="0" err="1">
-                          <a:solidFill>
-                            <a:schemeClr val="dk1"/>
-                          </a:solidFill>
-                          <a:effectLst/>
-                          <a:latin typeface="+mn-lt"/>
-                          <a:ea typeface="+mn-ea"/>
-                          <a:cs typeface="+mn-cs"/>
-                        </a:rPr>
-                        <a:t>UserContextReducer</a:t>
-                      </a:r>
-                      <a:endParaRPr lang="en-US" sz="1200" b="0" kern="1200" dirty="0">
-                        <a:solidFill>
-                          <a:schemeClr val="dk1"/>
-                        </a:solidFill>
-                        <a:effectLst/>
-                        <a:latin typeface="+mn-lt"/>
-                        <a:ea typeface="+mn-ea"/>
-                        <a:cs typeface="+mn-cs"/>
-                      </a:endParaRPr>
-                    </a:p>
-                    <a:p>
-                      <a:pPr algn="l" rtl="0"/>
-                      <a:endParaRPr lang="he-IL" sz="1200" dirty="0"/>
-                    </a:p>
-                  </a:txBody>
-                  <a:tcPr/>
-                </a:tc>
-                <a:tc>
-                  <a:txBody>
-                    <a:bodyPr/>
-                    <a:lstStyle/>
-                    <a:p>
-                      <a:pPr algn="l" rtl="0"/>
-                      <a:r>
                         <a:rPr lang="en-US" sz="1200" dirty="0"/>
-                        <a:t>---</a:t>
-                      </a:r>
-                      <a:endParaRPr lang="he-IL" sz="1200" dirty="0"/>
-                    </a:p>
-                  </a:txBody>
-                  <a:tcPr/>
-                </a:tc>
-                <a:tc>
-                  <a:txBody>
-                    <a:bodyPr/>
-                    <a:lstStyle/>
-                    <a:p>
-                      <a:pPr algn="l" rtl="0"/>
-                      <a:r>
-                        <a:rPr lang="en-US" sz="1200" dirty="0"/>
-                        <a:t>---</a:t>
-                      </a:r>
-                      <a:endParaRPr lang="he-IL" sz="1200" dirty="0"/>
-                    </a:p>
-                  </a:txBody>
-                  <a:tcPr/>
-                </a:tc>
-                <a:tc>
-                  <a:txBody>
-                    <a:bodyPr/>
-                    <a:lstStyle/>
-                    <a:p>
-                      <a:pPr algn="l" rtl="0"/>
-                      <a:r>
-                        <a:rPr lang="en-US" sz="1200" dirty="0"/>
-                        <a:t>---</a:t>
-                      </a:r>
-                      <a:endParaRPr lang="he-IL" sz="1200" dirty="0"/>
-                    </a:p>
-                  </a:txBody>
-                  <a:tcPr/>
-                </a:tc>
-                <a:tc>
-                  <a:txBody>
-                    <a:bodyPr/>
-                    <a:lstStyle/>
-                    <a:p>
-                      <a:pPr algn="l" rtl="0"/>
-                      <a:r>
-                        <a:rPr lang="en-US" sz="1200" dirty="0"/>
-                        <a:t>Design the app bar</a:t>
-                      </a:r>
-                      <a:endParaRPr lang="he-IL" sz="1200" dirty="0"/>
-                    </a:p>
-                  </a:txBody>
-                  <a:tcPr/>
-                </a:tc>
-                <a:tc>
-                  <a:txBody>
-                    <a:bodyPr/>
-                    <a:lstStyle/>
-                    <a:p>
-                      <a:pPr algn="l" rtl="0"/>
-                      <a:r>
-                        <a:rPr lang="en-US" sz="1200" dirty="0"/>
-                        <a:t>menu</a:t>
-                      </a:r>
-                      <a:endParaRPr lang="he-IL" sz="1200" dirty="0"/>
-                    </a:p>
-                  </a:txBody>
-                  <a:tcPr/>
-                </a:tc>
-                <a:extLst>
-                  <a:ext uri="{0D108BD9-81ED-4DB2-BD59-A6C34878D82A}">
-                    <a16:rowId xmlns:a16="http://schemas.microsoft.com/office/drawing/2014/main" val="4174984141"/>
-                  </a:ext>
-                </a:extLst>
-              </a:tr>
-              <a:tr h="592576">
-                <a:tc>
-                  <a:txBody>
-                    <a:bodyPr/>
-                    <a:lstStyle/>
-                    <a:p>
-                      <a:pPr marL="0" marR="0" lvl="0" indent="0" algn="l" defTabSz="914400" rtl="0" eaLnBrk="1" fontAlgn="auto" latinLnBrk="0" hangingPunct="1">
+                        <a:t>type, delay, speed</a:t>
+                      </a:r>
+                      <a:endParaRPr lang="he-IL" sz="1200" dirty="0"/>
+                    </a:p>
+                  </a:txBody>
+                  <a:tcPr marT="45721" marB="45721"/>
+                </a:tc>
+                <a:tc>
+                  <a:txBody>
+                    <a:bodyPr/>
+                    <a:lstStyle/>
+                    <a:p>
+                      <a:pPr marL="0" marR="0" lvl="0" indent="0" algn="l" defTabSz="914400" rtl="1" eaLnBrk="1" fontAlgn="auto" latinLnBrk="0" hangingPunct="1">
                         <a:lnSpc>
                           <a:spcPct val="100000"/>
                         </a:lnSpc>
@@ -4464,7 +6190,7 @@
                         <a:defRPr/>
                       </a:pPr>
                       <a:r>
-                        <a:rPr lang="en-US" sz="1200" b="0" kern="1200" dirty="0" err="1">
+                        <a:rPr lang="en-US" sz="1200" b="0" i="0" kern="1200" dirty="0">
                           <a:solidFill>
                             <a:schemeClr val="dk1"/>
                           </a:solidFill>
@@ -4473,281 +6199,55 @@
                           <a:ea typeface="+mn-ea"/>
                           <a:cs typeface="+mn-cs"/>
                         </a:rPr>
-                        <a:t>LoginAndRegisterBtn</a:t>
-                      </a:r>
-                      <a:endParaRPr lang="en-US" sz="1200" b="0" kern="1200" dirty="0">
-                        <a:solidFill>
-                          <a:schemeClr val="dk1"/>
-                        </a:solidFill>
-                        <a:effectLst/>
-                        <a:latin typeface="+mn-lt"/>
-                        <a:ea typeface="+mn-ea"/>
-                        <a:cs typeface="+mn-cs"/>
-                      </a:endParaRPr>
-                    </a:p>
-                    <a:p>
-                      <a:pPr algn="l" rtl="0"/>
-                      <a:endParaRPr lang="he-IL" sz="1200" dirty="0"/>
-                    </a:p>
-                  </a:txBody>
-                  <a:tcPr/>
-                </a:tc>
-                <a:tc>
-                  <a:txBody>
-                    <a:bodyPr/>
-                    <a:lstStyle/>
-                    <a:p>
-                      <a:pPr algn="l" rtl="0"/>
-                      <a:r>
-                        <a:rPr lang="en-US" sz="1200" dirty="0"/>
-                        <a:t>menu</a:t>
-                      </a:r>
-                      <a:endParaRPr lang="he-IL" sz="1200" dirty="0"/>
-                    </a:p>
-                  </a:txBody>
-                  <a:tcPr/>
-                </a:tc>
-                <a:tc>
-                  <a:txBody>
-                    <a:bodyPr/>
-                    <a:lstStyle/>
-                    <a:p>
-                      <a:pPr algn="l" rtl="0"/>
-                      <a:r>
-                        <a:rPr lang="en-US" sz="1200" dirty="0"/>
-                        <a:t>---</a:t>
-                      </a:r>
-                      <a:endParaRPr lang="he-IL" sz="1200" dirty="0"/>
-                    </a:p>
-                  </a:txBody>
-                  <a:tcPr/>
-                </a:tc>
-                <a:tc>
-                  <a:txBody>
-                    <a:bodyPr/>
-                    <a:lstStyle/>
-                    <a:p>
-                      <a:pPr algn="l" rtl="0"/>
-                      <a:r>
-                        <a:rPr lang="en-US" sz="1200" dirty="0"/>
-                        <a:t>---</a:t>
-                      </a:r>
-                      <a:endParaRPr lang="he-IL" sz="1200" dirty="0"/>
-                    </a:p>
-                  </a:txBody>
-                  <a:tcPr/>
-                </a:tc>
-                <a:tc>
-                  <a:txBody>
-                    <a:bodyPr/>
-                    <a:lstStyle/>
-                    <a:p>
-                      <a:pPr algn="l" rtl="0"/>
-                      <a:r>
-                        <a:rPr lang="en-US" sz="1200" dirty="0"/>
-                        <a:t>Dispatch the reducer and roll the user context</a:t>
-                      </a:r>
-                      <a:endParaRPr lang="he-IL" sz="1200" dirty="0"/>
-                    </a:p>
-                  </a:txBody>
-                  <a:tcPr/>
-                </a:tc>
-                <a:tc>
-                  <a:txBody>
-                    <a:bodyPr/>
-                    <a:lstStyle/>
-                    <a:p>
-                      <a:pPr marL="0" marR="0" lvl="0" indent="0" algn="l" defTabSz="914400" rtl="0" eaLnBrk="1" fontAlgn="auto" latinLnBrk="0" hangingPunct="1">
-                        <a:lnSpc>
-                          <a:spcPct val="100000"/>
-                        </a:lnSpc>
-                        <a:spcBef>
-                          <a:spcPts val="0"/>
-                        </a:spcBef>
-                        <a:spcAft>
-                          <a:spcPts val="0"/>
-                        </a:spcAft>
-                        <a:buClrTx/>
-                        <a:buSzTx/>
-                        <a:buFontTx/>
-                        <a:buNone/>
-                        <a:tabLst/>
-                        <a:defRPr/>
-                      </a:pPr>
-                      <a:r>
-                        <a:rPr lang="en-US" sz="1200" b="0" kern="1200" dirty="0" err="1">
-                          <a:solidFill>
-                            <a:schemeClr val="dk1"/>
-                          </a:solidFill>
-                          <a:effectLst/>
-                          <a:latin typeface="+mn-lt"/>
-                          <a:ea typeface="+mn-ea"/>
-                          <a:cs typeface="+mn-cs"/>
-                        </a:rPr>
-                        <a:t>UserContextReducer</a:t>
-                      </a:r>
-                      <a:endParaRPr lang="en-US" sz="1200" b="0" kern="1200" dirty="0">
-                        <a:solidFill>
-                          <a:schemeClr val="dk1"/>
-                        </a:solidFill>
-                        <a:effectLst/>
-                        <a:latin typeface="+mn-lt"/>
-                        <a:ea typeface="+mn-ea"/>
-                        <a:cs typeface="+mn-cs"/>
-                      </a:endParaRPr>
-                    </a:p>
-                    <a:p>
-                      <a:pPr algn="l" rtl="0"/>
-                      <a:endParaRPr lang="he-IL" sz="1200" dirty="0"/>
+                        <a:t>Typing effect image</a:t>
+                      </a:r>
+                    </a:p>
+                    <a:p>
+                      <a:pPr algn="l"/>
+                      <a:endParaRPr lang="he-IL" sz="1200" dirty="0"/>
+                    </a:p>
+                  </a:txBody>
+                  <a:tcPr marT="45721" marB="45721"/>
+                </a:tc>
+                <a:tc>
+                  <a:txBody>
+                    <a:bodyPr/>
+                    <a:lstStyle/>
+                    <a:p>
+                      <a:pPr algn="l"/>
+                      <a:r>
+                        <a:rPr lang="en-US" sz="1200" dirty="0" err="1"/>
+                        <a:t>UseTypingEffect</a:t>
+                      </a:r>
+                      <a:endParaRPr lang="he-IL" sz="1200" dirty="0"/>
+                    </a:p>
+                  </a:txBody>
+                  <a:tcPr marT="45721" marB="45721"/>
+                </a:tc>
+                <a:tc vMerge="1">
+                  <a:txBody>
+                    <a:bodyPr/>
+                    <a:lstStyle/>
+                    <a:p>
+                      <a:pPr algn="r" rtl="1"/>
+                      <a:endParaRPr lang="he-IL" sz="2800" b="1" dirty="0"/>
                     </a:p>
                   </a:txBody>
                   <a:tcPr/>
                 </a:tc>
                 <a:extLst>
                   <a:ext uri="{0D108BD9-81ED-4DB2-BD59-A6C34878D82A}">
-                    <a16:rowId xmlns:a16="http://schemas.microsoft.com/office/drawing/2014/main" val="3013085355"/>
+                    <a16:rowId xmlns:a16="http://schemas.microsoft.com/office/drawing/2014/main" val="188348878"/>
                   </a:ext>
                 </a:extLst>
               </a:tr>
-              <a:tr h="592576">
-                <a:tc>
-                  <a:txBody>
-                    <a:bodyPr/>
-                    <a:lstStyle/>
-                    <a:p>
-                      <a:pPr marL="0" marR="0" lvl="0" indent="0" algn="l" defTabSz="914400" rtl="0" eaLnBrk="1" fontAlgn="auto" latinLnBrk="0" hangingPunct="1">
-                        <a:lnSpc>
-                          <a:spcPct val="100000"/>
-                        </a:lnSpc>
-                        <a:spcBef>
-                          <a:spcPts val="0"/>
-                        </a:spcBef>
-                        <a:spcAft>
-                          <a:spcPts val="0"/>
-                        </a:spcAft>
-                        <a:buClrTx/>
-                        <a:buSzTx/>
-                        <a:buFontTx/>
-                        <a:buNone/>
-                        <a:tabLst/>
-                        <a:defRPr/>
-                      </a:pPr>
-                      <a:r>
-                        <a:rPr lang="en-US" sz="1200" b="0" kern="1200" dirty="0" err="1">
-                          <a:solidFill>
-                            <a:schemeClr val="dk1"/>
-                          </a:solidFill>
-                          <a:effectLst/>
-                          <a:latin typeface="+mn-lt"/>
-                          <a:ea typeface="+mn-ea"/>
-                          <a:cs typeface="+mn-cs"/>
-                        </a:rPr>
-                        <a:t>LoginAndRegister</a:t>
-                      </a:r>
-                      <a:endParaRPr lang="en-US" sz="1200" b="0" kern="1200" dirty="0">
-                        <a:solidFill>
-                          <a:schemeClr val="dk1"/>
-                        </a:solidFill>
-                        <a:effectLst/>
-                        <a:latin typeface="+mn-lt"/>
-                        <a:ea typeface="+mn-ea"/>
-                        <a:cs typeface="+mn-cs"/>
-                      </a:endParaRPr>
-                    </a:p>
-                    <a:p>
-                      <a:pPr algn="l" rtl="0"/>
-                      <a:endParaRPr lang="he-IL" sz="1200" dirty="0"/>
-                    </a:p>
-                  </a:txBody>
-                  <a:tcPr/>
-                </a:tc>
-                <a:tc>
-                  <a:txBody>
-                    <a:bodyPr/>
-                    <a:lstStyle/>
-                    <a:p>
-                      <a:pPr marL="0" marR="0" lvl="0" indent="0" algn="l" defTabSz="914400" rtl="0" eaLnBrk="1" fontAlgn="auto" latinLnBrk="0" hangingPunct="1">
-                        <a:lnSpc>
-                          <a:spcPct val="100000"/>
-                        </a:lnSpc>
-                        <a:spcBef>
-                          <a:spcPts val="0"/>
-                        </a:spcBef>
-                        <a:spcAft>
-                          <a:spcPts val="0"/>
-                        </a:spcAft>
-                        <a:buClrTx/>
-                        <a:buSzTx/>
-                        <a:buFontTx/>
-                        <a:buNone/>
-                        <a:tabLst/>
-                        <a:defRPr/>
-                      </a:pPr>
-                      <a:r>
-                        <a:rPr lang="en-US" sz="1200" b="0" kern="1200" dirty="0" err="1">
-                          <a:solidFill>
-                            <a:schemeClr val="dk1"/>
-                          </a:solidFill>
-                          <a:effectLst/>
-                          <a:latin typeface="+mn-lt"/>
-                          <a:ea typeface="+mn-ea"/>
-                          <a:cs typeface="+mn-cs"/>
-                        </a:rPr>
-                        <a:t>UserContextReducer</a:t>
-                      </a:r>
-                      <a:endParaRPr lang="en-US" sz="1200" b="0" kern="1200" dirty="0">
-                        <a:solidFill>
-                          <a:schemeClr val="dk1"/>
-                        </a:solidFill>
-                        <a:effectLst/>
-                        <a:latin typeface="+mn-lt"/>
-                        <a:ea typeface="+mn-ea"/>
-                        <a:cs typeface="+mn-cs"/>
-                      </a:endParaRPr>
-                    </a:p>
-                    <a:p>
-                      <a:pPr algn="l" rtl="0"/>
-                      <a:endParaRPr lang="he-IL" sz="1200" dirty="0"/>
-                    </a:p>
-                    <a:p>
-                      <a:pPr algn="l" rtl="0"/>
-                      <a:endParaRPr lang="he-IL" sz="1200" dirty="0"/>
-                    </a:p>
-                  </a:txBody>
-                  <a:tcPr/>
-                </a:tc>
-                <a:tc>
-                  <a:txBody>
-                    <a:bodyPr/>
-                    <a:lstStyle/>
-                    <a:p>
-                      <a:pPr algn="l" rtl="0"/>
-                      <a:r>
-                        <a:rPr lang="en-US" sz="1200" dirty="0" err="1"/>
-                        <a:t>userContext</a:t>
-                      </a:r>
-                      <a:r>
-                        <a:rPr lang="en-US" sz="1200" dirty="0"/>
-                        <a:t>,</a:t>
-                      </a:r>
-                    </a:p>
-                    <a:p>
-                      <a:pPr algn="l" rtl="0"/>
-                      <a:r>
-                        <a:rPr lang="en-US" sz="1200" dirty="0" err="1"/>
-                        <a:t>isLoginContext</a:t>
-                      </a:r>
-                      <a:endParaRPr lang="en-US" sz="1200" dirty="0"/>
-                    </a:p>
-                  </a:txBody>
-                  <a:tcPr/>
-                </a:tc>
-                <a:tc>
-                  <a:txBody>
-                    <a:bodyPr/>
-                    <a:lstStyle/>
-                    <a:p>
-                      <a:pPr algn="l" rtl="0"/>
+              <a:tr h="618028">
+                <a:tc>
+                  <a:txBody>
+                    <a:bodyPr/>
+                    <a:lstStyle/>
+                    <a:p>
+                      <a:pPr algn="l"/>
                       <a:r>
                         <a:rPr lang="en-US" sz="1200" dirty="0"/>
                         <a:t>---</a:t>
@@ -4755,7 +6255,7 @@
                       <a:endParaRPr lang="he-IL" sz="1200" dirty="0"/>
                     </a:p>
                   </a:txBody>
-                  <a:tcPr/>
+                  <a:tcPr marT="45721" marB="45721"/>
                 </a:tc>
                 <a:tc>
                   <a:txBody>
@@ -4765,781 +6265,220 @@
                       <a:pPr algn="l" rtl="0"/>
                       <a:r>
                         <a:rPr lang="en-US" sz="1200" dirty="0"/>
-                        <a:t>Rolling the login status</a:t>
-                      </a:r>
-                      <a:endParaRPr lang="he-IL" sz="1200" dirty="0"/>
-                    </a:p>
-                  </a:txBody>
-                  <a:tcPr/>
-                </a:tc>
-                <a:tc>
-                  <a:txBody>
-                    <a:bodyPr/>
-                    <a:lstStyle/>
-                    <a:p>
-                      <a:pPr marL="0" marR="0" lvl="0" indent="0" algn="l" defTabSz="914400" rtl="0" eaLnBrk="1" fontAlgn="auto" latinLnBrk="0" hangingPunct="1">
-                        <a:lnSpc>
-                          <a:spcPct val="100000"/>
-                        </a:lnSpc>
-                        <a:spcBef>
-                          <a:spcPts val="0"/>
-                        </a:spcBef>
-                        <a:spcAft>
-                          <a:spcPts val="0"/>
-                        </a:spcAft>
-                        <a:buClrTx/>
-                        <a:buSzTx/>
-                        <a:buFontTx/>
-                        <a:buNone/>
-                        <a:tabLst/>
-                        <a:defRPr/>
-                      </a:pPr>
-                      <a:r>
-                        <a:rPr lang="en-US" sz="1200" b="0" kern="1200" dirty="0" err="1">
-                          <a:solidFill>
-                            <a:schemeClr val="dk1"/>
-                          </a:solidFill>
-                          <a:effectLst/>
-                          <a:latin typeface="+mn-lt"/>
-                          <a:ea typeface="+mn-ea"/>
-                          <a:cs typeface="+mn-cs"/>
-                        </a:rPr>
-                        <a:t>LoginAndRegisterBtn</a:t>
-                      </a:r>
-                      <a:endParaRPr lang="en-US" sz="1200" b="0" kern="1200" dirty="0">
-                        <a:solidFill>
-                          <a:schemeClr val="dk1"/>
-                        </a:solidFill>
-                        <a:effectLst/>
-                        <a:latin typeface="+mn-lt"/>
-                        <a:ea typeface="+mn-ea"/>
-                        <a:cs typeface="+mn-cs"/>
-                      </a:endParaRPr>
+                        <a:t>Navigate from react-router</a:t>
+                      </a:r>
                     </a:p>
                     <a:p>
                       <a:pPr algn="l" rtl="0"/>
-                      <a:endParaRPr lang="he-IL" sz="1200" dirty="0"/>
+                      <a:r>
+                        <a:rPr lang="en-US" sz="1200" dirty="0"/>
+                        <a:t>By navbar </a:t>
+                      </a:r>
+                      <a:r>
+                        <a:rPr lang="en-US" sz="1200" dirty="0" err="1"/>
+                        <a:t>cmpnt</a:t>
+                      </a:r>
+                      <a:endParaRPr lang="he-IL" sz="1200" dirty="0"/>
+                    </a:p>
+                  </a:txBody>
+                  <a:tcPr marT="45721" marB="45721"/>
+                </a:tc>
+                <a:tc>
+                  <a:txBody>
+                    <a:bodyPr/>
+                    <a:lstStyle/>
+                    <a:p>
+                      <a:pPr algn="l"/>
+                      <a:r>
+                        <a:rPr lang="en-US" sz="1200" dirty="0"/>
+                        <a:t>---</a:t>
+                      </a:r>
+                      <a:endParaRPr lang="he-IL" sz="1200" dirty="0"/>
+                    </a:p>
+                  </a:txBody>
+                  <a:tcPr marT="45721" marB="45721"/>
+                </a:tc>
+                <a:tc>
+                  <a:txBody>
+                    <a:bodyPr/>
+                    <a:lstStyle/>
+                    <a:p>
+                      <a:pPr algn="l"/>
+                      <a:r>
+                        <a:rPr lang="en-US" sz="1200" dirty="0"/>
+                        <a:t>---</a:t>
+                      </a:r>
+                      <a:endParaRPr lang="he-IL" sz="1200" dirty="0"/>
+                    </a:p>
+                  </a:txBody>
+                  <a:tcPr marT="45721" marB="45721"/>
+                </a:tc>
+                <a:tc>
+                  <a:txBody>
+                    <a:bodyPr/>
+                    <a:lstStyle/>
+                    <a:p>
+                      <a:pPr algn="l"/>
+                      <a:r>
+                        <a:rPr lang="en-US" sz="1200" dirty="0"/>
+                        <a:t>Print ‘home’</a:t>
+                      </a:r>
+                      <a:endParaRPr lang="he-IL" sz="1200" dirty="0"/>
+                    </a:p>
+                  </a:txBody>
+                  <a:tcPr marT="45721" marB="45721"/>
+                </a:tc>
+                <a:tc>
+                  <a:txBody>
+                    <a:bodyPr/>
+                    <a:lstStyle/>
+                    <a:p>
+                      <a:pPr algn="l"/>
+                      <a:r>
+                        <a:rPr lang="en-US" sz="1200" dirty="0"/>
+                        <a:t>Homepage</a:t>
+                      </a:r>
+                    </a:p>
+                    <a:p>
+                      <a:pPr algn="l"/>
+                      <a:endParaRPr lang="he-IL" sz="1200" dirty="0"/>
+                    </a:p>
+                  </a:txBody>
+                  <a:tcPr marT="45721" marB="45721"/>
+                </a:tc>
+                <a:tc vMerge="1">
+                  <a:txBody>
+                    <a:bodyPr/>
+                    <a:lstStyle/>
+                    <a:p>
+                      <a:pPr algn="r" rtl="1"/>
+                      <a:endParaRPr lang="he-IL" sz="2800" b="1" dirty="0"/>
                     </a:p>
                   </a:txBody>
                   <a:tcPr/>
                 </a:tc>
                 <a:extLst>
                   <a:ext uri="{0D108BD9-81ED-4DB2-BD59-A6C34878D82A}">
-                    <a16:rowId xmlns:a16="http://schemas.microsoft.com/office/drawing/2014/main" val="288553718"/>
+                    <a16:rowId xmlns:a16="http://schemas.microsoft.com/office/drawing/2014/main" val="610387795"/>
                   </a:ext>
                 </a:extLst>
               </a:tr>
-              <a:tr h="592576">
-                <a:tc>
-                  <a:txBody>
-                    <a:bodyPr/>
-                    <a:lstStyle/>
-                    <a:p>
-                      <a:pPr marL="0" marR="0" lvl="0" indent="0" algn="l" defTabSz="914400" rtl="0" eaLnBrk="1" fontAlgn="auto" latinLnBrk="0" hangingPunct="1">
-                        <a:lnSpc>
-                          <a:spcPct val="100000"/>
-                        </a:lnSpc>
-                        <a:spcBef>
-                          <a:spcPts val="0"/>
-                        </a:spcBef>
-                        <a:spcAft>
-                          <a:spcPts val="0"/>
-                        </a:spcAft>
-                        <a:buClrTx/>
-                        <a:buSzTx/>
-                        <a:buFontTx/>
-                        <a:buNone/>
-                        <a:tabLst/>
-                        <a:defRPr/>
-                      </a:pPr>
-                      <a:r>
-                        <a:rPr lang="en-US" sz="1200" b="0" kern="1200" dirty="0" err="1">
-                          <a:solidFill>
-                            <a:schemeClr val="dk1"/>
-                          </a:solidFill>
-                          <a:effectLst/>
-                          <a:latin typeface="+mn-lt"/>
-                          <a:ea typeface="+mn-ea"/>
-                          <a:cs typeface="+mn-cs"/>
-                        </a:rPr>
-                        <a:t>UserNameAndAvatr</a:t>
-                      </a:r>
-                      <a:endParaRPr lang="en-US" sz="1200" b="0" kern="1200" dirty="0">
-                        <a:solidFill>
-                          <a:schemeClr val="dk1"/>
-                        </a:solidFill>
-                        <a:effectLst/>
-                        <a:latin typeface="+mn-lt"/>
-                        <a:ea typeface="+mn-ea"/>
-                        <a:cs typeface="+mn-cs"/>
-                      </a:endParaRPr>
-                    </a:p>
+              <a:tr h="618028">
+                <a:tc>
+                  <a:txBody>
+                    <a:bodyPr/>
+                    <a:lstStyle/>
+                    <a:p>
+                      <a:pPr algn="l"/>
+                      <a:r>
+                        <a:rPr lang="en-US" sz="1200" dirty="0"/>
+                        <a:t>---</a:t>
+                      </a:r>
+                      <a:endParaRPr lang="he-IL" sz="1200" dirty="0"/>
+                    </a:p>
+                  </a:txBody>
+                  <a:tcPr marT="45721" marB="45721"/>
+                </a:tc>
+                <a:tc>
+                  <a:txBody>
+                    <a:bodyPr/>
+                    <a:lstStyle/>
                     <a:p>
                       <a:pPr algn="l" rtl="0"/>
-                      <a:endParaRPr lang="he-IL" sz="1200" dirty="0"/>
-                    </a:p>
-                  </a:txBody>
-                  <a:tcPr/>
-                </a:tc>
-                <a:tc>
-                  <a:txBody>
-                    <a:bodyPr/>
-                    <a:lstStyle/>
-                    <a:p>
-                      <a:pPr marL="0" marR="0" lvl="0" indent="0" algn="l" defTabSz="914400" rtl="0" eaLnBrk="1" fontAlgn="auto" latinLnBrk="0" hangingPunct="1">
-                        <a:lnSpc>
-                          <a:spcPct val="100000"/>
-                        </a:lnSpc>
-                        <a:spcBef>
-                          <a:spcPts val="0"/>
-                        </a:spcBef>
-                        <a:spcAft>
-                          <a:spcPts val="0"/>
-                        </a:spcAft>
-                        <a:buClrTx/>
-                        <a:buSzTx/>
-                        <a:buFontTx/>
-                        <a:buNone/>
-                        <a:tabLst/>
-                        <a:defRPr/>
-                      </a:pPr>
-                      <a:r>
-                        <a:rPr lang="en-US" sz="1200" b="0" kern="1200" dirty="0" err="1">
-                          <a:solidFill>
-                            <a:schemeClr val="dk1"/>
-                          </a:solidFill>
-                          <a:effectLst/>
-                          <a:latin typeface="+mn-lt"/>
-                          <a:ea typeface="+mn-ea"/>
-                          <a:cs typeface="+mn-cs"/>
-                        </a:rPr>
-                        <a:t>LoginAndRegisterBtn</a:t>
-                      </a:r>
-                      <a:endParaRPr lang="en-US" sz="1200" b="0" kern="1200" dirty="0">
-                        <a:solidFill>
-                          <a:schemeClr val="dk1"/>
-                        </a:solidFill>
-                        <a:effectLst/>
-                        <a:latin typeface="+mn-lt"/>
-                        <a:ea typeface="+mn-ea"/>
-                        <a:cs typeface="+mn-cs"/>
-                      </a:endParaRPr>
+                      <a:r>
+                        <a:rPr lang="en-US" sz="1200" dirty="0"/>
+                        <a:t>Navigate from react-router</a:t>
+                      </a:r>
                     </a:p>
                     <a:p>
                       <a:pPr algn="l" rtl="0"/>
-                      <a:endParaRPr lang="he-IL" sz="1200" dirty="0"/>
-                    </a:p>
-                  </a:txBody>
-                  <a:tcPr/>
-                </a:tc>
-                <a:tc>
-                  <a:txBody>
-                    <a:bodyPr/>
-                    <a:lstStyle/>
-                    <a:p>
-                      <a:pPr marL="0" marR="0" lvl="0" indent="0" algn="l" defTabSz="914400" rtl="0" eaLnBrk="1" fontAlgn="auto" latinLnBrk="0" hangingPunct="1">
-                        <a:lnSpc>
-                          <a:spcPct val="100000"/>
-                        </a:lnSpc>
-                        <a:spcBef>
-                          <a:spcPts val="0"/>
-                        </a:spcBef>
-                        <a:spcAft>
-                          <a:spcPts val="0"/>
-                        </a:spcAft>
-                        <a:buClrTx/>
-                        <a:buSzTx/>
-                        <a:buFontTx/>
-                        <a:buNone/>
-                        <a:tabLst/>
-                        <a:defRPr/>
-                      </a:pPr>
-                      <a:r>
-                        <a:rPr lang="en-US" sz="1200" b="0" kern="1200" dirty="0" err="1">
-                          <a:solidFill>
-                            <a:schemeClr val="dk1"/>
-                          </a:solidFill>
-                          <a:effectLst/>
-                          <a:latin typeface="+mn-lt"/>
-                          <a:ea typeface="+mn-ea"/>
-                          <a:cs typeface="+mn-cs"/>
-                        </a:rPr>
-                        <a:t>userContext</a:t>
-                      </a:r>
-                      <a:endParaRPr lang="en-US" sz="1200" b="0" kern="1200" dirty="0">
-                        <a:solidFill>
-                          <a:schemeClr val="dk1"/>
-                        </a:solidFill>
-                        <a:effectLst/>
-                        <a:latin typeface="+mn-lt"/>
-                        <a:ea typeface="+mn-ea"/>
-                        <a:cs typeface="+mn-cs"/>
-                      </a:endParaRPr>
-                    </a:p>
-                    <a:p>
-                      <a:pPr marL="0" marR="0" lvl="0" indent="0" algn="l" defTabSz="914400" rtl="0" eaLnBrk="1" fontAlgn="auto" latinLnBrk="0" hangingPunct="1">
-                        <a:lnSpc>
-                          <a:spcPct val="100000"/>
-                        </a:lnSpc>
-                        <a:spcBef>
-                          <a:spcPts val="0"/>
-                        </a:spcBef>
-                        <a:spcAft>
-                          <a:spcPts val="0"/>
-                        </a:spcAft>
-                        <a:buClrTx/>
-                        <a:buSzTx/>
-                        <a:buFontTx/>
-                        <a:buNone/>
-                        <a:tabLst/>
-                        <a:defRPr/>
-                      </a:pPr>
-                      <a:r>
-                        <a:rPr lang="en-US" sz="1200" b="0" kern="1200" dirty="0" err="1">
-                          <a:solidFill>
-                            <a:schemeClr val="dk1"/>
-                          </a:solidFill>
-                          <a:effectLst/>
-                          <a:latin typeface="+mn-lt"/>
-                          <a:ea typeface="+mn-ea"/>
-                          <a:cs typeface="+mn-cs"/>
-                        </a:rPr>
-                        <a:t>userIdContext</a:t>
-                      </a:r>
-                      <a:endParaRPr lang="en-US" sz="1200" b="0" kern="1200" dirty="0">
-                        <a:solidFill>
-                          <a:schemeClr val="dk1"/>
-                        </a:solidFill>
-                        <a:effectLst/>
-                        <a:latin typeface="+mn-lt"/>
-                        <a:ea typeface="+mn-ea"/>
-                        <a:cs typeface="+mn-cs"/>
-                      </a:endParaRPr>
-                    </a:p>
-                    <a:p>
-                      <a:pPr algn="l" rtl="0"/>
-                      <a:endParaRPr lang="he-IL" sz="1200" dirty="0"/>
-                    </a:p>
-                  </a:txBody>
-                  <a:tcPr/>
-                </a:tc>
-                <a:tc>
-                  <a:txBody>
-                    <a:bodyPr/>
-                    <a:lstStyle/>
-                    <a:p>
-                      <a:pPr algn="l" rtl="0"/>
                       <a:r>
                         <a:rPr lang="en-US" sz="1200" dirty="0"/>
-                        <a:t>Status – sign in |sign up</a:t>
-                      </a:r>
-                      <a:endParaRPr lang="he-IL" sz="1200" dirty="0"/>
-                    </a:p>
-                  </a:txBody>
-                  <a:tcPr/>
-                </a:tc>
-                <a:tc>
-                  <a:txBody>
-                    <a:bodyPr/>
-                    <a:lstStyle/>
-                    <a:p>
-                      <a:pPr algn="l" rtl="0"/>
+                        <a:t>By navbar </a:t>
+                      </a:r>
+                      <a:r>
+                        <a:rPr lang="en-US" sz="1200" dirty="0" err="1"/>
+                        <a:t>cmpnt</a:t>
+                      </a:r>
+                      <a:endParaRPr lang="he-IL" sz="1200" dirty="0"/>
+                    </a:p>
+                  </a:txBody>
+                  <a:tcPr marT="45721" marB="45721"/>
+                </a:tc>
+                <a:tc>
+                  <a:txBody>
+                    <a:bodyPr/>
+                    <a:lstStyle/>
+                    <a:p>
+                      <a:pPr algn="l"/>
                       <a:r>
                         <a:rPr lang="en-US" sz="1200" dirty="0"/>
-                        <a:t>Login/register form due to </a:t>
-                      </a:r>
-                      <a:r>
-                        <a:rPr lang="en-US" sz="1200" dirty="0" err="1"/>
-                        <a:t>isLoginContext</a:t>
-                      </a:r>
+                        <a:t>---</a:t>
+                      </a:r>
+                      <a:endParaRPr lang="he-IL" sz="1200" dirty="0"/>
+                    </a:p>
+                  </a:txBody>
+                  <a:tcPr marT="45721" marB="45721"/>
+                </a:tc>
+                <a:tc>
+                  <a:txBody>
+                    <a:bodyPr/>
+                    <a:lstStyle/>
+                    <a:p>
+                      <a:pPr algn="l"/>
                       <a:r>
                         <a:rPr lang="en-US" sz="1200" dirty="0"/>
-                        <a:t>,</a:t>
-                      </a:r>
-                    </a:p>
-                    <a:p>
-                      <a:pPr algn="l" rtl="0"/>
+                        <a:t>---</a:t>
+                      </a:r>
+                      <a:endParaRPr lang="he-IL" sz="1200" dirty="0"/>
+                    </a:p>
+                  </a:txBody>
+                  <a:tcPr marT="45721" marB="45721"/>
+                </a:tc>
+                <a:tc>
+                  <a:txBody>
+                    <a:bodyPr/>
+                    <a:lstStyle/>
+                    <a:p>
+                      <a:pPr algn="l"/>
                       <a:r>
                         <a:rPr lang="en-US" sz="1200" dirty="0"/>
-                        <a:t>Rolling </a:t>
-                      </a:r>
-                      <a:r>
-                        <a:rPr lang="en-US" sz="1200" dirty="0" err="1"/>
-                        <a:t>userIdContext</a:t>
-                      </a:r>
-                      <a:endParaRPr lang="en-US" sz="1200" dirty="0"/>
-                    </a:p>
-                  </a:txBody>
-                  <a:tcPr/>
-                </a:tc>
-                <a:tc>
-                  <a:txBody>
-                    <a:bodyPr/>
-                    <a:lstStyle/>
-                    <a:p>
-                      <a:pPr marL="0" marR="0" lvl="0" indent="0" algn="l" defTabSz="914400" rtl="0" eaLnBrk="1" fontAlgn="auto" latinLnBrk="0" hangingPunct="1">
-                        <a:lnSpc>
-                          <a:spcPct val="100000"/>
-                        </a:lnSpc>
-                        <a:spcBef>
-                          <a:spcPts val="0"/>
-                        </a:spcBef>
-                        <a:spcAft>
-                          <a:spcPts val="0"/>
-                        </a:spcAft>
-                        <a:buClrTx/>
-                        <a:buSzTx/>
-                        <a:buFontTx/>
-                        <a:buNone/>
-                        <a:tabLst/>
-                        <a:defRPr/>
-                      </a:pPr>
-                      <a:r>
-                        <a:rPr lang="en-US" sz="1200" b="0" kern="1200" dirty="0" err="1">
-                          <a:solidFill>
-                            <a:schemeClr val="dk1"/>
-                          </a:solidFill>
-                          <a:effectLst/>
-                          <a:latin typeface="+mn-lt"/>
-                          <a:ea typeface="+mn-ea"/>
-                          <a:cs typeface="+mn-cs"/>
-                        </a:rPr>
-                        <a:t>LoginAndRegister</a:t>
-                      </a:r>
-                      <a:endParaRPr lang="en-US" sz="1200" b="0" kern="1200" dirty="0">
-                        <a:solidFill>
-                          <a:schemeClr val="dk1"/>
-                        </a:solidFill>
-                        <a:effectLst/>
-                        <a:latin typeface="+mn-lt"/>
-                        <a:ea typeface="+mn-ea"/>
-                        <a:cs typeface="+mn-cs"/>
-                      </a:endParaRPr>
-                    </a:p>
-                    <a:p>
-                      <a:pPr algn="l" rtl="0"/>
-                      <a:endParaRPr lang="he-IL" sz="1200" dirty="0"/>
+                        <a:t>Print ‘about’</a:t>
+                      </a:r>
+                      <a:endParaRPr lang="he-IL" sz="1200" dirty="0"/>
+                    </a:p>
+                  </a:txBody>
+                  <a:tcPr marT="45721" marB="45721"/>
+                </a:tc>
+                <a:tc>
+                  <a:txBody>
+                    <a:bodyPr/>
+                    <a:lstStyle/>
+                    <a:p>
+                      <a:pPr algn="l"/>
+                      <a:r>
+                        <a:rPr lang="en-US" sz="1200" dirty="0"/>
+                        <a:t>About</a:t>
+                      </a:r>
+                      <a:endParaRPr lang="he-IL" sz="1200" dirty="0"/>
+                    </a:p>
+                  </a:txBody>
+                  <a:tcPr marT="45721" marB="45721"/>
+                </a:tc>
+                <a:tc vMerge="1">
+                  <a:txBody>
+                    <a:bodyPr/>
+                    <a:lstStyle/>
+                    <a:p>
+                      <a:pPr algn="r" rtl="1"/>
+                      <a:endParaRPr lang="he-IL" sz="2800" b="1" dirty="0"/>
                     </a:p>
                   </a:txBody>
                   <a:tcPr/>
                 </a:tc>
                 <a:extLst>
                   <a:ext uri="{0D108BD9-81ED-4DB2-BD59-A6C34878D82A}">
-                    <a16:rowId xmlns:a16="http://schemas.microsoft.com/office/drawing/2014/main" val="514414580"/>
-                  </a:ext>
-                </a:extLst>
-              </a:tr>
-              <a:tr h="592576">
-                <a:tc>
-                  <a:txBody>
-                    <a:bodyPr/>
-                    <a:lstStyle/>
-                    <a:p>
-                      <a:pPr algn="l" rtl="0"/>
-                      <a:r>
-                        <a:rPr lang="en-US" sz="1200" dirty="0" err="1"/>
-                        <a:t>UpdateUser</a:t>
-                      </a:r>
-                      <a:endParaRPr lang="he-IL" sz="1200" dirty="0"/>
-                    </a:p>
-                  </a:txBody>
-                  <a:tcPr/>
-                </a:tc>
-                <a:tc>
-                  <a:txBody>
-                    <a:bodyPr/>
-                    <a:lstStyle/>
-                    <a:p>
-                      <a:pPr marL="0" marR="0" lvl="0" indent="0" algn="l" defTabSz="914400" rtl="0" eaLnBrk="1" fontAlgn="auto" latinLnBrk="0" hangingPunct="1">
-                        <a:lnSpc>
-                          <a:spcPct val="100000"/>
-                        </a:lnSpc>
-                        <a:spcBef>
-                          <a:spcPts val="0"/>
-                        </a:spcBef>
-                        <a:spcAft>
-                          <a:spcPts val="0"/>
-                        </a:spcAft>
-                        <a:buClrTx/>
-                        <a:buSzTx/>
-                        <a:buFontTx/>
-                        <a:buNone/>
-                        <a:tabLst/>
-                        <a:defRPr/>
-                      </a:pPr>
-                      <a:r>
-                        <a:rPr lang="en-US" sz="1200" b="0" kern="1200" dirty="0" err="1">
-                          <a:solidFill>
-                            <a:schemeClr val="dk1"/>
-                          </a:solidFill>
-                          <a:effectLst/>
-                          <a:latin typeface="+mn-lt"/>
-                          <a:ea typeface="+mn-ea"/>
-                          <a:cs typeface="+mn-cs"/>
-                        </a:rPr>
-                        <a:t>LoginAndRegister</a:t>
-                      </a:r>
-                      <a:endParaRPr lang="en-US" sz="1200" b="0" kern="1200" dirty="0">
-                        <a:solidFill>
-                          <a:schemeClr val="dk1"/>
-                        </a:solidFill>
-                        <a:effectLst/>
-                        <a:latin typeface="+mn-lt"/>
-                        <a:ea typeface="+mn-ea"/>
-                        <a:cs typeface="+mn-cs"/>
-                      </a:endParaRPr>
-                    </a:p>
-                    <a:p>
-                      <a:pPr algn="l" rtl="0"/>
-                      <a:endParaRPr lang="he-IL" sz="1200" dirty="0"/>
-                    </a:p>
-                  </a:txBody>
-                  <a:tcPr/>
-                </a:tc>
-                <a:tc>
-                  <a:txBody>
-                    <a:bodyPr/>
-                    <a:lstStyle/>
-                    <a:p>
-                      <a:pPr algn="l" rtl="0"/>
-                      <a:r>
-                        <a:rPr lang="en-US" sz="1200" dirty="0" err="1"/>
-                        <a:t>userIdContext</a:t>
-                      </a:r>
-                      <a:endParaRPr lang="en-US" sz="1200" dirty="0"/>
-                    </a:p>
-                    <a:p>
-                      <a:pPr algn="l" rtl="0"/>
-                      <a:r>
-                        <a:rPr lang="en-US" sz="1200" dirty="0" err="1"/>
-                        <a:t>userContext</a:t>
-                      </a:r>
-                      <a:endParaRPr lang="he-IL" sz="1200" dirty="0"/>
-                    </a:p>
-                  </a:txBody>
-                  <a:tcPr/>
-                </a:tc>
-                <a:tc>
-                  <a:txBody>
-                    <a:bodyPr/>
-                    <a:lstStyle/>
-                    <a:p>
-                      <a:pPr algn="l" rtl="0"/>
-                      <a:r>
-                        <a:rPr lang="en-US" sz="1200" dirty="0"/>
-                        <a:t>---</a:t>
-                      </a:r>
-                      <a:endParaRPr lang="he-IL" sz="1200" dirty="0"/>
-                    </a:p>
-                  </a:txBody>
-                  <a:tcPr/>
-                </a:tc>
-                <a:tc>
-                  <a:txBody>
-                    <a:bodyPr/>
-                    <a:lstStyle/>
-                    <a:p>
-                      <a:pPr algn="l" rtl="0"/>
-                      <a:r>
-                        <a:rPr lang="en-US" sz="1200" dirty="0"/>
-                        <a:t>Show avatar and name, and an update </a:t>
-                      </a:r>
-                      <a:r>
-                        <a:rPr lang="en-US" sz="1200" dirty="0" err="1"/>
-                        <a:t>btn</a:t>
-                      </a:r>
-                      <a:endParaRPr lang="he-IL" sz="1200" dirty="0"/>
-                    </a:p>
-                  </a:txBody>
-                  <a:tcPr/>
-                </a:tc>
-                <a:tc>
-                  <a:txBody>
-                    <a:bodyPr/>
-                    <a:lstStyle/>
-                    <a:p>
-                      <a:pPr marL="0" marR="0" lvl="0" indent="0" algn="l" defTabSz="914400" rtl="0" eaLnBrk="1" fontAlgn="auto" latinLnBrk="0" hangingPunct="1">
-                        <a:lnSpc>
-                          <a:spcPct val="100000"/>
-                        </a:lnSpc>
-                        <a:spcBef>
-                          <a:spcPts val="0"/>
-                        </a:spcBef>
-                        <a:spcAft>
-                          <a:spcPts val="0"/>
-                        </a:spcAft>
-                        <a:buClrTx/>
-                        <a:buSzTx/>
-                        <a:buFontTx/>
-                        <a:buNone/>
-                        <a:tabLst/>
-                        <a:defRPr/>
-                      </a:pPr>
-                      <a:r>
-                        <a:rPr lang="en-US" sz="1200" b="0" kern="1200" dirty="0" err="1">
-                          <a:solidFill>
-                            <a:schemeClr val="dk1"/>
-                          </a:solidFill>
-                          <a:effectLst/>
-                          <a:latin typeface="+mn-lt"/>
-                          <a:ea typeface="+mn-ea"/>
-                          <a:cs typeface="+mn-cs"/>
-                        </a:rPr>
-                        <a:t>UserNameAndAvatr</a:t>
-                      </a:r>
-                      <a:endParaRPr lang="en-US" sz="1200" b="0" kern="1200" dirty="0">
-                        <a:solidFill>
-                          <a:schemeClr val="dk1"/>
-                        </a:solidFill>
-                        <a:effectLst/>
-                        <a:latin typeface="+mn-lt"/>
-                        <a:ea typeface="+mn-ea"/>
-                        <a:cs typeface="+mn-cs"/>
-                      </a:endParaRPr>
-                    </a:p>
-                    <a:p>
-                      <a:pPr algn="l" rtl="0"/>
-                      <a:endParaRPr lang="he-IL" sz="1200" dirty="0"/>
-                    </a:p>
-                  </a:txBody>
-                  <a:tcPr/>
-                </a:tc>
-                <a:extLst>
-                  <a:ext uri="{0D108BD9-81ED-4DB2-BD59-A6C34878D82A}">
-                    <a16:rowId xmlns:a16="http://schemas.microsoft.com/office/drawing/2014/main" val="784867720"/>
-                  </a:ext>
-                </a:extLst>
-              </a:tr>
-              <a:tr h="592576">
-                <a:tc>
-                  <a:txBody>
-                    <a:bodyPr/>
-                    <a:lstStyle/>
-                    <a:p>
-                      <a:pPr algn="l" rtl="0"/>
-                      <a:r>
-                        <a:rPr lang="en-US" sz="1200" dirty="0"/>
-                        <a:t>---</a:t>
-                      </a:r>
-                      <a:endParaRPr lang="he-IL" sz="1200" dirty="0"/>
-                    </a:p>
-                  </a:txBody>
-                  <a:tcPr/>
-                </a:tc>
-                <a:tc>
-                  <a:txBody>
-                    <a:bodyPr/>
-                    <a:lstStyle/>
-                    <a:p>
-                      <a:pPr algn="l" rtl="0"/>
-                      <a:r>
-                        <a:rPr lang="en-US" sz="1200" b="0" kern="1200" dirty="0" err="1">
-                          <a:solidFill>
-                            <a:schemeClr val="dk1"/>
-                          </a:solidFill>
-                          <a:effectLst/>
-                          <a:latin typeface="+mn-lt"/>
-                          <a:ea typeface="+mn-ea"/>
-                          <a:cs typeface="+mn-cs"/>
-                        </a:rPr>
-                        <a:t>UserNameAndAvatr</a:t>
-                      </a:r>
-                      <a:endParaRPr lang="he-IL" sz="1200" dirty="0"/>
-                    </a:p>
-                  </a:txBody>
-                  <a:tcPr/>
-                </a:tc>
-                <a:tc>
-                  <a:txBody>
-                    <a:bodyPr/>
-                    <a:lstStyle/>
-                    <a:p>
-                      <a:pPr algn="l" rtl="0"/>
-                      <a:r>
-                        <a:rPr lang="en-US" sz="1200" dirty="0" err="1"/>
-                        <a:t>userContext</a:t>
-                      </a:r>
-                      <a:endParaRPr lang="en-US" sz="1200" dirty="0"/>
-                    </a:p>
-                    <a:p>
-                      <a:pPr algn="l" rtl="0"/>
-                      <a:r>
-                        <a:rPr lang="en-US" sz="1200" dirty="0" err="1"/>
-                        <a:t>userIdContext</a:t>
-                      </a:r>
-                      <a:endParaRPr lang="he-IL" sz="1200" dirty="0"/>
-                    </a:p>
-                  </a:txBody>
-                  <a:tcPr/>
-                </a:tc>
-                <a:tc>
-                  <a:txBody>
-                    <a:bodyPr/>
-                    <a:lstStyle/>
-                    <a:p>
-                      <a:pPr algn="l" rtl="0"/>
-                      <a:r>
-                        <a:rPr lang="en-US" sz="1200" dirty="0"/>
-                        <a:t>---</a:t>
-                      </a:r>
-                      <a:endParaRPr lang="he-IL" sz="1200" dirty="0"/>
-                    </a:p>
-                  </a:txBody>
-                  <a:tcPr/>
-                </a:tc>
-                <a:tc>
-                  <a:txBody>
-                    <a:bodyPr/>
-                    <a:lstStyle/>
-                    <a:p>
-                      <a:pPr algn="l" rtl="0"/>
-                      <a:r>
-                        <a:rPr lang="en-US" sz="1200" dirty="0"/>
-                        <a:t>An update form- using reducer</a:t>
-                      </a:r>
-                      <a:endParaRPr lang="he-IL" sz="1200" dirty="0"/>
-                    </a:p>
-                  </a:txBody>
-                  <a:tcPr/>
-                </a:tc>
-                <a:tc>
-                  <a:txBody>
-                    <a:bodyPr/>
-                    <a:lstStyle/>
-                    <a:p>
-                      <a:pPr marL="0" marR="0" lvl="0" indent="0" algn="l" defTabSz="914400" rtl="0" eaLnBrk="1" fontAlgn="auto" latinLnBrk="0" hangingPunct="1">
-                        <a:lnSpc>
-                          <a:spcPct val="100000"/>
-                        </a:lnSpc>
-                        <a:spcBef>
-                          <a:spcPts val="0"/>
-                        </a:spcBef>
-                        <a:spcAft>
-                          <a:spcPts val="0"/>
-                        </a:spcAft>
-                        <a:buClrTx/>
-                        <a:buSzTx/>
-                        <a:buFontTx/>
-                        <a:buNone/>
-                        <a:tabLst/>
-                        <a:defRPr/>
-                      </a:pPr>
-                      <a:r>
-                        <a:rPr lang="en-US" sz="1200" dirty="0" err="1"/>
-                        <a:t>UpdateUser</a:t>
-                      </a:r>
-                      <a:endParaRPr lang="he-IL" sz="1200" dirty="0"/>
-                    </a:p>
-                    <a:p>
-                      <a:pPr algn="l" rtl="0"/>
-                      <a:endParaRPr lang="he-IL" sz="1200" dirty="0"/>
-                    </a:p>
-                  </a:txBody>
-                  <a:tcPr/>
-                </a:tc>
-                <a:extLst>
-                  <a:ext uri="{0D108BD9-81ED-4DB2-BD59-A6C34878D82A}">
-                    <a16:rowId xmlns:a16="http://schemas.microsoft.com/office/drawing/2014/main" val="1337767540"/>
-                  </a:ext>
-                </a:extLst>
-              </a:tr>
-              <a:tr h="592576">
-                <a:tc>
-                  <a:txBody>
-                    <a:bodyPr/>
-                    <a:lstStyle/>
-                    <a:p>
-                      <a:pPr algn="l" rtl="0"/>
-                      <a:endParaRPr lang="he-IL" sz="1200"/>
-                    </a:p>
-                  </a:txBody>
-                  <a:tcPr/>
-                </a:tc>
-                <a:tc>
-                  <a:txBody>
-                    <a:bodyPr/>
-                    <a:lstStyle/>
-                    <a:p>
-                      <a:pPr algn="l" rtl="0"/>
-                      <a:endParaRPr lang="he-IL" sz="1200"/>
-                    </a:p>
-                  </a:txBody>
-                  <a:tcPr/>
-                </a:tc>
-                <a:tc>
-                  <a:txBody>
-                    <a:bodyPr/>
-                    <a:lstStyle/>
-                    <a:p>
-                      <a:pPr algn="l" rtl="0"/>
-                      <a:r>
-                        <a:rPr lang="en-US" sz="1200" dirty="0"/>
-                        <a:t>Redux - </a:t>
-                      </a:r>
-                      <a:r>
-                        <a:rPr lang="en-US" sz="1200" dirty="0" err="1"/>
-                        <a:t>RecipesList</a:t>
-                      </a:r>
-                      <a:endParaRPr lang="he-IL" sz="1200" dirty="0"/>
-                    </a:p>
-                  </a:txBody>
-                  <a:tcPr/>
-                </a:tc>
-                <a:tc>
-                  <a:txBody>
-                    <a:bodyPr/>
-                    <a:lstStyle/>
-                    <a:p>
-                      <a:pPr algn="l" rtl="0"/>
-                      <a:endParaRPr lang="he-IL" sz="1200" dirty="0"/>
-                    </a:p>
-                  </a:txBody>
-                  <a:tcPr/>
-                </a:tc>
-                <a:tc>
-                  <a:txBody>
-                    <a:bodyPr/>
-                    <a:lstStyle/>
-                    <a:p>
-                      <a:pPr algn="l" rtl="0"/>
-                      <a:r>
-                        <a:rPr lang="en-US" sz="1200" dirty="0"/>
-                        <a:t>Show all the recipes</a:t>
-                      </a:r>
-                    </a:p>
-                    <a:p>
-                      <a:pPr algn="l" rtl="0"/>
-                      <a:r>
-                        <a:rPr lang="en-US" sz="1200" dirty="0" err="1"/>
-                        <a:t>useEffect</a:t>
-                      </a:r>
-                      <a:r>
-                        <a:rPr lang="en-US" sz="1200" dirty="0"/>
-                        <a:t> – to show the recipes</a:t>
-                      </a:r>
-                      <a:endParaRPr lang="he-IL" sz="1200" dirty="0"/>
-                    </a:p>
-                  </a:txBody>
-                  <a:tcPr/>
-                </a:tc>
-                <a:tc>
-                  <a:txBody>
-                    <a:bodyPr/>
-                    <a:lstStyle/>
-                    <a:p>
-                      <a:pPr algn="l" rtl="0"/>
-                      <a:r>
-                        <a:rPr lang="en-US" sz="1200" dirty="0" err="1"/>
-                        <a:t>RecipesList</a:t>
-                      </a:r>
-                      <a:endParaRPr lang="he-IL" sz="1200" dirty="0"/>
-                    </a:p>
-                  </a:txBody>
-                  <a:tcPr/>
-                </a:tc>
-                <a:extLst>
-                  <a:ext uri="{0D108BD9-81ED-4DB2-BD59-A6C34878D82A}">
-                    <a16:rowId xmlns:a16="http://schemas.microsoft.com/office/drawing/2014/main" val="2302951321"/>
+                    <a16:rowId xmlns:a16="http://schemas.microsoft.com/office/drawing/2014/main" val="1489555147"/>
                   </a:ext>
                 </a:extLst>
               </a:tr>
@@ -5547,46 +6486,10 @@
           </a:graphicData>
         </a:graphic>
       </p:graphicFrame>
-      <p:sp>
-        <p:nvSpPr>
-          <p:cNvPr id="5" name="TextBox 4">
-            <a:extLst>
-              <a:ext uri="{FF2B5EF4-FFF2-40B4-BE49-F238E27FC236}">
-                <a16:creationId xmlns:a16="http://schemas.microsoft.com/office/drawing/2014/main" id="{81782143-B76B-4EFB-AF7B-54B516E2F47F}"/>
-              </a:ext>
-            </a:extLst>
-          </p:cNvPr>
-          <p:cNvSpPr txBox="1"/>
-          <p:nvPr/>
-        </p:nvSpPr>
-        <p:spPr>
-          <a:xfrm>
-            <a:off x="9999618" y="352697"/>
-            <a:ext cx="1998617" cy="369332"/>
-          </a:xfrm>
-          <a:prstGeom prst="rect">
-            <a:avLst/>
-          </a:prstGeom>
-          <a:noFill/>
-        </p:spPr>
-        <p:txBody>
-          <a:bodyPr wrap="square" rtlCol="1">
-            <a:spAutoFit/>
-          </a:bodyPr>
-          <a:lstStyle/>
-          <a:p>
-            <a:r>
-              <a:rPr lang="en-US" b="1" dirty="0"/>
-              <a:t>components</a:t>
-            </a:r>
-            <a:endParaRPr lang="he-IL" b="1" dirty="0"/>
-          </a:p>
-        </p:txBody>
-      </p:sp>
     </p:spTree>
     <p:extLst>
       <p:ext uri="{BB962C8B-B14F-4D97-AF65-F5344CB8AC3E}">
-        <p14:creationId xmlns:p14="http://schemas.microsoft.com/office/powerpoint/2010/main" val="2467895525"/>
+        <p14:creationId xmlns:p14="http://schemas.microsoft.com/office/powerpoint/2010/main" val="404028104"/>
       </p:ext>
     </p:extLst>
   </p:cSld>
@@ -5615,10 +6518,10 @@
       </p:grpSpPr>
       <p:sp>
         <p:nvSpPr>
-          <p:cNvPr id="4" name="TextBox 3">
-            <a:extLst>
-              <a:ext uri="{FF2B5EF4-FFF2-40B4-BE49-F238E27FC236}">
-                <a16:creationId xmlns:a16="http://schemas.microsoft.com/office/drawing/2014/main" id="{934E8F77-7553-4722-859B-0982088167BC}"/>
+          <p:cNvPr id="5" name="TextBox 4">
+            <a:extLst>
+              <a:ext uri="{FF2B5EF4-FFF2-40B4-BE49-F238E27FC236}">
+                <a16:creationId xmlns:a16="http://schemas.microsoft.com/office/drawing/2014/main" id="{81782143-B76B-4EFB-AF7B-54B516E2F47F}"/>
               </a:ext>
             </a:extLst>
           </p:cNvPr>
@@ -5627,8 +6530,8 @@
         </p:nvSpPr>
         <p:spPr>
           <a:xfrm>
-            <a:off x="9784081" y="352697"/>
-            <a:ext cx="2096589" cy="369332"/>
+            <a:off x="9910361" y="61979"/>
+            <a:ext cx="1998617" cy="369460"/>
           </a:xfrm>
           <a:prstGeom prst="rect">
             <a:avLst/>
@@ -5642,212 +6545,1735 @@
           <a:lstStyle/>
           <a:p>
             <a:r>
-              <a:rPr lang="en-US" b="1" dirty="0" err="1"/>
-              <a:t>globalState</a:t>
+              <a:rPr lang="en-US" sz="1801" b="1" dirty="0"/>
+              <a:t>components</a:t>
             </a:r>
-            <a:r>
-              <a:rPr lang="en-US" b="1" dirty="0"/>
-              <a:t> - Redux</a:t>
-            </a:r>
-            <a:endParaRPr lang="he-IL" b="1" dirty="0"/>
+            <a:endParaRPr lang="he-IL" sz="1801" b="1" dirty="0"/>
           </a:p>
         </p:txBody>
       </p:sp>
-      <p:sp>
-        <p:nvSpPr>
-          <p:cNvPr id="5" name="TextBox 4">
-            <a:extLst>
-              <a:ext uri="{FF2B5EF4-FFF2-40B4-BE49-F238E27FC236}">
-                <a16:creationId xmlns:a16="http://schemas.microsoft.com/office/drawing/2014/main" id="{89D0E901-70AB-47A5-9581-E9A2FC8CD041}"/>
-              </a:ext>
-            </a:extLst>
-          </p:cNvPr>
-          <p:cNvSpPr txBox="1"/>
-          <p:nvPr/>
-        </p:nvSpPr>
-        <p:spPr>
-          <a:xfrm>
-            <a:off x="1097280" y="1371600"/>
-            <a:ext cx="9966960" cy="646331"/>
-          </a:xfrm>
-          <a:prstGeom prst="rect">
-            <a:avLst/>
-          </a:prstGeom>
-          <a:noFill/>
-        </p:spPr>
-        <p:txBody>
-          <a:bodyPr wrap="square" rtlCol="1">
-            <a:spAutoFit/>
-          </a:bodyPr>
-          <a:lstStyle/>
-          <a:p>
-            <a:pPr marL="285750" indent="-285750" algn="l" rtl="0">
-              <a:buFont typeface="Arial" panose="020B0604020202020204" pitchFamily="34" charset="0"/>
-              <a:buChar char="•"/>
-            </a:pPr>
-            <a:r>
-              <a:rPr lang="en-US" dirty="0" err="1"/>
-              <a:t>isLoggedIn</a:t>
-            </a:r>
-            <a:endParaRPr lang="en-US" dirty="0"/>
-          </a:p>
-          <a:p>
-            <a:pPr marL="285750" indent="-285750" algn="l" rtl="0">
-              <a:buFont typeface="Arial" panose="020B0604020202020204" pitchFamily="34" charset="0"/>
-              <a:buChar char="•"/>
-            </a:pPr>
-            <a:endParaRPr lang="he-IL" dirty="0"/>
-          </a:p>
-        </p:txBody>
-      </p:sp>
+      <p:graphicFrame>
+        <p:nvGraphicFramePr>
+          <p:cNvPr id="4" name="טבלה 3">
+            <a:extLst>
+              <a:ext uri="{FF2B5EF4-FFF2-40B4-BE49-F238E27FC236}">
+                <a16:creationId xmlns:a16="http://schemas.microsoft.com/office/drawing/2014/main" id="{04ECF96B-522D-432F-AB25-568C34419C01}"/>
+              </a:ext>
+            </a:extLst>
+          </p:cNvPr>
+          <p:cNvGraphicFramePr>
+            <a:graphicFrameLocks noGrp="1"/>
+          </p:cNvGraphicFramePr>
+          <p:nvPr>
+            <p:extLst>
+              <p:ext uri="{D42A27DB-BD31-4B8C-83A1-F6EECF244321}">
+                <p14:modId xmlns:p14="http://schemas.microsoft.com/office/powerpoint/2010/main" val="3489288901"/>
+              </p:ext>
+            </p:extLst>
+          </p:nvPr>
+        </p:nvGraphicFramePr>
+        <p:xfrm>
+          <a:off x="500745" y="402283"/>
+          <a:ext cx="11190519" cy="6262023"/>
+        </p:xfrm>
+        <a:graphic>
+          <a:graphicData uri="http://schemas.openxmlformats.org/drawingml/2006/table">
+            <a:tbl>
+              <a:tblPr rtl="1" firstRow="1" bandRow="1">
+                <a:tableStyleId>{5C22544A-7EE6-4342-B048-85BDC9FD1C3A}</a:tableStyleId>
+              </a:tblPr>
+              <a:tblGrid>
+                <a:gridCol w="1537183">
+                  <a:extLst>
+                    <a:ext uri="{9D8B030D-6E8A-4147-A177-3AD203B41FA5}">
+                      <a16:colId xmlns:a16="http://schemas.microsoft.com/office/drawing/2014/main" val="3899471719"/>
+                    </a:ext>
+                  </a:extLst>
+                </a:gridCol>
+                <a:gridCol w="2185735">
+                  <a:extLst>
+                    <a:ext uri="{9D8B030D-6E8A-4147-A177-3AD203B41FA5}">
+                      <a16:colId xmlns:a16="http://schemas.microsoft.com/office/drawing/2014/main" val="1880985765"/>
+                    </a:ext>
+                  </a:extLst>
+                </a:gridCol>
+                <a:gridCol w="1567543">
+                  <a:extLst>
+                    <a:ext uri="{9D8B030D-6E8A-4147-A177-3AD203B41FA5}">
+                      <a16:colId xmlns:a16="http://schemas.microsoft.com/office/drawing/2014/main" val="3887272854"/>
+                    </a:ext>
+                  </a:extLst>
+                </a:gridCol>
+                <a:gridCol w="1074057">
+                  <a:extLst>
+                    <a:ext uri="{9D8B030D-6E8A-4147-A177-3AD203B41FA5}">
+                      <a16:colId xmlns:a16="http://schemas.microsoft.com/office/drawing/2014/main" val="1989503371"/>
+                    </a:ext>
+                  </a:extLst>
+                </a:gridCol>
+                <a:gridCol w="1799772">
+                  <a:extLst>
+                    <a:ext uri="{9D8B030D-6E8A-4147-A177-3AD203B41FA5}">
+                      <a16:colId xmlns:a16="http://schemas.microsoft.com/office/drawing/2014/main" val="2413159262"/>
+                    </a:ext>
+                  </a:extLst>
+                </a:gridCol>
+                <a:gridCol w="1560284">
+                  <a:extLst>
+                    <a:ext uri="{9D8B030D-6E8A-4147-A177-3AD203B41FA5}">
+                      <a16:colId xmlns:a16="http://schemas.microsoft.com/office/drawing/2014/main" val="3564299130"/>
+                    </a:ext>
+                  </a:extLst>
+                </a:gridCol>
+                <a:gridCol w="1465945">
+                  <a:extLst>
+                    <a:ext uri="{9D8B030D-6E8A-4147-A177-3AD203B41FA5}">
+                      <a16:colId xmlns:a16="http://schemas.microsoft.com/office/drawing/2014/main" val="3639081641"/>
+                    </a:ext>
+                  </a:extLst>
+                </a:gridCol>
+              </a:tblGrid>
+              <a:tr h="592576">
+                <a:tc>
+                  <a:txBody>
+                    <a:bodyPr/>
+                    <a:lstStyle/>
+                    <a:p>
+                      <a:pPr algn="l" rtl="0"/>
+                      <a:r>
+                        <a:rPr lang="en-US" sz="1200" dirty="0"/>
+                        <a:t>children</a:t>
+                      </a:r>
+                      <a:endParaRPr lang="he-IL" sz="1200" dirty="0"/>
+                    </a:p>
+                  </a:txBody>
+                  <a:tcPr marT="45721" marB="45721"/>
+                </a:tc>
+                <a:tc>
+                  <a:txBody>
+                    <a:bodyPr/>
+                    <a:lstStyle/>
+                    <a:p>
+                      <a:pPr algn="l" rtl="0"/>
+                      <a:r>
+                        <a:rPr lang="en-US" sz="1200" dirty="0"/>
+                        <a:t>father</a:t>
+                      </a:r>
+                      <a:endParaRPr lang="he-IL" sz="1200" dirty="0"/>
+                    </a:p>
+                  </a:txBody>
+                  <a:tcPr marT="45721" marB="45721"/>
+                </a:tc>
+                <a:tc>
+                  <a:txBody>
+                    <a:bodyPr/>
+                    <a:lstStyle/>
+                    <a:p>
+                      <a:pPr algn="l" rtl="0"/>
+                      <a:r>
+                        <a:rPr lang="en-US" sz="1200" dirty="0"/>
+                        <a:t>Global state</a:t>
+                      </a:r>
+                      <a:endParaRPr lang="he-IL" sz="1200" dirty="0"/>
+                    </a:p>
+                  </a:txBody>
+                  <a:tcPr marT="45721" marB="45721"/>
+                </a:tc>
+                <a:tc>
+                  <a:txBody>
+                    <a:bodyPr/>
+                    <a:lstStyle/>
+                    <a:p>
+                      <a:pPr algn="l" rtl="0"/>
+                      <a:r>
+                        <a:rPr lang="en-US" sz="1200" dirty="0"/>
+                        <a:t>props</a:t>
+                      </a:r>
+                      <a:endParaRPr lang="he-IL" sz="1200" dirty="0"/>
+                    </a:p>
+                  </a:txBody>
+                  <a:tcPr marT="45721" marB="45721"/>
+                </a:tc>
+                <a:tc>
+                  <a:txBody>
+                    <a:bodyPr/>
+                    <a:lstStyle/>
+                    <a:p>
+                      <a:pPr algn="l" rtl="0"/>
+                      <a:r>
+                        <a:rPr lang="en-US" sz="1200" dirty="0"/>
+                        <a:t>goal</a:t>
+                      </a:r>
+                      <a:endParaRPr lang="he-IL" sz="1200" dirty="0"/>
+                    </a:p>
+                  </a:txBody>
+                  <a:tcPr marT="45721" marB="45721"/>
+                </a:tc>
+                <a:tc>
+                  <a:txBody>
+                    <a:bodyPr/>
+                    <a:lstStyle/>
+                    <a:p>
+                      <a:pPr algn="l" rtl="0"/>
+                      <a:r>
+                        <a:rPr lang="en-US" sz="1200" dirty="0"/>
+                        <a:t>name</a:t>
+                      </a:r>
+                      <a:endParaRPr lang="he-IL" sz="1200" dirty="0"/>
+                    </a:p>
+                  </a:txBody>
+                  <a:tcPr marT="45721" marB="45721"/>
+                </a:tc>
+                <a:tc rowSpan="4">
+                  <a:txBody>
+                    <a:bodyPr/>
+                    <a:lstStyle/>
+                    <a:p>
+                      <a:pPr algn="r" rtl="1"/>
+                      <a:endParaRPr lang="en-US" sz="2800" dirty="0"/>
+                    </a:p>
+                    <a:p>
+                      <a:pPr algn="r" rtl="1"/>
+                      <a:endParaRPr lang="en-US" sz="2800" dirty="0"/>
+                    </a:p>
+                    <a:p>
+                      <a:pPr algn="r" rtl="1"/>
+                      <a:endParaRPr lang="en-US" sz="2800" dirty="0"/>
+                    </a:p>
+                    <a:p>
+                      <a:pPr algn="r" rtl="1"/>
+                      <a:endParaRPr lang="en-US" sz="2800" dirty="0"/>
+                    </a:p>
+                    <a:p>
+                      <a:pPr algn="r" rtl="1"/>
+                      <a:r>
+                        <a:rPr lang="en-US" sz="3200" dirty="0"/>
+                        <a:t>Recipes </a:t>
+                      </a:r>
+                    </a:p>
+                  </a:txBody>
+                  <a:tcPr marT="45721" marB="45721"/>
+                </a:tc>
+                <a:extLst>
+                  <a:ext uri="{0D108BD9-81ED-4DB2-BD59-A6C34878D82A}">
+                    <a16:rowId xmlns:a16="http://schemas.microsoft.com/office/drawing/2014/main" val="4148491661"/>
+                  </a:ext>
+                </a:extLst>
+              </a:tr>
+              <a:tr h="850055">
+                <a:tc>
+                  <a:txBody>
+                    <a:bodyPr/>
+                    <a:lstStyle/>
+                    <a:p>
+                      <a:pPr algn="l" rtl="0"/>
+                      <a:r>
+                        <a:rPr lang="en-US" sz="1200" dirty="0"/>
+                        <a:t>---</a:t>
+                      </a:r>
+                      <a:endParaRPr lang="he-IL" sz="1200" dirty="0"/>
+                    </a:p>
+                  </a:txBody>
+                  <a:tcPr marT="45721" marB="45721"/>
+                </a:tc>
+                <a:tc>
+                  <a:txBody>
+                    <a:bodyPr/>
+                    <a:lstStyle/>
+                    <a:p>
+                      <a:pPr algn="l" rtl="0"/>
+                      <a:r>
+                        <a:rPr lang="en-US" sz="1200" dirty="0"/>
+                        <a:t>Navigate from react-router</a:t>
+                      </a:r>
+                    </a:p>
+                    <a:p>
+                      <a:pPr algn="l" rtl="0"/>
+                      <a:r>
+                        <a:rPr lang="en-US" sz="1200" dirty="0"/>
+                        <a:t>By navbar </a:t>
+                      </a:r>
+                      <a:r>
+                        <a:rPr lang="en-US" sz="1200" dirty="0" err="1"/>
+                        <a:t>cmpnt</a:t>
+                      </a:r>
+                      <a:endParaRPr lang="he-IL" sz="1200" dirty="0"/>
+                    </a:p>
+                  </a:txBody>
+                  <a:tcPr marT="45721" marB="45721"/>
+                </a:tc>
+                <a:tc>
+                  <a:txBody>
+                    <a:bodyPr/>
+                    <a:lstStyle/>
+                    <a:p>
+                      <a:pPr algn="l" rtl="0"/>
+                      <a:r>
+                        <a:rPr lang="en-US" sz="1200" dirty="0"/>
+                        <a:t>Redux :</a:t>
+                      </a:r>
+                    </a:p>
+                    <a:p>
+                      <a:pPr marL="171450" indent="-171450" algn="l" rtl="0">
+                        <a:buFont typeface="Arial" panose="020B0604020202020204" pitchFamily="34" charset="0"/>
+                        <a:buChar char="•"/>
+                      </a:pPr>
+                      <a:r>
+                        <a:rPr lang="en-US" sz="1200" dirty="0"/>
+                        <a:t> </a:t>
+                      </a:r>
+                      <a:r>
+                        <a:rPr lang="en-US" sz="1200" dirty="0" err="1"/>
+                        <a:t>fetchRecipe</a:t>
+                      </a:r>
+                      <a:endParaRPr lang="en-US" sz="1200" dirty="0"/>
+                    </a:p>
+                    <a:p>
+                      <a:pPr marL="171450" indent="-171450" algn="l" rtl="0">
+                        <a:buFont typeface="Arial" panose="020B0604020202020204" pitchFamily="34" charset="0"/>
+                        <a:buChar char="•"/>
+                      </a:pPr>
+                      <a:r>
+                        <a:rPr lang="en-US" sz="1200" dirty="0"/>
+                        <a:t>Loading</a:t>
+                      </a:r>
+                    </a:p>
+                    <a:p>
+                      <a:pPr marL="171450" indent="-171450" algn="l" rtl="0">
+                        <a:buFont typeface="Arial" panose="020B0604020202020204" pitchFamily="34" charset="0"/>
+                        <a:buChar char="•"/>
+                      </a:pPr>
+                      <a:r>
+                        <a:rPr lang="en-US" sz="1200" dirty="0" err="1"/>
+                        <a:t>DeleteRecipe</a:t>
+                      </a:r>
+                      <a:endParaRPr lang="en-US" sz="1200" dirty="0"/>
+                    </a:p>
+                  </a:txBody>
+                  <a:tcPr marT="45721" marB="45721"/>
+                </a:tc>
+                <a:tc>
+                  <a:txBody>
+                    <a:bodyPr/>
+                    <a:lstStyle/>
+                    <a:p>
+                      <a:pPr algn="l" rtl="0"/>
+                      <a:r>
+                        <a:rPr lang="en-US" sz="1200" dirty="0"/>
+                        <a:t>---</a:t>
+                      </a:r>
+                      <a:endParaRPr lang="he-IL" sz="1200" dirty="0"/>
+                    </a:p>
+                  </a:txBody>
+                  <a:tcPr marT="45721" marB="45721"/>
+                </a:tc>
+                <a:tc>
+                  <a:txBody>
+                    <a:bodyPr/>
+                    <a:lstStyle/>
+                    <a:p>
+                      <a:pPr algn="l" rtl="0"/>
+                      <a:r>
+                        <a:rPr lang="en-US" sz="1200" dirty="0"/>
+                        <a:t>Show all the recipes</a:t>
+                      </a:r>
+                    </a:p>
+                    <a:p>
+                      <a:pPr algn="l" rtl="0"/>
+                      <a:r>
+                        <a:rPr lang="en-US" sz="1200" dirty="0" err="1"/>
+                        <a:t>useEffect</a:t>
+                      </a:r>
+                      <a:r>
+                        <a:rPr lang="en-US" sz="1200" dirty="0"/>
+                        <a:t> – to show the recipes</a:t>
+                      </a:r>
+                      <a:endParaRPr lang="he-IL" sz="1200" dirty="0"/>
+                    </a:p>
+                  </a:txBody>
+                  <a:tcPr marT="45721" marB="45721"/>
+                </a:tc>
+                <a:tc>
+                  <a:txBody>
+                    <a:bodyPr/>
+                    <a:lstStyle/>
+                    <a:p>
+                      <a:pPr algn="l" rtl="0"/>
+                      <a:r>
+                        <a:rPr lang="en-US" sz="1200" dirty="0" err="1"/>
+                        <a:t>RecipesList</a:t>
+                      </a:r>
+                      <a:endParaRPr lang="he-IL" sz="1200" dirty="0"/>
+                    </a:p>
+                  </a:txBody>
+                  <a:tcPr marT="45721" marB="45721"/>
+                </a:tc>
+                <a:tc vMerge="1">
+                  <a:txBody>
+                    <a:bodyPr/>
+                    <a:lstStyle/>
+                    <a:p>
+                      <a:pPr algn="l" rtl="0"/>
+                      <a:endParaRPr lang="he-IL" sz="1200" dirty="0"/>
+                    </a:p>
+                  </a:txBody>
+                  <a:tcPr/>
+                </a:tc>
+                <a:extLst>
+                  <a:ext uri="{0D108BD9-81ED-4DB2-BD59-A6C34878D82A}">
+                    <a16:rowId xmlns:a16="http://schemas.microsoft.com/office/drawing/2014/main" val="4174984141"/>
+                  </a:ext>
+                </a:extLst>
+              </a:tr>
+              <a:tr h="660403">
+                <a:tc>
+                  <a:txBody>
+                    <a:bodyPr/>
+                    <a:lstStyle/>
+                    <a:p>
+                      <a:pPr algn="l" rtl="0"/>
+                      <a:r>
+                        <a:rPr lang="en-US" sz="1200" dirty="0"/>
+                        <a:t>---</a:t>
+                      </a:r>
+                      <a:endParaRPr lang="he-IL" sz="1200" dirty="0"/>
+                    </a:p>
+                  </a:txBody>
+                  <a:tcPr marT="45721" marB="45721"/>
+                </a:tc>
+                <a:tc>
+                  <a:txBody>
+                    <a:bodyPr/>
+                    <a:lstStyle/>
+                    <a:p>
+                      <a:pPr algn="l" rtl="0"/>
+                      <a:r>
+                        <a:rPr lang="en-US" sz="1200" dirty="0"/>
+                        <a:t>Navigate from react-router</a:t>
+                      </a:r>
+                    </a:p>
+                    <a:p>
+                      <a:pPr algn="l" rtl="0"/>
+                      <a:r>
+                        <a:rPr lang="en-US" sz="1200" dirty="0"/>
+                        <a:t>By navbar </a:t>
+                      </a:r>
+                      <a:r>
+                        <a:rPr lang="en-US" sz="1200" dirty="0" err="1"/>
+                        <a:t>cmpnt</a:t>
+                      </a:r>
+                      <a:endParaRPr lang="he-IL" sz="1200" dirty="0"/>
+                    </a:p>
+                  </a:txBody>
+                  <a:tcPr marT="45721" marB="45721"/>
+                </a:tc>
+                <a:tc>
+                  <a:txBody>
+                    <a:bodyPr/>
+                    <a:lstStyle/>
+                    <a:p>
+                      <a:pPr algn="l" rtl="0"/>
+                      <a:r>
+                        <a:rPr lang="en-US" sz="1200" dirty="0"/>
+                        <a:t>Redux:</a:t>
+                      </a:r>
+                    </a:p>
+                    <a:p>
+                      <a:pPr marL="171450" indent="-171450" algn="l" rtl="0">
+                        <a:buFont typeface="Arial" panose="020B0604020202020204" pitchFamily="34" charset="0"/>
+                        <a:buChar char="•"/>
+                      </a:pPr>
+                      <a:r>
+                        <a:rPr lang="en-US" sz="1200" dirty="0" err="1"/>
+                        <a:t>fetchRecipe</a:t>
+                      </a:r>
+                      <a:endParaRPr lang="he-IL" sz="1200" dirty="0"/>
+                    </a:p>
+                  </a:txBody>
+                  <a:tcPr marT="45721" marB="45721"/>
+                </a:tc>
+                <a:tc>
+                  <a:txBody>
+                    <a:bodyPr/>
+                    <a:lstStyle/>
+                    <a:p>
+                      <a:pPr algn="l" rtl="0"/>
+                      <a:r>
+                        <a:rPr lang="en-US" sz="1200" dirty="0"/>
+                        <a:t>---</a:t>
+                      </a:r>
+                      <a:endParaRPr lang="he-IL" sz="1200" dirty="0"/>
+                    </a:p>
+                  </a:txBody>
+                  <a:tcPr marT="45721" marB="45721"/>
+                </a:tc>
+                <a:tc>
+                  <a:txBody>
+                    <a:bodyPr/>
+                    <a:lstStyle/>
+                    <a:p>
+                      <a:pPr algn="l" rtl="0"/>
+                      <a:r>
+                        <a:rPr lang="en-US" sz="1200" dirty="0"/>
+                        <a:t>Show recipe details</a:t>
+                      </a:r>
+                      <a:endParaRPr lang="he-IL" sz="1200" dirty="0"/>
+                    </a:p>
+                  </a:txBody>
+                  <a:tcPr marT="45721" marB="45721"/>
+                </a:tc>
+                <a:tc>
+                  <a:txBody>
+                    <a:bodyPr/>
+                    <a:lstStyle/>
+                    <a:p>
+                      <a:pPr algn="l" rtl="0"/>
+                      <a:r>
+                        <a:rPr lang="en-US" sz="1200" dirty="0" err="1"/>
+                        <a:t>ShowRecipe</a:t>
+                      </a:r>
+                      <a:endParaRPr lang="he-IL" sz="1200" dirty="0"/>
+                    </a:p>
+                  </a:txBody>
+                  <a:tcPr marT="45721" marB="45721"/>
+                </a:tc>
+                <a:tc vMerge="1">
+                  <a:txBody>
+                    <a:bodyPr/>
+                    <a:lstStyle/>
+                    <a:p>
+                      <a:pPr algn="l" rtl="0"/>
+                      <a:endParaRPr lang="he-IL" sz="1200" dirty="0"/>
+                    </a:p>
+                  </a:txBody>
+                  <a:tcPr/>
+                </a:tc>
+                <a:extLst>
+                  <a:ext uri="{0D108BD9-81ED-4DB2-BD59-A6C34878D82A}">
+                    <a16:rowId xmlns:a16="http://schemas.microsoft.com/office/drawing/2014/main" val="3013085355"/>
+                  </a:ext>
+                </a:extLst>
+              </a:tr>
+              <a:tr h="992628">
+                <a:tc>
+                  <a:txBody>
+                    <a:bodyPr/>
+                    <a:lstStyle/>
+                    <a:p>
+                      <a:pPr algn="l" rtl="0"/>
+                      <a:r>
+                        <a:rPr lang="en-US" sz="1200" dirty="0"/>
+                        <a:t>---</a:t>
+                      </a:r>
+                      <a:endParaRPr lang="he-IL" sz="1200" dirty="0"/>
+                    </a:p>
+                  </a:txBody>
+                  <a:tcPr marT="45721" marB="45721"/>
+                </a:tc>
+                <a:tc>
+                  <a:txBody>
+                    <a:bodyPr/>
+                    <a:lstStyle/>
+                    <a:p>
+                      <a:pPr marL="171450" indent="-171450" algn="l" rtl="0">
+                        <a:buFont typeface="Arial" panose="020B0604020202020204" pitchFamily="34" charset="0"/>
+                        <a:buChar char="•"/>
+                      </a:pPr>
+                      <a:r>
+                        <a:rPr lang="en-US" sz="1200" dirty="0"/>
+                        <a:t>Navigate from react-router</a:t>
+                      </a:r>
+                    </a:p>
+                    <a:p>
+                      <a:pPr algn="l" rtl="0"/>
+                      <a:r>
+                        <a:rPr lang="en-US" sz="1200" dirty="0"/>
+                        <a:t>    By navbar </a:t>
+                      </a:r>
+                      <a:r>
+                        <a:rPr lang="en-US" sz="1200" dirty="0" err="1"/>
+                        <a:t>cmpnt</a:t>
+                      </a:r>
+                      <a:endParaRPr lang="he-IL" sz="1200" dirty="0"/>
+                    </a:p>
+                    <a:p>
+                      <a:pPr marL="171450" indent="-171450" algn="l" rtl="0">
+                        <a:buFont typeface="Arial" panose="020B0604020202020204" pitchFamily="34" charset="0"/>
+                        <a:buChar char="•"/>
+                      </a:pPr>
+                      <a:r>
+                        <a:rPr lang="en-US" sz="1200" dirty="0"/>
+                        <a:t>Appears Only after login process – (</a:t>
+                      </a:r>
+                      <a:r>
+                        <a:rPr lang="en-US" sz="1200" dirty="0" err="1"/>
+                        <a:t>mubx</a:t>
+                      </a:r>
+                      <a:r>
+                        <a:rPr lang="en-US" sz="1200" dirty="0"/>
+                        <a:t> element)</a:t>
+                      </a:r>
+                      <a:endParaRPr lang="he-IL" sz="1200" dirty="0"/>
+                    </a:p>
+                  </a:txBody>
+                  <a:tcPr marT="45721" marB="45721"/>
+                </a:tc>
+                <a:tc>
+                  <a:txBody>
+                    <a:bodyPr/>
+                    <a:lstStyle/>
+                    <a:p>
+                      <a:pPr algn="l" rtl="0"/>
+                      <a:r>
+                        <a:rPr lang="en-US" sz="1200" dirty="0"/>
+                        <a:t>Redux:</a:t>
+                      </a:r>
+                    </a:p>
+                    <a:p>
+                      <a:pPr marL="171450" indent="-171450" algn="l" rtl="0">
+                        <a:buFont typeface="Arial" panose="020B0604020202020204" pitchFamily="34" charset="0"/>
+                        <a:buChar char="•"/>
+                      </a:pPr>
+                      <a:r>
+                        <a:rPr lang="en-US" sz="1200" dirty="0" err="1"/>
+                        <a:t>IsOpenModal</a:t>
+                      </a:r>
+                      <a:endParaRPr lang="en-US" sz="1200" dirty="0"/>
+                    </a:p>
+                    <a:p>
+                      <a:pPr marL="171450" indent="-171450" algn="l" rtl="0">
+                        <a:buFont typeface="Arial" panose="020B0604020202020204" pitchFamily="34" charset="0"/>
+                        <a:buChar char="•"/>
+                      </a:pPr>
+                      <a:endParaRPr lang="en-US" sz="1200" dirty="0"/>
+                    </a:p>
+                  </a:txBody>
+                  <a:tcPr marT="45721" marB="45721"/>
+                </a:tc>
+                <a:tc>
+                  <a:txBody>
+                    <a:bodyPr/>
+                    <a:lstStyle/>
+                    <a:p>
+                      <a:pPr algn="l" rtl="0"/>
+                      <a:r>
+                        <a:rPr lang="en-US" sz="1200" dirty="0"/>
+                        <a:t>---</a:t>
+                      </a:r>
+                      <a:endParaRPr lang="he-IL" sz="1200" dirty="0"/>
+                    </a:p>
+                  </a:txBody>
+                  <a:tcPr marT="45721" marB="45721"/>
+                </a:tc>
+                <a:tc>
+                  <a:txBody>
+                    <a:bodyPr/>
+                    <a:lstStyle/>
+                    <a:p>
+                      <a:pPr algn="l" rtl="0"/>
+                      <a:r>
+                        <a:rPr lang="en-US" sz="1200" dirty="0"/>
+                        <a:t>A form to add a recipe</a:t>
+                      </a:r>
+                      <a:endParaRPr lang="he-IL" sz="1200" dirty="0"/>
+                    </a:p>
+                  </a:txBody>
+                  <a:tcPr marT="45721" marB="45721"/>
+                </a:tc>
+                <a:tc>
+                  <a:txBody>
+                    <a:bodyPr/>
+                    <a:lstStyle/>
+                    <a:p>
+                      <a:pPr algn="l" rtl="0"/>
+                      <a:r>
+                        <a:rPr lang="en-US" sz="1200" dirty="0" err="1"/>
+                        <a:t>AddRecipe</a:t>
+                      </a:r>
+                      <a:endParaRPr lang="he-IL" sz="1200" dirty="0"/>
+                    </a:p>
+                  </a:txBody>
+                  <a:tcPr marT="45721" marB="45721"/>
+                </a:tc>
+                <a:tc vMerge="1">
+                  <a:txBody>
+                    <a:bodyPr/>
+                    <a:lstStyle/>
+                    <a:p>
+                      <a:pPr algn="l" rtl="0"/>
+                      <a:endParaRPr lang="he-IL" sz="1200" dirty="0"/>
+                    </a:p>
+                  </a:txBody>
+                  <a:tcPr/>
+                </a:tc>
+                <a:extLst>
+                  <a:ext uri="{0D108BD9-81ED-4DB2-BD59-A6C34878D82A}">
+                    <a16:rowId xmlns:a16="http://schemas.microsoft.com/office/drawing/2014/main" val="288553718"/>
+                  </a:ext>
+                </a:extLst>
+              </a:tr>
+              <a:tr h="660403">
+                <a:tc>
+                  <a:txBody>
+                    <a:bodyPr/>
+                    <a:lstStyle/>
+                    <a:p>
+                      <a:pPr marL="0" marR="0" lvl="0" indent="0" algn="l" defTabSz="914400" rtl="0" eaLnBrk="1" fontAlgn="auto" latinLnBrk="0" hangingPunct="1">
+                        <a:lnSpc>
+                          <a:spcPct val="100000"/>
+                        </a:lnSpc>
+                        <a:spcBef>
+                          <a:spcPts val="0"/>
+                        </a:spcBef>
+                        <a:spcAft>
+                          <a:spcPts val="0"/>
+                        </a:spcAft>
+                        <a:buClrTx/>
+                        <a:buSzTx/>
+                        <a:buFontTx/>
+                        <a:buNone/>
+                        <a:tabLst/>
+                        <a:defRPr/>
+                      </a:pPr>
+                      <a:r>
+                        <a:rPr lang="en-US" sz="1200" b="0" kern="1200" dirty="0" err="1">
+                          <a:solidFill>
+                            <a:schemeClr val="dk1"/>
+                          </a:solidFill>
+                          <a:effectLst/>
+                          <a:latin typeface="+mn-lt"/>
+                          <a:ea typeface="+mn-ea"/>
+                          <a:cs typeface="+mn-cs"/>
+                        </a:rPr>
+                        <a:t>LoginBtn</a:t>
+                      </a:r>
+                      <a:endParaRPr lang="en-US" sz="1200" b="0" kern="1200" dirty="0">
+                        <a:solidFill>
+                          <a:schemeClr val="dk1"/>
+                        </a:solidFill>
+                        <a:effectLst/>
+                        <a:latin typeface="+mn-lt"/>
+                        <a:ea typeface="+mn-ea"/>
+                        <a:cs typeface="+mn-cs"/>
+                      </a:endParaRPr>
+                    </a:p>
+                  </a:txBody>
+                  <a:tcPr marT="45721" marB="45721"/>
+                </a:tc>
+                <a:tc>
+                  <a:txBody>
+                    <a:bodyPr/>
+                    <a:lstStyle/>
+                    <a:p>
+                      <a:pPr algn="l" rtl="0"/>
+                      <a:r>
+                        <a:rPr lang="en-US" sz="1200" dirty="0"/>
+                        <a:t>Menu</a:t>
+                      </a:r>
+                      <a:endParaRPr lang="he-IL" sz="1200" dirty="0"/>
+                    </a:p>
+                  </a:txBody>
+                  <a:tcPr marT="45721" marB="45721"/>
+                </a:tc>
+                <a:tc>
+                  <a:txBody>
+                    <a:bodyPr/>
+                    <a:lstStyle/>
+                    <a:p>
+                      <a:pPr algn="l" rtl="0"/>
+                      <a:r>
+                        <a:rPr lang="en-US" sz="1200" dirty="0"/>
+                        <a:t>---</a:t>
+                      </a:r>
+                      <a:endParaRPr lang="he-IL" sz="1200" dirty="0"/>
+                    </a:p>
+                  </a:txBody>
+                  <a:tcPr marT="45721" marB="45721"/>
+                </a:tc>
+                <a:tc>
+                  <a:txBody>
+                    <a:bodyPr/>
+                    <a:lstStyle/>
+                    <a:p>
+                      <a:pPr algn="l" rtl="0"/>
+                      <a:r>
+                        <a:rPr lang="en-US" sz="1200" dirty="0"/>
+                        <a:t>---</a:t>
+                      </a:r>
+                      <a:endParaRPr lang="he-IL" sz="1200" dirty="0"/>
+                    </a:p>
+                  </a:txBody>
+                  <a:tcPr marT="45721" marB="45721"/>
+                </a:tc>
+                <a:tc>
+                  <a:txBody>
+                    <a:bodyPr/>
+                    <a:lstStyle/>
+                    <a:p>
+                      <a:pPr algn="l" rtl="0"/>
+                      <a:r>
+                        <a:rPr lang="en-US" sz="1200" dirty="0"/>
+                        <a:t>Dispatch the reducer and roll the user context</a:t>
+                      </a:r>
+                      <a:endParaRPr lang="he-IL" sz="1200" dirty="0"/>
+                    </a:p>
+                  </a:txBody>
+                  <a:tcPr marT="45721" marB="45721"/>
+                </a:tc>
+                <a:tc>
+                  <a:txBody>
+                    <a:bodyPr/>
+                    <a:lstStyle/>
+                    <a:p>
+                      <a:pPr marL="0" marR="0" lvl="0" indent="0" algn="l" defTabSz="914400" rtl="0" eaLnBrk="1" fontAlgn="auto" latinLnBrk="0" hangingPunct="1">
+                        <a:lnSpc>
+                          <a:spcPct val="100000"/>
+                        </a:lnSpc>
+                        <a:spcBef>
+                          <a:spcPts val="0"/>
+                        </a:spcBef>
+                        <a:spcAft>
+                          <a:spcPts val="0"/>
+                        </a:spcAft>
+                        <a:buClrTx/>
+                        <a:buSzTx/>
+                        <a:buFontTx/>
+                        <a:buNone/>
+                        <a:tabLst/>
+                        <a:defRPr/>
+                      </a:pPr>
+                      <a:r>
+                        <a:rPr lang="en-US" sz="1200" b="0" kern="1200" dirty="0" err="1">
+                          <a:solidFill>
+                            <a:schemeClr val="dk1"/>
+                          </a:solidFill>
+                          <a:effectLst/>
+                          <a:latin typeface="+mn-lt"/>
+                          <a:ea typeface="+mn-ea"/>
+                          <a:cs typeface="+mn-cs"/>
+                        </a:rPr>
+                        <a:t>UserContextReducer</a:t>
+                      </a:r>
+                      <a:endParaRPr lang="en-US" sz="1200" b="0" kern="1200" dirty="0">
+                        <a:solidFill>
+                          <a:schemeClr val="dk1"/>
+                        </a:solidFill>
+                        <a:effectLst/>
+                        <a:latin typeface="+mn-lt"/>
+                        <a:ea typeface="+mn-ea"/>
+                        <a:cs typeface="+mn-cs"/>
+                      </a:endParaRPr>
+                    </a:p>
+                  </a:txBody>
+                  <a:tcPr marT="45721" marB="45721"/>
+                </a:tc>
+                <a:tc rowSpan="5">
+                  <a:txBody>
+                    <a:bodyPr/>
+                    <a:lstStyle/>
+                    <a:p>
+                      <a:pPr algn="r" rtl="1"/>
+                      <a:endParaRPr lang="en-US" sz="2800" dirty="0"/>
+                    </a:p>
+                    <a:p>
+                      <a:pPr algn="r" rtl="1"/>
+                      <a:endParaRPr lang="en-US" sz="2800" dirty="0"/>
+                    </a:p>
+                    <a:p>
+                      <a:pPr algn="r" rtl="1"/>
+                      <a:endParaRPr lang="en-US" sz="2800" dirty="0"/>
+                    </a:p>
+                    <a:p>
+                      <a:pPr algn="r" rtl="1"/>
+                      <a:r>
+                        <a:rPr lang="en-US" sz="2800" b="1" dirty="0"/>
+                        <a:t>Login   </a:t>
+                      </a:r>
+                      <a:endParaRPr lang="he-IL" sz="2800" b="1" dirty="0"/>
+                    </a:p>
+                  </a:txBody>
+                  <a:tcPr marT="45721" marB="45721"/>
+                </a:tc>
+                <a:extLst>
+                  <a:ext uri="{0D108BD9-81ED-4DB2-BD59-A6C34878D82A}">
+                    <a16:rowId xmlns:a16="http://schemas.microsoft.com/office/drawing/2014/main" val="816043874"/>
+                  </a:ext>
+                </a:extLst>
+              </a:tr>
+              <a:tr h="592576">
+                <a:tc>
+                  <a:txBody>
+                    <a:bodyPr/>
+                    <a:lstStyle/>
+                    <a:p>
+                      <a:pPr marL="0" marR="0" lvl="0" indent="0" algn="l" defTabSz="914400" rtl="0" eaLnBrk="1" fontAlgn="auto" latinLnBrk="0" hangingPunct="1">
+                        <a:lnSpc>
+                          <a:spcPct val="100000"/>
+                        </a:lnSpc>
+                        <a:spcBef>
+                          <a:spcPts val="0"/>
+                        </a:spcBef>
+                        <a:spcAft>
+                          <a:spcPts val="0"/>
+                        </a:spcAft>
+                        <a:buClrTx/>
+                        <a:buSzTx/>
+                        <a:buFontTx/>
+                        <a:buNone/>
+                        <a:tabLst/>
+                        <a:defRPr/>
+                      </a:pPr>
+                      <a:r>
+                        <a:rPr lang="en-US" sz="1200" b="0" kern="1200" dirty="0" err="1">
+                          <a:solidFill>
+                            <a:schemeClr val="dk1"/>
+                          </a:solidFill>
+                          <a:effectLst/>
+                          <a:latin typeface="+mn-lt"/>
+                          <a:ea typeface="+mn-ea"/>
+                          <a:cs typeface="+mn-cs"/>
+                        </a:rPr>
+                        <a:t>LoginApi</a:t>
+                      </a:r>
+                      <a:endParaRPr lang="en-US" sz="1200" b="0" kern="1200" dirty="0">
+                        <a:solidFill>
+                          <a:schemeClr val="dk1"/>
+                        </a:solidFill>
+                        <a:effectLst/>
+                        <a:latin typeface="+mn-lt"/>
+                        <a:ea typeface="+mn-ea"/>
+                        <a:cs typeface="+mn-cs"/>
+                      </a:endParaRPr>
+                    </a:p>
+                  </a:txBody>
+                  <a:tcPr marT="45721" marB="45721"/>
+                </a:tc>
+                <a:tc>
+                  <a:txBody>
+                    <a:bodyPr/>
+                    <a:lstStyle/>
+                    <a:p>
+                      <a:pPr marL="0" marR="0" lvl="0" indent="0" algn="l" defTabSz="914400" rtl="0" eaLnBrk="1" fontAlgn="auto" latinLnBrk="0" hangingPunct="1">
+                        <a:lnSpc>
+                          <a:spcPct val="100000"/>
+                        </a:lnSpc>
+                        <a:spcBef>
+                          <a:spcPts val="0"/>
+                        </a:spcBef>
+                        <a:spcAft>
+                          <a:spcPts val="0"/>
+                        </a:spcAft>
+                        <a:buClrTx/>
+                        <a:buSzTx/>
+                        <a:buFontTx/>
+                        <a:buNone/>
+                        <a:tabLst/>
+                        <a:defRPr/>
+                      </a:pPr>
+                      <a:r>
+                        <a:rPr lang="en-US" sz="1200" b="0" kern="1200" dirty="0" err="1">
+                          <a:solidFill>
+                            <a:schemeClr val="dk1"/>
+                          </a:solidFill>
+                          <a:effectLst/>
+                          <a:latin typeface="+mn-lt"/>
+                          <a:ea typeface="+mn-ea"/>
+                          <a:cs typeface="+mn-cs"/>
+                        </a:rPr>
+                        <a:t>UserContextReducer</a:t>
+                      </a:r>
+                      <a:endParaRPr lang="en-US" sz="1200" b="0" kern="1200" dirty="0">
+                        <a:solidFill>
+                          <a:schemeClr val="dk1"/>
+                        </a:solidFill>
+                        <a:effectLst/>
+                        <a:latin typeface="+mn-lt"/>
+                        <a:ea typeface="+mn-ea"/>
+                        <a:cs typeface="+mn-cs"/>
+                      </a:endParaRPr>
+                    </a:p>
+                    <a:p>
+                      <a:pPr algn="l" rtl="0"/>
+                      <a:endParaRPr lang="he-IL" sz="1200" dirty="0"/>
+                    </a:p>
+                  </a:txBody>
+                  <a:tcPr marT="45721" marB="45721"/>
+                </a:tc>
+                <a:tc>
+                  <a:txBody>
+                    <a:bodyPr/>
+                    <a:lstStyle/>
+                    <a:p>
+                      <a:pPr algn="l" rtl="0"/>
+                      <a:r>
+                        <a:rPr lang="en-US" sz="1200" dirty="0" err="1"/>
+                        <a:t>userContext</a:t>
+                      </a:r>
+                      <a:r>
+                        <a:rPr lang="en-US" sz="1200" dirty="0"/>
+                        <a:t>,</a:t>
+                      </a:r>
+                    </a:p>
+                    <a:p>
+                      <a:pPr algn="l" rtl="0"/>
+                      <a:r>
+                        <a:rPr lang="en-US" sz="1200" dirty="0" err="1"/>
+                        <a:t>isLoginContext</a:t>
+                      </a:r>
+                      <a:endParaRPr lang="en-US" sz="1200" dirty="0"/>
+                    </a:p>
+                  </a:txBody>
+                  <a:tcPr marT="45721" marB="45721"/>
+                </a:tc>
+                <a:tc>
+                  <a:txBody>
+                    <a:bodyPr/>
+                    <a:lstStyle/>
+                    <a:p>
+                      <a:pPr algn="l" rtl="0"/>
+                      <a:r>
+                        <a:rPr lang="en-US" sz="1200" dirty="0"/>
+                        <a:t>---</a:t>
+                      </a:r>
+                      <a:endParaRPr lang="he-IL" sz="1200" dirty="0"/>
+                    </a:p>
+                  </a:txBody>
+                  <a:tcPr marT="45721" marB="45721"/>
+                </a:tc>
+                <a:tc>
+                  <a:txBody>
+                    <a:bodyPr/>
+                    <a:lstStyle/>
+                    <a:p>
+                      <a:pPr algn="l" rtl="0"/>
+                      <a:r>
+                        <a:rPr lang="en-US" sz="1200" dirty="0"/>
+                        <a:t>Rolling the login status</a:t>
+                      </a:r>
+                      <a:endParaRPr lang="he-IL" sz="1200" dirty="0"/>
+                    </a:p>
+                  </a:txBody>
+                  <a:tcPr marT="45721" marB="45721"/>
+                </a:tc>
+                <a:tc>
+                  <a:txBody>
+                    <a:bodyPr/>
+                    <a:lstStyle/>
+                    <a:p>
+                      <a:pPr marL="0" marR="0" lvl="0" indent="0" algn="l" defTabSz="914400" rtl="0" eaLnBrk="1" fontAlgn="auto" latinLnBrk="0" hangingPunct="1">
+                        <a:lnSpc>
+                          <a:spcPct val="100000"/>
+                        </a:lnSpc>
+                        <a:spcBef>
+                          <a:spcPts val="0"/>
+                        </a:spcBef>
+                        <a:spcAft>
+                          <a:spcPts val="0"/>
+                        </a:spcAft>
+                        <a:buClrTx/>
+                        <a:buSzTx/>
+                        <a:buFontTx/>
+                        <a:buNone/>
+                        <a:tabLst/>
+                        <a:defRPr/>
+                      </a:pPr>
+                      <a:r>
+                        <a:rPr lang="en-US" sz="1200" b="0" kern="1200" dirty="0" err="1">
+                          <a:solidFill>
+                            <a:schemeClr val="dk1"/>
+                          </a:solidFill>
+                          <a:effectLst/>
+                          <a:latin typeface="+mn-lt"/>
+                          <a:ea typeface="+mn-ea"/>
+                          <a:cs typeface="+mn-cs"/>
+                        </a:rPr>
+                        <a:t>LoginBtn</a:t>
+                      </a:r>
+                      <a:endParaRPr lang="en-US" sz="1200" b="0" kern="1200" dirty="0">
+                        <a:solidFill>
+                          <a:schemeClr val="dk1"/>
+                        </a:solidFill>
+                        <a:effectLst/>
+                        <a:latin typeface="+mn-lt"/>
+                        <a:ea typeface="+mn-ea"/>
+                        <a:cs typeface="+mn-cs"/>
+                      </a:endParaRPr>
+                    </a:p>
+                  </a:txBody>
+                  <a:tcPr marT="45721" marB="45721"/>
+                </a:tc>
+                <a:tc vMerge="1">
+                  <a:txBody>
+                    <a:bodyPr/>
+                    <a:lstStyle/>
+                    <a:p>
+                      <a:pPr algn="l" rtl="0"/>
+                      <a:endParaRPr lang="he-IL" sz="1200" dirty="0"/>
+                    </a:p>
+                  </a:txBody>
+                  <a:tcPr/>
+                </a:tc>
+                <a:extLst>
+                  <a:ext uri="{0D108BD9-81ED-4DB2-BD59-A6C34878D82A}">
+                    <a16:rowId xmlns:a16="http://schemas.microsoft.com/office/drawing/2014/main" val="784867720"/>
+                  </a:ext>
+                </a:extLst>
+              </a:tr>
+              <a:tr h="660403">
+                <a:tc>
+                  <a:txBody>
+                    <a:bodyPr/>
+                    <a:lstStyle/>
+                    <a:p>
+                      <a:pPr marL="0" marR="0" lvl="0" indent="0" algn="l" defTabSz="914400" rtl="0" eaLnBrk="1" fontAlgn="auto" latinLnBrk="0" hangingPunct="1">
+                        <a:lnSpc>
+                          <a:spcPct val="100000"/>
+                        </a:lnSpc>
+                        <a:spcBef>
+                          <a:spcPts val="0"/>
+                        </a:spcBef>
+                        <a:spcAft>
+                          <a:spcPts val="0"/>
+                        </a:spcAft>
+                        <a:buClrTx/>
+                        <a:buSzTx/>
+                        <a:buFontTx/>
+                        <a:buNone/>
+                        <a:tabLst/>
+                        <a:defRPr/>
+                      </a:pPr>
+                      <a:r>
+                        <a:rPr lang="en-US" sz="1200" b="0" kern="1200" dirty="0" err="1">
+                          <a:solidFill>
+                            <a:schemeClr val="dk1"/>
+                          </a:solidFill>
+                          <a:effectLst/>
+                          <a:latin typeface="+mn-lt"/>
+                          <a:ea typeface="+mn-ea"/>
+                          <a:cs typeface="+mn-cs"/>
+                        </a:rPr>
+                        <a:t>UserDetails</a:t>
+                      </a:r>
+                      <a:endParaRPr lang="en-US" sz="1200" b="0" kern="1200" dirty="0">
+                        <a:solidFill>
+                          <a:schemeClr val="dk1"/>
+                        </a:solidFill>
+                        <a:effectLst/>
+                        <a:latin typeface="+mn-lt"/>
+                        <a:ea typeface="+mn-ea"/>
+                        <a:cs typeface="+mn-cs"/>
+                      </a:endParaRPr>
+                    </a:p>
+                    <a:p>
+                      <a:pPr marL="0" marR="0" lvl="0" indent="0" algn="l" defTabSz="914400" rtl="0" eaLnBrk="1" fontAlgn="auto" latinLnBrk="0" hangingPunct="1">
+                        <a:lnSpc>
+                          <a:spcPct val="100000"/>
+                        </a:lnSpc>
+                        <a:spcBef>
+                          <a:spcPts val="0"/>
+                        </a:spcBef>
+                        <a:spcAft>
+                          <a:spcPts val="0"/>
+                        </a:spcAft>
+                        <a:buClrTx/>
+                        <a:buSzTx/>
+                        <a:buFontTx/>
+                        <a:buNone/>
+                        <a:tabLst/>
+                        <a:defRPr/>
+                      </a:pPr>
+                      <a:endParaRPr lang="en-US" sz="1200" b="0" kern="1200" dirty="0">
+                        <a:solidFill>
+                          <a:schemeClr val="dk1"/>
+                        </a:solidFill>
+                        <a:effectLst/>
+                        <a:latin typeface="+mn-lt"/>
+                        <a:ea typeface="+mn-ea"/>
+                        <a:cs typeface="+mn-cs"/>
+                      </a:endParaRPr>
+                    </a:p>
+                  </a:txBody>
+                  <a:tcPr marT="45721" marB="45721"/>
+                </a:tc>
+                <a:tc>
+                  <a:txBody>
+                    <a:bodyPr/>
+                    <a:lstStyle/>
+                    <a:p>
+                      <a:pPr marL="0" marR="0" lvl="0" indent="0" algn="l" defTabSz="914400" rtl="0" eaLnBrk="1" fontAlgn="auto" latinLnBrk="0" hangingPunct="1">
+                        <a:lnSpc>
+                          <a:spcPct val="100000"/>
+                        </a:lnSpc>
+                        <a:spcBef>
+                          <a:spcPts val="0"/>
+                        </a:spcBef>
+                        <a:spcAft>
+                          <a:spcPts val="0"/>
+                        </a:spcAft>
+                        <a:buClrTx/>
+                        <a:buSzTx/>
+                        <a:buFontTx/>
+                        <a:buNone/>
+                        <a:tabLst/>
+                        <a:defRPr/>
+                      </a:pPr>
+                      <a:r>
+                        <a:rPr lang="en-US" sz="1200" b="0" kern="1200" dirty="0" err="1">
+                          <a:solidFill>
+                            <a:schemeClr val="dk1"/>
+                          </a:solidFill>
+                          <a:effectLst/>
+                          <a:latin typeface="+mn-lt"/>
+                          <a:ea typeface="+mn-ea"/>
+                          <a:cs typeface="+mn-cs"/>
+                        </a:rPr>
+                        <a:t>LoginAndRegisterBtn</a:t>
+                      </a:r>
+                      <a:endParaRPr lang="en-US" sz="1200" b="0" kern="1200" dirty="0">
+                        <a:solidFill>
+                          <a:schemeClr val="dk1"/>
+                        </a:solidFill>
+                        <a:effectLst/>
+                        <a:latin typeface="+mn-lt"/>
+                        <a:ea typeface="+mn-ea"/>
+                        <a:cs typeface="+mn-cs"/>
+                      </a:endParaRPr>
+                    </a:p>
+                  </a:txBody>
+                  <a:tcPr marT="45721" marB="45721"/>
+                </a:tc>
+                <a:tc>
+                  <a:txBody>
+                    <a:bodyPr/>
+                    <a:lstStyle/>
+                    <a:p>
+                      <a:pPr marL="0" marR="0" lvl="0" indent="0" algn="l" defTabSz="914400" rtl="0" eaLnBrk="1" fontAlgn="auto" latinLnBrk="0" hangingPunct="1">
+                        <a:lnSpc>
+                          <a:spcPct val="100000"/>
+                        </a:lnSpc>
+                        <a:spcBef>
+                          <a:spcPts val="0"/>
+                        </a:spcBef>
+                        <a:spcAft>
+                          <a:spcPts val="0"/>
+                        </a:spcAft>
+                        <a:buClrTx/>
+                        <a:buSzTx/>
+                        <a:buFontTx/>
+                        <a:buNone/>
+                        <a:tabLst/>
+                        <a:defRPr/>
+                      </a:pPr>
+                      <a:r>
+                        <a:rPr lang="en-US" sz="1200" b="0" kern="1200" dirty="0" err="1">
+                          <a:solidFill>
+                            <a:schemeClr val="dk1"/>
+                          </a:solidFill>
+                          <a:effectLst/>
+                          <a:latin typeface="+mn-lt"/>
+                          <a:ea typeface="+mn-ea"/>
+                          <a:cs typeface="+mn-cs"/>
+                        </a:rPr>
+                        <a:t>userContext</a:t>
+                      </a:r>
+                      <a:endParaRPr lang="en-US" sz="1200" b="0" kern="1200" dirty="0">
+                        <a:solidFill>
+                          <a:schemeClr val="dk1"/>
+                        </a:solidFill>
+                        <a:effectLst/>
+                        <a:latin typeface="+mn-lt"/>
+                        <a:ea typeface="+mn-ea"/>
+                        <a:cs typeface="+mn-cs"/>
+                      </a:endParaRPr>
+                    </a:p>
+                    <a:p>
+                      <a:pPr marL="0" marR="0" lvl="0" indent="0" algn="l" defTabSz="914400" rtl="0" eaLnBrk="1" fontAlgn="auto" latinLnBrk="0" hangingPunct="1">
+                        <a:lnSpc>
+                          <a:spcPct val="100000"/>
+                        </a:lnSpc>
+                        <a:spcBef>
+                          <a:spcPts val="0"/>
+                        </a:spcBef>
+                        <a:spcAft>
+                          <a:spcPts val="0"/>
+                        </a:spcAft>
+                        <a:buClrTx/>
+                        <a:buSzTx/>
+                        <a:buFontTx/>
+                        <a:buNone/>
+                        <a:tabLst/>
+                        <a:defRPr/>
+                      </a:pPr>
+                      <a:r>
+                        <a:rPr lang="en-US" sz="1200" b="0" kern="1200" dirty="0" err="1">
+                          <a:solidFill>
+                            <a:schemeClr val="dk1"/>
+                          </a:solidFill>
+                          <a:effectLst/>
+                          <a:latin typeface="+mn-lt"/>
+                          <a:ea typeface="+mn-ea"/>
+                          <a:cs typeface="+mn-cs"/>
+                        </a:rPr>
+                        <a:t>userIdContext</a:t>
+                      </a:r>
+                      <a:endParaRPr lang="en-US" sz="1200" b="0" kern="1200" dirty="0">
+                        <a:solidFill>
+                          <a:schemeClr val="dk1"/>
+                        </a:solidFill>
+                        <a:effectLst/>
+                        <a:latin typeface="+mn-lt"/>
+                        <a:ea typeface="+mn-ea"/>
+                        <a:cs typeface="+mn-cs"/>
+                      </a:endParaRPr>
+                    </a:p>
+                  </a:txBody>
+                  <a:tcPr marT="45721" marB="45721"/>
+                </a:tc>
+                <a:tc>
+                  <a:txBody>
+                    <a:bodyPr/>
+                    <a:lstStyle/>
+                    <a:p>
+                      <a:pPr algn="l" rtl="0"/>
+                      <a:r>
+                        <a:rPr lang="en-US" sz="1200" dirty="0"/>
+                        <a:t>Status – sign in |sign up</a:t>
+                      </a:r>
+                      <a:endParaRPr lang="he-IL" sz="1200" dirty="0"/>
+                    </a:p>
+                  </a:txBody>
+                  <a:tcPr marT="45721" marB="45721"/>
+                </a:tc>
+                <a:tc>
+                  <a:txBody>
+                    <a:bodyPr/>
+                    <a:lstStyle/>
+                    <a:p>
+                      <a:pPr algn="l" rtl="0"/>
+                      <a:r>
+                        <a:rPr lang="en-US" sz="1200" dirty="0"/>
+                        <a:t>Login/register form due to </a:t>
+                      </a:r>
+                      <a:r>
+                        <a:rPr lang="en-US" sz="1200" dirty="0" err="1"/>
+                        <a:t>isLoginContext</a:t>
+                      </a:r>
+                      <a:r>
+                        <a:rPr lang="en-US" sz="1200" dirty="0"/>
+                        <a:t>,</a:t>
+                      </a:r>
+                    </a:p>
+                    <a:p>
+                      <a:pPr algn="l" rtl="0"/>
+                      <a:r>
+                        <a:rPr lang="en-US" sz="1200" dirty="0"/>
+                        <a:t>Rolling </a:t>
+                      </a:r>
+                      <a:r>
+                        <a:rPr lang="en-US" sz="1200" dirty="0" err="1"/>
+                        <a:t>userIdContext</a:t>
+                      </a:r>
+                      <a:endParaRPr lang="en-US" sz="1200" dirty="0"/>
+                    </a:p>
+                  </a:txBody>
+                  <a:tcPr marT="45721" marB="45721"/>
+                </a:tc>
+                <a:tc>
+                  <a:txBody>
+                    <a:bodyPr/>
+                    <a:lstStyle/>
+                    <a:p>
+                      <a:pPr marL="0" marR="0" lvl="0" indent="0" algn="l" defTabSz="914400" rtl="0" eaLnBrk="1" fontAlgn="auto" latinLnBrk="0" hangingPunct="1">
+                        <a:lnSpc>
+                          <a:spcPct val="100000"/>
+                        </a:lnSpc>
+                        <a:spcBef>
+                          <a:spcPts val="0"/>
+                        </a:spcBef>
+                        <a:spcAft>
+                          <a:spcPts val="0"/>
+                        </a:spcAft>
+                        <a:buClrTx/>
+                        <a:buSzTx/>
+                        <a:buFontTx/>
+                        <a:buNone/>
+                        <a:tabLst/>
+                        <a:defRPr/>
+                      </a:pPr>
+                      <a:r>
+                        <a:rPr lang="en-US" sz="1200" b="0" kern="1200" dirty="0" err="1">
+                          <a:solidFill>
+                            <a:schemeClr val="dk1"/>
+                          </a:solidFill>
+                          <a:effectLst/>
+                          <a:latin typeface="+mn-lt"/>
+                          <a:ea typeface="+mn-ea"/>
+                          <a:cs typeface="+mn-cs"/>
+                        </a:rPr>
+                        <a:t>LoginApi</a:t>
+                      </a:r>
+                      <a:endParaRPr lang="en-US" sz="1200" b="0" kern="1200" dirty="0">
+                        <a:solidFill>
+                          <a:schemeClr val="dk1"/>
+                        </a:solidFill>
+                        <a:effectLst/>
+                        <a:latin typeface="+mn-lt"/>
+                        <a:ea typeface="+mn-ea"/>
+                        <a:cs typeface="+mn-cs"/>
+                      </a:endParaRPr>
+                    </a:p>
+                  </a:txBody>
+                  <a:tcPr marT="45721" marB="45721"/>
+                </a:tc>
+                <a:tc vMerge="1">
+                  <a:txBody>
+                    <a:bodyPr/>
+                    <a:lstStyle/>
+                    <a:p>
+                      <a:pPr algn="l" rtl="0"/>
+                      <a:endParaRPr lang="he-IL" sz="1200" dirty="0"/>
+                    </a:p>
+                  </a:txBody>
+                  <a:tcPr/>
+                </a:tc>
+                <a:extLst>
+                  <a:ext uri="{0D108BD9-81ED-4DB2-BD59-A6C34878D82A}">
+                    <a16:rowId xmlns:a16="http://schemas.microsoft.com/office/drawing/2014/main" val="1337767540"/>
+                  </a:ext>
+                </a:extLst>
+              </a:tr>
+              <a:tr h="660403">
+                <a:tc>
+                  <a:txBody>
+                    <a:bodyPr/>
+                    <a:lstStyle/>
+                    <a:p>
+                      <a:pPr algn="l" rtl="0"/>
+                      <a:r>
+                        <a:rPr lang="en-US" sz="1200" dirty="0" err="1"/>
+                        <a:t>UpdateUser</a:t>
+                      </a:r>
+                      <a:endParaRPr lang="he-IL" sz="1200" dirty="0"/>
+                    </a:p>
+                  </a:txBody>
+                  <a:tcPr marT="45721" marB="45721"/>
+                </a:tc>
+                <a:tc>
+                  <a:txBody>
+                    <a:bodyPr/>
+                    <a:lstStyle/>
+                    <a:p>
+                      <a:pPr marL="0" marR="0" lvl="0" indent="0" algn="l" defTabSz="914400" rtl="0" eaLnBrk="1" fontAlgn="auto" latinLnBrk="0" hangingPunct="1">
+                        <a:lnSpc>
+                          <a:spcPct val="100000"/>
+                        </a:lnSpc>
+                        <a:spcBef>
+                          <a:spcPts val="0"/>
+                        </a:spcBef>
+                        <a:spcAft>
+                          <a:spcPts val="0"/>
+                        </a:spcAft>
+                        <a:buClrTx/>
+                        <a:buSzTx/>
+                        <a:buFontTx/>
+                        <a:buNone/>
+                        <a:tabLst/>
+                        <a:defRPr/>
+                      </a:pPr>
+                      <a:r>
+                        <a:rPr lang="en-US" sz="1200" b="0" kern="1200" dirty="0" err="1">
+                          <a:solidFill>
+                            <a:schemeClr val="dk1"/>
+                          </a:solidFill>
+                          <a:effectLst/>
+                          <a:latin typeface="+mn-lt"/>
+                          <a:ea typeface="+mn-ea"/>
+                          <a:cs typeface="+mn-cs"/>
+                        </a:rPr>
+                        <a:t>LoginAndRegister</a:t>
+                      </a:r>
+                      <a:endParaRPr lang="en-US" sz="1200" b="0" kern="1200" dirty="0">
+                        <a:solidFill>
+                          <a:schemeClr val="dk1"/>
+                        </a:solidFill>
+                        <a:effectLst/>
+                        <a:latin typeface="+mn-lt"/>
+                        <a:ea typeface="+mn-ea"/>
+                        <a:cs typeface="+mn-cs"/>
+                      </a:endParaRPr>
+                    </a:p>
+                  </a:txBody>
+                  <a:tcPr marT="45721" marB="45721"/>
+                </a:tc>
+                <a:tc>
+                  <a:txBody>
+                    <a:bodyPr/>
+                    <a:lstStyle/>
+                    <a:p>
+                      <a:pPr algn="l" rtl="0"/>
+                      <a:r>
+                        <a:rPr lang="en-US" sz="1200" dirty="0" err="1"/>
+                        <a:t>userIdContext</a:t>
+                      </a:r>
+                      <a:endParaRPr lang="en-US" sz="1200" dirty="0"/>
+                    </a:p>
+                    <a:p>
+                      <a:pPr algn="l" rtl="0"/>
+                      <a:r>
+                        <a:rPr lang="en-US" sz="1200" dirty="0" err="1"/>
+                        <a:t>userContext</a:t>
+                      </a:r>
+                      <a:endParaRPr lang="he-IL" sz="1200" dirty="0"/>
+                    </a:p>
+                  </a:txBody>
+                  <a:tcPr marT="45721" marB="45721"/>
+                </a:tc>
+                <a:tc>
+                  <a:txBody>
+                    <a:bodyPr/>
+                    <a:lstStyle/>
+                    <a:p>
+                      <a:pPr algn="l" rtl="0"/>
+                      <a:r>
+                        <a:rPr lang="en-US" sz="1200" dirty="0"/>
+                        <a:t>---</a:t>
+                      </a:r>
+                      <a:endParaRPr lang="he-IL" sz="1200" dirty="0"/>
+                    </a:p>
+                  </a:txBody>
+                  <a:tcPr marT="45721" marB="45721"/>
+                </a:tc>
+                <a:tc>
+                  <a:txBody>
+                    <a:bodyPr/>
+                    <a:lstStyle/>
+                    <a:p>
+                      <a:pPr algn="l" rtl="0"/>
+                      <a:r>
+                        <a:rPr lang="en-US" sz="1200" dirty="0"/>
+                        <a:t>Show avatar and name, and an update </a:t>
+                      </a:r>
+                      <a:r>
+                        <a:rPr lang="en-US" sz="1200" dirty="0" err="1"/>
+                        <a:t>btn</a:t>
+                      </a:r>
+                      <a:endParaRPr lang="he-IL" sz="1200" dirty="0"/>
+                    </a:p>
+                  </a:txBody>
+                  <a:tcPr marT="45721" marB="45721"/>
+                </a:tc>
+                <a:tc>
+                  <a:txBody>
+                    <a:bodyPr/>
+                    <a:lstStyle/>
+                    <a:p>
+                      <a:pPr marL="0" marR="0" lvl="0" indent="0" algn="l" defTabSz="914400" rtl="0" eaLnBrk="1" fontAlgn="auto" latinLnBrk="0" hangingPunct="1">
+                        <a:lnSpc>
+                          <a:spcPct val="100000"/>
+                        </a:lnSpc>
+                        <a:spcBef>
+                          <a:spcPts val="0"/>
+                        </a:spcBef>
+                        <a:spcAft>
+                          <a:spcPts val="0"/>
+                        </a:spcAft>
+                        <a:buClrTx/>
+                        <a:buSzTx/>
+                        <a:buFontTx/>
+                        <a:buNone/>
+                        <a:tabLst/>
+                        <a:defRPr/>
+                      </a:pPr>
+                      <a:r>
+                        <a:rPr lang="en-US" sz="1200" b="0" kern="1200" dirty="0" err="1">
+                          <a:solidFill>
+                            <a:schemeClr val="dk1"/>
+                          </a:solidFill>
+                          <a:effectLst/>
+                          <a:latin typeface="+mn-lt"/>
+                          <a:ea typeface="+mn-ea"/>
+                          <a:cs typeface="+mn-cs"/>
+                        </a:rPr>
+                        <a:t>UserDetails</a:t>
+                      </a:r>
+                      <a:endParaRPr lang="en-US" sz="1200" b="0" kern="1200" dirty="0">
+                        <a:solidFill>
+                          <a:schemeClr val="dk1"/>
+                        </a:solidFill>
+                        <a:effectLst/>
+                        <a:latin typeface="+mn-lt"/>
+                        <a:ea typeface="+mn-ea"/>
+                        <a:cs typeface="+mn-cs"/>
+                      </a:endParaRPr>
+                    </a:p>
+                  </a:txBody>
+                  <a:tcPr marT="45721" marB="45721"/>
+                </a:tc>
+                <a:tc vMerge="1">
+                  <a:txBody>
+                    <a:bodyPr/>
+                    <a:lstStyle/>
+                    <a:p>
+                      <a:pPr algn="l" rtl="0"/>
+                      <a:endParaRPr lang="he-IL" sz="1200" dirty="0"/>
+                    </a:p>
+                  </a:txBody>
+                  <a:tcPr/>
+                </a:tc>
+                <a:extLst>
+                  <a:ext uri="{0D108BD9-81ED-4DB2-BD59-A6C34878D82A}">
+                    <a16:rowId xmlns:a16="http://schemas.microsoft.com/office/drawing/2014/main" val="2302951321"/>
+                  </a:ext>
+                </a:extLst>
+              </a:tr>
+              <a:tr h="592576">
+                <a:tc>
+                  <a:txBody>
+                    <a:bodyPr/>
+                    <a:lstStyle/>
+                    <a:p>
+                      <a:pPr algn="l" rtl="0"/>
+                      <a:r>
+                        <a:rPr lang="en-US" sz="1200" dirty="0"/>
+                        <a:t>---</a:t>
+                      </a:r>
+                      <a:endParaRPr lang="he-IL" sz="1200" dirty="0"/>
+                    </a:p>
+                  </a:txBody>
+                  <a:tcPr marT="45721" marB="45721"/>
+                </a:tc>
+                <a:tc>
+                  <a:txBody>
+                    <a:bodyPr/>
+                    <a:lstStyle/>
+                    <a:p>
+                      <a:pPr algn="l" rtl="0"/>
+                      <a:r>
+                        <a:rPr lang="en-US" sz="1200" b="0" kern="1200" dirty="0" err="1">
+                          <a:solidFill>
+                            <a:schemeClr val="dk1"/>
+                          </a:solidFill>
+                          <a:effectLst/>
+                          <a:latin typeface="+mn-lt"/>
+                          <a:ea typeface="+mn-ea"/>
+                          <a:cs typeface="+mn-cs"/>
+                        </a:rPr>
+                        <a:t>UserNameAndAvatr</a:t>
+                      </a:r>
+                      <a:endParaRPr lang="he-IL" sz="1200" dirty="0"/>
+                    </a:p>
+                  </a:txBody>
+                  <a:tcPr marT="45721" marB="45721"/>
+                </a:tc>
+                <a:tc>
+                  <a:txBody>
+                    <a:bodyPr/>
+                    <a:lstStyle/>
+                    <a:p>
+                      <a:pPr algn="l" rtl="0"/>
+                      <a:r>
+                        <a:rPr lang="en-US" sz="1200" dirty="0" err="1"/>
+                        <a:t>userContext</a:t>
+                      </a:r>
+                      <a:endParaRPr lang="en-US" sz="1200" dirty="0"/>
+                    </a:p>
+                    <a:p>
+                      <a:pPr algn="l" rtl="0"/>
+                      <a:r>
+                        <a:rPr lang="en-US" sz="1200" dirty="0" err="1"/>
+                        <a:t>userIdContext</a:t>
+                      </a:r>
+                      <a:endParaRPr lang="he-IL" sz="1200" dirty="0"/>
+                    </a:p>
+                  </a:txBody>
+                  <a:tcPr marT="45721" marB="45721"/>
+                </a:tc>
+                <a:tc>
+                  <a:txBody>
+                    <a:bodyPr/>
+                    <a:lstStyle/>
+                    <a:p>
+                      <a:pPr algn="l" rtl="0"/>
+                      <a:r>
+                        <a:rPr lang="en-US" sz="1200" dirty="0"/>
+                        <a:t>---</a:t>
+                      </a:r>
+                      <a:endParaRPr lang="he-IL" sz="1200" dirty="0"/>
+                    </a:p>
+                  </a:txBody>
+                  <a:tcPr marT="45721" marB="45721"/>
+                </a:tc>
+                <a:tc>
+                  <a:txBody>
+                    <a:bodyPr/>
+                    <a:lstStyle/>
+                    <a:p>
+                      <a:pPr algn="l" rtl="0"/>
+                      <a:r>
+                        <a:rPr lang="en-US" sz="1200" dirty="0"/>
+                        <a:t>An update form- using reducer</a:t>
+                      </a:r>
+                      <a:endParaRPr lang="he-IL" sz="1200" dirty="0"/>
+                    </a:p>
+                  </a:txBody>
+                  <a:tcPr marT="45721" marB="45721"/>
+                </a:tc>
+                <a:tc>
+                  <a:txBody>
+                    <a:bodyPr/>
+                    <a:lstStyle/>
+                    <a:p>
+                      <a:pPr marL="0" marR="0" lvl="0" indent="0" algn="l" defTabSz="914400" rtl="0" eaLnBrk="1" fontAlgn="auto" latinLnBrk="0" hangingPunct="1">
+                        <a:lnSpc>
+                          <a:spcPct val="100000"/>
+                        </a:lnSpc>
+                        <a:spcBef>
+                          <a:spcPts val="0"/>
+                        </a:spcBef>
+                        <a:spcAft>
+                          <a:spcPts val="0"/>
+                        </a:spcAft>
+                        <a:buClrTx/>
+                        <a:buSzTx/>
+                        <a:buFontTx/>
+                        <a:buNone/>
+                        <a:tabLst/>
+                        <a:defRPr/>
+                      </a:pPr>
+                      <a:r>
+                        <a:rPr lang="en-US" sz="1200" dirty="0" err="1"/>
+                        <a:t>UpdateUser</a:t>
+                      </a:r>
+                      <a:endParaRPr lang="he-IL" sz="1200" dirty="0"/>
+                    </a:p>
+                  </a:txBody>
+                  <a:tcPr marT="45721" marB="45721"/>
+                </a:tc>
+                <a:tc vMerge="1">
+                  <a:txBody>
+                    <a:bodyPr/>
+                    <a:lstStyle/>
+                    <a:p>
+                      <a:pPr algn="r" rtl="1"/>
+                      <a:endParaRPr lang="he-IL" sz="2800" b="1" dirty="0"/>
+                    </a:p>
+                  </a:txBody>
+                  <a:tcPr/>
+                </a:tc>
+                <a:extLst>
+                  <a:ext uri="{0D108BD9-81ED-4DB2-BD59-A6C34878D82A}">
+                    <a16:rowId xmlns:a16="http://schemas.microsoft.com/office/drawing/2014/main" val="166605850"/>
+                  </a:ext>
+                </a:extLst>
+              </a:tr>
+            </a:tbl>
+          </a:graphicData>
+        </a:graphic>
+      </p:graphicFrame>
     </p:spTree>
     <p:extLst>
       <p:ext uri="{BB962C8B-B14F-4D97-AF65-F5344CB8AC3E}">
-        <p14:creationId xmlns:p14="http://schemas.microsoft.com/office/powerpoint/2010/main" val="2708934204"/>
-      </p:ext>
-    </p:extLst>
-  </p:cSld>
-  <p:clrMapOvr>
-    <a:masterClrMapping/>
-  </p:clrMapOvr>
-</p:sld>
-</file>
-
-<file path=ppt/slides/slide5.xml><?xml version="1.0" encoding="utf-8"?>
-<p:sld xmlns:a="http://schemas.openxmlformats.org/drawingml/2006/main" xmlns:r="http://schemas.openxmlformats.org/officeDocument/2006/relationships" xmlns:p="http://schemas.openxmlformats.org/presentationml/2006/main">
-  <p:cSld>
-    <p:spTree>
-      <p:nvGrpSpPr>
-        <p:cNvPr id="1" name=""/>
-        <p:cNvGrpSpPr/>
-        <p:nvPr/>
-      </p:nvGrpSpPr>
-      <p:grpSpPr>
-        <a:xfrm>
-          <a:off x="0" y="0"/>
-          <a:ext cx="0" cy="0"/>
-          <a:chOff x="0" y="0"/>
-          <a:chExt cx="0" cy="0"/>
-        </a:xfrm>
-      </p:grpSpPr>
-      <p:sp>
-        <p:nvSpPr>
-          <p:cNvPr id="4" name="TextBox 3">
-            <a:extLst>
-              <a:ext uri="{FF2B5EF4-FFF2-40B4-BE49-F238E27FC236}">
-                <a16:creationId xmlns:a16="http://schemas.microsoft.com/office/drawing/2014/main" id="{934E8F77-7553-4722-859B-0982088167BC}"/>
-              </a:ext>
-            </a:extLst>
-          </p:cNvPr>
-          <p:cNvSpPr txBox="1"/>
-          <p:nvPr/>
-        </p:nvSpPr>
-        <p:spPr>
-          <a:xfrm>
-            <a:off x="9784081" y="352697"/>
-            <a:ext cx="2096589" cy="369332"/>
-          </a:xfrm>
-          <a:prstGeom prst="rect">
-            <a:avLst/>
-          </a:prstGeom>
-          <a:noFill/>
-        </p:spPr>
-        <p:txBody>
-          <a:bodyPr wrap="square" rtlCol="1">
-            <a:spAutoFit/>
-          </a:bodyPr>
-          <a:lstStyle/>
-          <a:p>
-            <a:r>
-              <a:rPr lang="en-US" b="1" dirty="0"/>
-              <a:t>menu</a:t>
-            </a:r>
-            <a:endParaRPr lang="he-IL" b="1" dirty="0"/>
-          </a:p>
-        </p:txBody>
-      </p:sp>
-      <p:sp>
-        <p:nvSpPr>
-          <p:cNvPr id="5" name="TextBox 4">
-            <a:extLst>
-              <a:ext uri="{FF2B5EF4-FFF2-40B4-BE49-F238E27FC236}">
-                <a16:creationId xmlns:a16="http://schemas.microsoft.com/office/drawing/2014/main" id="{89D0E901-70AB-47A5-9581-E9A2FC8CD041}"/>
-              </a:ext>
-            </a:extLst>
-          </p:cNvPr>
-          <p:cNvSpPr txBox="1"/>
-          <p:nvPr/>
-        </p:nvSpPr>
-        <p:spPr>
-          <a:xfrm>
-            <a:off x="1254035" y="1123406"/>
-            <a:ext cx="9966960" cy="1200329"/>
-          </a:xfrm>
-          <a:prstGeom prst="rect">
-            <a:avLst/>
-          </a:prstGeom>
-          <a:noFill/>
-        </p:spPr>
-        <p:txBody>
-          <a:bodyPr wrap="square" rtlCol="1">
-            <a:spAutoFit/>
-          </a:bodyPr>
-          <a:lstStyle/>
-          <a:p>
-            <a:pPr algn="l" rtl="0"/>
-            <a:r>
-              <a:rPr lang="en-US" dirty="0"/>
-              <a:t>The menu contains:</a:t>
-            </a:r>
-          </a:p>
-          <a:p>
-            <a:pPr marL="285750" indent="-285750" algn="l" rtl="0">
-              <a:buFont typeface="Arial" panose="020B0604020202020204" pitchFamily="34" charset="0"/>
-              <a:buChar char="•"/>
-            </a:pPr>
-            <a:r>
-              <a:rPr lang="en-US" dirty="0" err="1"/>
-              <a:t>Btn</a:t>
-            </a:r>
-            <a:r>
-              <a:rPr lang="en-US" dirty="0"/>
-              <a:t>:</a:t>
-            </a:r>
-          </a:p>
-          <a:p>
-            <a:pPr marL="857250" lvl="1" indent="-400050" algn="l" rtl="0">
-              <a:buFont typeface="+mj-lt"/>
-              <a:buAutoNum type="romanUcPeriod"/>
-            </a:pPr>
-            <a:r>
-              <a:rPr lang="en-US" b="1" dirty="0"/>
-              <a:t>Get Recipes</a:t>
-            </a:r>
-            <a:r>
-              <a:rPr lang="en-US" dirty="0"/>
-              <a:t>– get all ; </a:t>
-            </a:r>
-          </a:p>
-          <a:p>
-            <a:pPr marL="857250" lvl="1" indent="-400050" algn="l" rtl="0">
-              <a:buFont typeface="+mj-lt"/>
-              <a:buAutoNum type="romanUcPeriod"/>
-            </a:pPr>
-            <a:r>
-              <a:rPr lang="en-US" b="1" dirty="0"/>
-              <a:t>Add a Recipe - </a:t>
-            </a:r>
-            <a:r>
-              <a:rPr lang="en-US" dirty="0"/>
-              <a:t>only if logged In;</a:t>
-            </a:r>
-          </a:p>
-        </p:txBody>
-      </p:sp>
-    </p:spTree>
-    <p:extLst>
-      <p:ext uri="{BB962C8B-B14F-4D97-AF65-F5344CB8AC3E}">
-        <p14:creationId xmlns:p14="http://schemas.microsoft.com/office/powerpoint/2010/main" val="4234170517"/>
+        <p14:creationId xmlns:p14="http://schemas.microsoft.com/office/powerpoint/2010/main" val="3867703200"/>
       </p:ext>
     </p:extLst>
   </p:cSld>

--- a/recipesPRJCT/client/planning.pptx
+++ b/recipesPRJCT/client/planning.pptx
@@ -262,7 +262,7 @@
           <a:p>
             <a:fld id="{EFC81BCF-26DE-4B7E-A1D2-560DC9402B9F}" type="datetimeFigureOut">
               <a:rPr lang="he-IL" smtClean="0"/>
-              <a:t>ה'/שבט/תשפ"ה</a:t>
+              <a:t>ו'/שבט/תשפ"ה</a:t>
             </a:fld>
             <a:endParaRPr lang="he-IL"/>
           </a:p>
@@ -460,7 +460,7 @@
           <a:p>
             <a:fld id="{EFC81BCF-26DE-4B7E-A1D2-560DC9402B9F}" type="datetimeFigureOut">
               <a:rPr lang="he-IL" smtClean="0"/>
-              <a:t>ה'/שבט/תשפ"ה</a:t>
+              <a:t>ו'/שבט/תשפ"ה</a:t>
             </a:fld>
             <a:endParaRPr lang="he-IL"/>
           </a:p>
@@ -668,7 +668,7 @@
           <a:p>
             <a:fld id="{EFC81BCF-26DE-4B7E-A1D2-560DC9402B9F}" type="datetimeFigureOut">
               <a:rPr lang="he-IL" smtClean="0"/>
-              <a:t>ה'/שבט/תשפ"ה</a:t>
+              <a:t>ו'/שבט/תשפ"ה</a:t>
             </a:fld>
             <a:endParaRPr lang="he-IL"/>
           </a:p>
@@ -866,7 +866,7 @@
           <a:p>
             <a:fld id="{EFC81BCF-26DE-4B7E-A1D2-560DC9402B9F}" type="datetimeFigureOut">
               <a:rPr lang="he-IL" smtClean="0"/>
-              <a:t>ה'/שבט/תשפ"ה</a:t>
+              <a:t>ו'/שבט/תשפ"ה</a:t>
             </a:fld>
             <a:endParaRPr lang="he-IL"/>
           </a:p>
@@ -1141,7 +1141,7 @@
           <a:p>
             <a:fld id="{EFC81BCF-26DE-4B7E-A1D2-560DC9402B9F}" type="datetimeFigureOut">
               <a:rPr lang="he-IL" smtClean="0"/>
-              <a:t>ה'/שבט/תשפ"ה</a:t>
+              <a:t>ו'/שבט/תשפ"ה</a:t>
             </a:fld>
             <a:endParaRPr lang="he-IL"/>
           </a:p>
@@ -1406,7 +1406,7 @@
           <a:p>
             <a:fld id="{EFC81BCF-26DE-4B7E-A1D2-560DC9402B9F}" type="datetimeFigureOut">
               <a:rPr lang="he-IL" smtClean="0"/>
-              <a:t>ה'/שבט/תשפ"ה</a:t>
+              <a:t>ו'/שבט/תשפ"ה</a:t>
             </a:fld>
             <a:endParaRPr lang="he-IL"/>
           </a:p>
@@ -1818,7 +1818,7 @@
           <a:p>
             <a:fld id="{EFC81BCF-26DE-4B7E-A1D2-560DC9402B9F}" type="datetimeFigureOut">
               <a:rPr lang="he-IL" smtClean="0"/>
-              <a:t>ה'/שבט/תשפ"ה</a:t>
+              <a:t>ו'/שבט/תשפ"ה</a:t>
             </a:fld>
             <a:endParaRPr lang="he-IL"/>
           </a:p>
@@ -1959,7 +1959,7 @@
           <a:p>
             <a:fld id="{EFC81BCF-26DE-4B7E-A1D2-560DC9402B9F}" type="datetimeFigureOut">
               <a:rPr lang="he-IL" smtClean="0"/>
-              <a:t>ה'/שבט/תשפ"ה</a:t>
+              <a:t>ו'/שבט/תשפ"ה</a:t>
             </a:fld>
             <a:endParaRPr lang="he-IL"/>
           </a:p>
@@ -2072,7 +2072,7 @@
           <a:p>
             <a:fld id="{EFC81BCF-26DE-4B7E-A1D2-560DC9402B9F}" type="datetimeFigureOut">
               <a:rPr lang="he-IL" smtClean="0"/>
-              <a:t>ה'/שבט/תשפ"ה</a:t>
+              <a:t>ו'/שבט/תשפ"ה</a:t>
             </a:fld>
             <a:endParaRPr lang="he-IL"/>
           </a:p>
@@ -2383,7 +2383,7 @@
           <a:p>
             <a:fld id="{EFC81BCF-26DE-4B7E-A1D2-560DC9402B9F}" type="datetimeFigureOut">
               <a:rPr lang="he-IL" smtClean="0"/>
-              <a:t>ה'/שבט/תשפ"ה</a:t>
+              <a:t>ו'/שבט/תשפ"ה</a:t>
             </a:fld>
             <a:endParaRPr lang="he-IL"/>
           </a:p>
@@ -2671,7 +2671,7 @@
           <a:p>
             <a:fld id="{EFC81BCF-26DE-4B7E-A1D2-560DC9402B9F}" type="datetimeFigureOut">
               <a:rPr lang="he-IL" smtClean="0"/>
-              <a:t>ה'/שבט/תשפ"ה</a:t>
+              <a:t>ו'/שבט/תשפ"ה</a:t>
             </a:fld>
             <a:endParaRPr lang="he-IL"/>
           </a:p>
@@ -2912,7 +2912,7 @@
           <a:p>
             <a:fld id="{EFC81BCF-26DE-4B7E-A1D2-560DC9402B9F}" type="datetimeFigureOut">
               <a:rPr lang="he-IL" smtClean="0"/>
-              <a:t>ה'/שבט/תשפ"ה</a:t>
+              <a:t>ו'/שבט/תשפ"ה</a:t>
             </a:fld>
             <a:endParaRPr lang="he-IL"/>
           </a:p>
@@ -3457,8 +3457,8 @@
         </p:nvSpPr>
         <p:spPr>
           <a:xfrm>
-            <a:off x="4934856" y="890060"/>
-            <a:ext cx="2351315" cy="509451"/>
+            <a:off x="5313680" y="890060"/>
+            <a:ext cx="1593669" cy="509451"/>
           </a:xfrm>
           <a:prstGeom prst="rect">
             <a:avLst/>
@@ -3485,11 +3485,15 @@
           <a:lstStyle/>
           <a:p>
             <a:pPr algn="ctr"/>
+            <a:endParaRPr lang="en-US" sz="1801" dirty="0"/>
+          </a:p>
+          <a:p>
+            <a:pPr algn="ctr"/>
             <a:r>
-              <a:rPr lang="en-US" sz="1801" dirty="0" err="1"/>
-              <a:t>UserContextReducer</a:t>
+              <a:rPr lang="en-US" sz="1600" dirty="0" err="1"/>
+              <a:t>contextProvider</a:t>
             </a:r>
-            <a:endParaRPr lang="en-US" sz="1801" dirty="0"/>
+            <a:endParaRPr lang="en-US" sz="1600" dirty="0"/>
           </a:p>
           <a:p>
             <a:pPr algn="ctr"/>
@@ -3511,7 +3515,7 @@
         </p:nvSpPr>
         <p:spPr>
           <a:xfrm>
-            <a:off x="5313681" y="1618152"/>
+            <a:off x="6180500" y="1631472"/>
             <a:ext cx="1593669" cy="509451"/>
           </a:xfrm>
           <a:prstGeom prst="rect">
@@ -3715,7 +3719,7 @@
         </p:nvSpPr>
         <p:spPr>
           <a:xfrm>
-            <a:off x="3328125" y="3879485"/>
+            <a:off x="1570757" y="3911958"/>
             <a:ext cx="1593669" cy="509451"/>
           </a:xfrm>
           <a:prstGeom prst="rect">
@@ -3765,7 +3769,7 @@
         </p:nvSpPr>
         <p:spPr>
           <a:xfrm>
-            <a:off x="7299232" y="3879485"/>
+            <a:off x="8497986" y="3859523"/>
             <a:ext cx="1593669" cy="509451"/>
           </a:xfrm>
           <a:prstGeom prst="rect">
@@ -3811,6 +3815,7 @@
             </a:extLst>
           </p:cNvPr>
           <p:cNvCxnSpPr>
+            <a:cxnSpLocks/>
             <a:stCxn id="4" idx="2"/>
             <a:endCxn id="5" idx="0"/>
           </p:cNvCxnSpPr>
@@ -3818,8 +3823,8 @@
         </p:nvCxnSpPr>
         <p:spPr>
           <a:xfrm flipH="1">
-            <a:off x="6110513" y="682177"/>
-            <a:ext cx="3" cy="207887"/>
+            <a:off x="6110515" y="682172"/>
+            <a:ext cx="1" cy="207888"/>
           </a:xfrm>
           <a:prstGeom prst="line">
             <a:avLst/>
@@ -3850,15 +3855,15 @@
             </a:extLst>
           </p:cNvPr>
           <p:cNvCxnSpPr>
-            <a:stCxn id="5" idx="2"/>
+            <a:cxnSpLocks/>
             <a:endCxn id="6" idx="0"/>
           </p:cNvCxnSpPr>
           <p:nvPr/>
         </p:nvCxnSpPr>
         <p:spPr>
           <a:xfrm>
-            <a:off x="6110513" y="1399514"/>
-            <a:ext cx="3" cy="218641"/>
+            <a:off x="6977335" y="1399511"/>
+            <a:ext cx="0" cy="231961"/>
           </a:xfrm>
           <a:prstGeom prst="line">
             <a:avLst/>
@@ -3889,15 +3894,15 @@
             </a:extLst>
           </p:cNvPr>
           <p:cNvCxnSpPr>
+            <a:cxnSpLocks/>
             <a:stCxn id="6" idx="2"/>
-            <a:endCxn id="7" idx="0"/>
           </p:cNvCxnSpPr>
           <p:nvPr/>
         </p:nvCxnSpPr>
         <p:spPr>
           <a:xfrm>
-            <a:off x="6110516" y="2127601"/>
-            <a:ext cx="0" cy="245283"/>
+            <a:off x="6977335" y="2140923"/>
+            <a:ext cx="0" cy="220774"/>
           </a:xfrm>
           <a:prstGeom prst="line">
             <a:avLst/>
@@ -4006,15 +4011,15 @@
             </a:extLst>
           </p:cNvPr>
           <p:cNvCxnSpPr>
-            <a:stCxn id="8" idx="2"/>
+            <a:cxnSpLocks/>
             <a:endCxn id="10" idx="0"/>
           </p:cNvCxnSpPr>
           <p:nvPr/>
         </p:nvCxnSpPr>
         <p:spPr>
-          <a:xfrm flipH="1">
-            <a:off x="4124961" y="3616930"/>
-            <a:ext cx="1985555" cy="262559"/>
+          <a:xfrm>
+            <a:off x="2367592" y="3616928"/>
+            <a:ext cx="0" cy="295030"/>
           </a:xfrm>
           <a:prstGeom prst="line">
             <a:avLst/>
@@ -4045,15 +4050,14 @@
             </a:extLst>
           </p:cNvPr>
           <p:cNvCxnSpPr>
-            <a:stCxn id="8" idx="2"/>
-            <a:endCxn id="11" idx="0"/>
+            <a:cxnSpLocks/>
           </p:cNvCxnSpPr>
           <p:nvPr/>
         </p:nvCxnSpPr>
         <p:spPr>
           <a:xfrm>
-            <a:off x="6110519" y="3616930"/>
-            <a:ext cx="1985551" cy="262559"/>
+            <a:off x="2367590" y="3616928"/>
+            <a:ext cx="6927231" cy="0"/>
           </a:xfrm>
           <a:prstGeom prst="line">
             <a:avLst/>
@@ -4112,10 +4116,10 @@
       </p:sp>
       <p:sp>
         <p:nvSpPr>
-          <p:cNvPr id="23" name="מלבן 22">
-            <a:extLst>
-              <a:ext uri="{FF2B5EF4-FFF2-40B4-BE49-F238E27FC236}">
-                <a16:creationId xmlns:a16="http://schemas.microsoft.com/office/drawing/2014/main" id="{A71A908D-B541-4617-B6CF-B3BE44644AF4}"/>
+          <p:cNvPr id="25" name="מלבן 24">
+            <a:extLst>
+              <a:ext uri="{FF2B5EF4-FFF2-40B4-BE49-F238E27FC236}">
+                <a16:creationId xmlns:a16="http://schemas.microsoft.com/office/drawing/2014/main" id="{269AFBDB-5FA3-441F-A789-758468520A93}"/>
               </a:ext>
             </a:extLst>
           </p:cNvPr>
@@ -4124,57 +4128,7 @@
         </p:nvSpPr>
         <p:spPr>
           <a:xfrm>
-            <a:off x="3516629" y="4532607"/>
-            <a:ext cx="1216661" cy="312885"/>
-          </a:xfrm>
-          <a:prstGeom prst="rect">
-            <a:avLst/>
-          </a:prstGeom>
-        </p:spPr>
-        <p:style>
-          <a:lnRef idx="2">
-            <a:schemeClr val="accent1">
-              <a:shade val="50000"/>
-            </a:schemeClr>
-          </a:lnRef>
-          <a:fillRef idx="1">
-            <a:schemeClr val="accent1"/>
-          </a:fillRef>
-          <a:effectRef idx="0">
-            <a:schemeClr val="accent1"/>
-          </a:effectRef>
-          <a:fontRef idx="minor">
-            <a:schemeClr val="lt1"/>
-          </a:fontRef>
-        </p:style>
-        <p:txBody>
-          <a:bodyPr rtlCol="1" anchor="ctr"/>
-          <a:lstStyle/>
-          <a:p>
-            <a:pPr algn="ctr" rtl="0"/>
-            <a:r>
-              <a:rPr lang="en-US" sz="1200" dirty="0" err="1"/>
-              <a:t>userContextReducer</a:t>
-            </a:r>
-            <a:endParaRPr lang="he-IL" sz="1200" dirty="0"/>
-          </a:p>
-        </p:txBody>
-      </p:sp>
-      <p:sp>
-        <p:nvSpPr>
-          <p:cNvPr id="25" name="מלבן 24">
-            <a:extLst>
-              <a:ext uri="{FF2B5EF4-FFF2-40B4-BE49-F238E27FC236}">
-                <a16:creationId xmlns:a16="http://schemas.microsoft.com/office/drawing/2014/main" id="{269AFBDB-5FA3-441F-A789-758468520A93}"/>
-              </a:ext>
-            </a:extLst>
-          </p:cNvPr>
-          <p:cNvSpPr/>
-          <p:nvPr/>
-        </p:nvSpPr>
-        <p:spPr>
-          <a:xfrm>
-            <a:off x="3516628" y="5041420"/>
+            <a:off x="1759260" y="4622532"/>
             <a:ext cx="1216661" cy="313529"/>
           </a:xfrm>
           <a:prstGeom prst="rect">
@@ -4224,7 +4178,7 @@
         </p:nvSpPr>
         <p:spPr>
           <a:xfrm>
-            <a:off x="3516627" y="5503760"/>
+            <a:off x="1759259" y="5139215"/>
             <a:ext cx="1216661" cy="313529"/>
           </a:xfrm>
           <a:prstGeom prst="rect">
@@ -4274,7 +4228,7 @@
         </p:nvSpPr>
         <p:spPr>
           <a:xfrm>
-            <a:off x="3516625" y="5940141"/>
+            <a:off x="1759262" y="5653867"/>
             <a:ext cx="1216661" cy="313529"/>
           </a:xfrm>
           <a:prstGeom prst="rect">
@@ -4324,7 +4278,7 @@
         </p:nvSpPr>
         <p:spPr>
           <a:xfrm>
-            <a:off x="3516625" y="6429809"/>
+            <a:off x="1759259" y="6168519"/>
             <a:ext cx="1216661" cy="313529"/>
           </a:xfrm>
           <a:prstGeom prst="rect">
@@ -4374,7 +4328,7 @@
         </p:nvSpPr>
         <p:spPr>
           <a:xfrm>
-            <a:off x="5502187" y="4594083"/>
+            <a:off x="3335379" y="4692685"/>
             <a:ext cx="1216663" cy="388795"/>
           </a:xfrm>
           <a:prstGeom prst="rect">
@@ -4424,7 +4378,7 @@
         </p:nvSpPr>
         <p:spPr>
           <a:xfrm>
-            <a:off x="5502186" y="5125719"/>
+            <a:off x="4789079" y="4692685"/>
             <a:ext cx="1216663" cy="388795"/>
           </a:xfrm>
           <a:prstGeom prst="rect">
@@ -4474,7 +4428,7 @@
         </p:nvSpPr>
         <p:spPr>
           <a:xfrm>
-            <a:off x="5507258" y="5637203"/>
+            <a:off x="6242779" y="4683573"/>
             <a:ext cx="1216663" cy="388795"/>
           </a:xfrm>
           <a:prstGeom prst="rect">
@@ -4524,7 +4478,7 @@
         </p:nvSpPr>
         <p:spPr>
           <a:xfrm>
-            <a:off x="5502186" y="6146653"/>
+            <a:off x="7696479" y="4677477"/>
             <a:ext cx="1216663" cy="388795"/>
           </a:xfrm>
           <a:prstGeom prst="rect">
@@ -4574,7 +4528,7 @@
         </p:nvSpPr>
         <p:spPr>
           <a:xfrm>
-            <a:off x="7529828" y="5849944"/>
+            <a:off x="6194942" y="5483269"/>
             <a:ext cx="1312335" cy="403723"/>
           </a:xfrm>
           <a:prstGeom prst="rect">
@@ -4612,62 +4566,24 @@
       </p:sp>
       <p:cxnSp>
         <p:nvCxnSpPr>
-          <p:cNvPr id="50" name="מחבר ישר 49">
-            <a:extLst>
-              <a:ext uri="{FF2B5EF4-FFF2-40B4-BE49-F238E27FC236}">
-                <a16:creationId xmlns:a16="http://schemas.microsoft.com/office/drawing/2014/main" id="{5BB0FC0F-48DB-4CE2-8FCD-6B0B82B3FBCD}"/>
+          <p:cNvPr id="52" name="מחבר ישר 51">
+            <a:extLst>
+              <a:ext uri="{FF2B5EF4-FFF2-40B4-BE49-F238E27FC236}">
+                <a16:creationId xmlns:a16="http://schemas.microsoft.com/office/drawing/2014/main" id="{2DC88548-FD20-4F9F-9710-B5EFF4F364DB}"/>
               </a:ext>
             </a:extLst>
           </p:cNvPr>
           <p:cNvCxnSpPr>
+            <a:cxnSpLocks/>
             <a:stCxn id="10" idx="2"/>
-            <a:endCxn id="23" idx="0"/>
-          </p:cNvCxnSpPr>
-          <p:nvPr/>
-        </p:nvCxnSpPr>
-        <p:spPr>
-          <a:xfrm flipH="1">
-            <a:off x="4124963" y="4388939"/>
-            <a:ext cx="1" cy="143671"/>
-          </a:xfrm>
-          <a:prstGeom prst="line">
-            <a:avLst/>
-          </a:prstGeom>
-        </p:spPr>
-        <p:style>
-          <a:lnRef idx="1">
-            <a:schemeClr val="accent1"/>
-          </a:lnRef>
-          <a:fillRef idx="0">
-            <a:schemeClr val="accent1"/>
-          </a:fillRef>
-          <a:effectRef idx="0">
-            <a:schemeClr val="accent1"/>
-          </a:effectRef>
-          <a:fontRef idx="minor">
-            <a:schemeClr val="tx1"/>
-          </a:fontRef>
-        </p:style>
-      </p:cxnSp>
-      <p:cxnSp>
-        <p:nvCxnSpPr>
-          <p:cNvPr id="52" name="מחבר ישר 51">
-            <a:extLst>
-              <a:ext uri="{FF2B5EF4-FFF2-40B4-BE49-F238E27FC236}">
-                <a16:creationId xmlns:a16="http://schemas.microsoft.com/office/drawing/2014/main" id="{2DC88548-FD20-4F9F-9710-B5EFF4F364DB}"/>
-              </a:ext>
-            </a:extLst>
-          </p:cNvPr>
-          <p:cNvCxnSpPr>
-            <a:stCxn id="23" idx="2"/>
             <a:endCxn id="25" idx="0"/>
           </p:cNvCxnSpPr>
           <p:nvPr/>
         </p:nvCxnSpPr>
         <p:spPr>
           <a:xfrm flipH="1">
-            <a:off x="4124962" y="4845494"/>
-            <a:ext cx="1" cy="195924"/>
+            <a:off x="2367591" y="4421409"/>
+            <a:ext cx="1" cy="201123"/>
           </a:xfrm>
           <a:prstGeom prst="line">
             <a:avLst/>
@@ -4705,8 +4621,8 @@
         </p:nvCxnSpPr>
         <p:spPr>
           <a:xfrm flipH="1">
-            <a:off x="4124961" y="5354945"/>
-            <a:ext cx="1" cy="148811"/>
+            <a:off x="2367590" y="4936061"/>
+            <a:ext cx="1" cy="203154"/>
           </a:xfrm>
           <a:prstGeom prst="line">
             <a:avLst/>
@@ -4743,9 +4659,9 @@
           <p:nvPr/>
         </p:nvCxnSpPr>
         <p:spPr>
-          <a:xfrm flipH="1">
-            <a:off x="4124961" y="5817284"/>
-            <a:ext cx="1" cy="122853"/>
+          <a:xfrm>
+            <a:off x="2367590" y="5452744"/>
+            <a:ext cx="3" cy="201123"/>
           </a:xfrm>
           <a:prstGeom prst="line">
             <a:avLst/>
@@ -4776,6 +4692,7 @@
             </a:extLst>
           </p:cNvPr>
           <p:cNvCxnSpPr>
+            <a:cxnSpLocks/>
             <a:stCxn id="29" idx="2"/>
             <a:endCxn id="30" idx="0"/>
           </p:cNvCxnSpPr>
@@ -4783,8 +4700,8 @@
         </p:nvCxnSpPr>
         <p:spPr>
           <a:xfrm flipH="1">
-            <a:off x="4124959" y="6253667"/>
-            <a:ext cx="1" cy="176139"/>
+            <a:off x="2367590" y="5967396"/>
+            <a:ext cx="3" cy="201123"/>
           </a:xfrm>
           <a:prstGeom prst="line">
             <a:avLst/>
@@ -4816,15 +4733,14 @@
           </p:cNvPr>
           <p:cNvCxnSpPr>
             <a:cxnSpLocks/>
-            <a:stCxn id="9" idx="2"/>
             <a:endCxn id="32" idx="0"/>
           </p:cNvCxnSpPr>
           <p:nvPr/>
         </p:nvCxnSpPr>
         <p:spPr>
           <a:xfrm>
-            <a:off x="6110518" y="4388936"/>
-            <a:ext cx="1" cy="205147"/>
+            <a:off x="3937000" y="4391025"/>
+            <a:ext cx="6711" cy="301660"/>
           </a:xfrm>
           <a:prstGeom prst="line">
             <a:avLst/>
@@ -4856,15 +4772,14 @@
           </p:cNvPr>
           <p:cNvCxnSpPr>
             <a:cxnSpLocks/>
-            <a:stCxn id="32" idx="2"/>
             <a:endCxn id="33" idx="0"/>
           </p:cNvCxnSpPr>
           <p:nvPr/>
         </p:nvCxnSpPr>
         <p:spPr>
-          <a:xfrm flipH="1">
-            <a:off x="6110518" y="4982881"/>
-            <a:ext cx="1" cy="142841"/>
+          <a:xfrm>
+            <a:off x="5397411" y="4388936"/>
+            <a:ext cx="0" cy="303749"/>
           </a:xfrm>
           <a:prstGeom prst="line">
             <a:avLst/>
@@ -4896,15 +4811,14 @@
           </p:cNvPr>
           <p:cNvCxnSpPr>
             <a:cxnSpLocks/>
-            <a:stCxn id="33" idx="2"/>
             <a:endCxn id="34" idx="0"/>
           </p:cNvCxnSpPr>
           <p:nvPr/>
         </p:nvCxnSpPr>
         <p:spPr>
           <a:xfrm>
-            <a:off x="6110514" y="5514517"/>
-            <a:ext cx="5072" cy="122689"/>
+            <a:off x="6851111" y="4393491"/>
+            <a:ext cx="0" cy="290082"/>
           </a:xfrm>
           <a:prstGeom prst="line">
             <a:avLst/>
@@ -4937,14 +4851,13 @@
           <p:cNvCxnSpPr>
             <a:cxnSpLocks/>
             <a:stCxn id="35" idx="0"/>
-            <a:endCxn id="34" idx="2"/>
           </p:cNvCxnSpPr>
           <p:nvPr/>
         </p:nvCxnSpPr>
         <p:spPr>
           <a:xfrm flipV="1">
-            <a:off x="6110517" y="6025997"/>
-            <a:ext cx="5073" cy="120656"/>
+            <a:off x="8304811" y="4395286"/>
+            <a:ext cx="0" cy="282191"/>
           </a:xfrm>
           <a:prstGeom prst="line">
             <a:avLst/>
@@ -4976,15 +4889,204 @@
           </p:cNvPr>
           <p:cNvCxnSpPr>
             <a:cxnSpLocks/>
-            <a:stCxn id="34" idx="3"/>
-            <a:endCxn id="36" idx="1"/>
+            <a:stCxn id="34" idx="2"/>
+            <a:endCxn id="36" idx="0"/>
           </p:cNvCxnSpPr>
           <p:nvPr/>
         </p:nvCxnSpPr>
         <p:spPr>
+          <a:xfrm flipH="1">
+            <a:off x="6851110" y="5072368"/>
+            <a:ext cx="1" cy="410901"/>
+          </a:xfrm>
+          <a:prstGeom prst="line">
+            <a:avLst/>
+          </a:prstGeom>
+        </p:spPr>
+        <p:style>
+          <a:lnRef idx="1">
+            <a:schemeClr val="accent1"/>
+          </a:lnRef>
+          <a:fillRef idx="0">
+            <a:schemeClr val="accent1"/>
+          </a:fillRef>
+          <a:effectRef idx="0">
+            <a:schemeClr val="accent1"/>
+          </a:effectRef>
+          <a:fontRef idx="minor">
+            <a:schemeClr val="tx1"/>
+          </a:fontRef>
+        </p:style>
+      </p:cxnSp>
+      <p:sp>
+        <p:nvSpPr>
+          <p:cNvPr id="41" name="מלבן 40">
+            <a:extLst>
+              <a:ext uri="{FF2B5EF4-FFF2-40B4-BE49-F238E27FC236}">
+                <a16:creationId xmlns:a16="http://schemas.microsoft.com/office/drawing/2014/main" id="{F582BE0C-DAD2-4A44-A9FB-9FB2CAFE0C86}"/>
+              </a:ext>
+            </a:extLst>
+          </p:cNvPr>
+          <p:cNvSpPr/>
+          <p:nvPr/>
+        </p:nvSpPr>
+        <p:spPr>
           <a:xfrm>
-            <a:off x="6723918" y="5831600"/>
-            <a:ext cx="805907" cy="220205"/>
+            <a:off x="8016185" y="1653188"/>
+            <a:ext cx="1593669" cy="462784"/>
+          </a:xfrm>
+          <a:prstGeom prst="rect">
+            <a:avLst/>
+          </a:prstGeom>
+        </p:spPr>
+        <p:style>
+          <a:lnRef idx="2">
+            <a:schemeClr val="accent1">
+              <a:shade val="50000"/>
+            </a:schemeClr>
+          </a:lnRef>
+          <a:fillRef idx="1">
+            <a:schemeClr val="accent1"/>
+          </a:fillRef>
+          <a:effectRef idx="0">
+            <a:schemeClr val="accent1"/>
+          </a:effectRef>
+          <a:fontRef idx="minor">
+            <a:schemeClr val="lt1"/>
+          </a:fontRef>
+        </p:style>
+        <p:txBody>
+          <a:bodyPr rtlCol="1" anchor="ctr"/>
+          <a:lstStyle/>
+          <a:p>
+            <a:pPr algn="ctr"/>
+            <a:r>
+              <a:rPr lang="en-US" sz="1801" dirty="0"/>
+              <a:t>store</a:t>
+            </a:r>
+            <a:endParaRPr lang="he-IL" sz="1801" dirty="0"/>
+          </a:p>
+        </p:txBody>
+      </p:sp>
+      <p:sp>
+        <p:nvSpPr>
+          <p:cNvPr id="42" name="מלבן 41">
+            <a:extLst>
+              <a:ext uri="{FF2B5EF4-FFF2-40B4-BE49-F238E27FC236}">
+                <a16:creationId xmlns:a16="http://schemas.microsoft.com/office/drawing/2014/main" id="{69F59B33-E52D-40FD-A59F-5A16D15731C8}"/>
+              </a:ext>
+            </a:extLst>
+          </p:cNvPr>
+          <p:cNvSpPr/>
+          <p:nvPr/>
+        </p:nvSpPr>
+        <p:spPr>
+          <a:xfrm>
+            <a:off x="10091656" y="1392001"/>
+            <a:ext cx="1593669" cy="369460"/>
+          </a:xfrm>
+          <a:prstGeom prst="rect">
+            <a:avLst/>
+          </a:prstGeom>
+        </p:spPr>
+        <p:style>
+          <a:lnRef idx="2">
+            <a:schemeClr val="accent1">
+              <a:shade val="50000"/>
+            </a:schemeClr>
+          </a:lnRef>
+          <a:fillRef idx="1">
+            <a:schemeClr val="accent1"/>
+          </a:fillRef>
+          <a:effectRef idx="0">
+            <a:schemeClr val="accent1"/>
+          </a:effectRef>
+          <a:fontRef idx="minor">
+            <a:schemeClr val="lt1"/>
+          </a:fontRef>
+        </p:style>
+        <p:txBody>
+          <a:bodyPr rtlCol="1" anchor="ctr"/>
+          <a:lstStyle/>
+          <a:p>
+            <a:pPr algn="ctr"/>
+            <a:r>
+              <a:rPr lang="en-US" sz="1801" dirty="0" err="1"/>
+              <a:t>recipeSlice</a:t>
+            </a:r>
+            <a:endParaRPr lang="he-IL" sz="1801" dirty="0"/>
+          </a:p>
+        </p:txBody>
+      </p:sp>
+      <p:sp>
+        <p:nvSpPr>
+          <p:cNvPr id="43" name="מלבן 42">
+            <a:extLst>
+              <a:ext uri="{FF2B5EF4-FFF2-40B4-BE49-F238E27FC236}">
+                <a16:creationId xmlns:a16="http://schemas.microsoft.com/office/drawing/2014/main" id="{BEF8758A-DA61-40E8-9EE1-5DD3242705AF}"/>
+              </a:ext>
+            </a:extLst>
+          </p:cNvPr>
+          <p:cNvSpPr/>
+          <p:nvPr/>
+        </p:nvSpPr>
+        <p:spPr>
+          <a:xfrm>
+            <a:off x="10091655" y="2022003"/>
+            <a:ext cx="1593669" cy="348783"/>
+          </a:xfrm>
+          <a:prstGeom prst="rect">
+            <a:avLst/>
+          </a:prstGeom>
+        </p:spPr>
+        <p:style>
+          <a:lnRef idx="2">
+            <a:schemeClr val="accent1">
+              <a:shade val="50000"/>
+            </a:schemeClr>
+          </a:lnRef>
+          <a:fillRef idx="1">
+            <a:schemeClr val="accent1"/>
+          </a:fillRef>
+          <a:effectRef idx="0">
+            <a:schemeClr val="accent1"/>
+          </a:effectRef>
+          <a:fontRef idx="minor">
+            <a:schemeClr val="lt1"/>
+          </a:fontRef>
+        </p:style>
+        <p:txBody>
+          <a:bodyPr rtlCol="1" anchor="ctr"/>
+          <a:lstStyle/>
+          <a:p>
+            <a:pPr algn="ctr"/>
+            <a:r>
+              <a:rPr lang="en-US" sz="1801" dirty="0" err="1"/>
+              <a:t>addRecipeSlice</a:t>
+            </a:r>
+            <a:endParaRPr lang="he-IL" sz="1801" dirty="0"/>
+          </a:p>
+        </p:txBody>
+      </p:sp>
+      <p:cxnSp>
+        <p:nvCxnSpPr>
+          <p:cNvPr id="14" name="מחבר ישר 13">
+            <a:extLst>
+              <a:ext uri="{FF2B5EF4-FFF2-40B4-BE49-F238E27FC236}">
+                <a16:creationId xmlns:a16="http://schemas.microsoft.com/office/drawing/2014/main" id="{E925D6D4-E6A0-4EC0-8A60-B4D955A47817}"/>
+              </a:ext>
+            </a:extLst>
+          </p:cNvPr>
+          <p:cNvCxnSpPr>
+            <a:cxnSpLocks/>
+            <a:endCxn id="41" idx="1"/>
+          </p:cNvCxnSpPr>
+          <p:nvPr/>
+        </p:nvCxnSpPr>
+        <p:spPr>
+          <a:xfrm flipV="1">
+            <a:off x="8016177" y="1884580"/>
+            <a:ext cx="8" cy="13321"/>
           </a:xfrm>
           <a:prstGeom prst="line">
             <a:avLst/>
@@ -5007,22 +5109,604 @@
       </p:cxnSp>
       <p:cxnSp>
         <p:nvCxnSpPr>
-          <p:cNvPr id="71" name="מחבר ישר 70">
-            <a:extLst>
-              <a:ext uri="{FF2B5EF4-FFF2-40B4-BE49-F238E27FC236}">
-                <a16:creationId xmlns:a16="http://schemas.microsoft.com/office/drawing/2014/main" id="{BCF29704-1D2F-4F12-979C-221082A37B20}"/>
+          <p:cNvPr id="17" name="מחבר ישר 16">
+            <a:extLst>
+              <a:ext uri="{FF2B5EF4-FFF2-40B4-BE49-F238E27FC236}">
+                <a16:creationId xmlns:a16="http://schemas.microsoft.com/office/drawing/2014/main" id="{1E7F4E20-1D84-4D1F-A65B-235813FFBCE5}"/>
               </a:ext>
             </a:extLst>
           </p:cNvPr>
           <p:cNvCxnSpPr>
-            <a:stCxn id="11" idx="2"/>
+            <a:cxnSpLocks/>
+            <a:endCxn id="42" idx="1"/>
+          </p:cNvCxnSpPr>
+          <p:nvPr/>
+        </p:nvCxnSpPr>
+        <p:spPr>
+          <a:xfrm>
+            <a:off x="9609838" y="1576731"/>
+            <a:ext cx="481818" cy="0"/>
+          </a:xfrm>
+          <a:prstGeom prst="line">
+            <a:avLst/>
+          </a:prstGeom>
+        </p:spPr>
+        <p:style>
+          <a:lnRef idx="1">
+            <a:schemeClr val="accent1"/>
+          </a:lnRef>
+          <a:fillRef idx="0">
+            <a:schemeClr val="accent1"/>
+          </a:fillRef>
+          <a:effectRef idx="0">
+            <a:schemeClr val="accent1"/>
+          </a:effectRef>
+          <a:fontRef idx="minor">
+            <a:schemeClr val="tx1"/>
+          </a:fontRef>
+        </p:style>
+      </p:cxnSp>
+      <p:cxnSp>
+        <p:nvCxnSpPr>
+          <p:cNvPr id="21" name="מחבר ישר 20">
+            <a:extLst>
+              <a:ext uri="{FF2B5EF4-FFF2-40B4-BE49-F238E27FC236}">
+                <a16:creationId xmlns:a16="http://schemas.microsoft.com/office/drawing/2014/main" id="{D336C84B-0356-4521-BB43-6F4754234400}"/>
+              </a:ext>
+            </a:extLst>
+          </p:cNvPr>
+          <p:cNvCxnSpPr>
+            <a:cxnSpLocks/>
+            <a:endCxn id="43" idx="1"/>
+          </p:cNvCxnSpPr>
+          <p:nvPr/>
+        </p:nvCxnSpPr>
+        <p:spPr>
+          <a:xfrm>
+            <a:off x="9609838" y="2196395"/>
+            <a:ext cx="481817" cy="0"/>
+          </a:xfrm>
+          <a:prstGeom prst="line">
+            <a:avLst/>
+          </a:prstGeom>
+        </p:spPr>
+        <p:style>
+          <a:lnRef idx="1">
+            <a:schemeClr val="accent1"/>
+          </a:lnRef>
+          <a:fillRef idx="0">
+            <a:schemeClr val="accent1"/>
+          </a:fillRef>
+          <a:effectRef idx="0">
+            <a:schemeClr val="accent1"/>
+          </a:effectRef>
+          <a:fontRef idx="minor">
+            <a:schemeClr val="tx1"/>
+          </a:fontRef>
+        </p:style>
+      </p:cxnSp>
+      <p:sp>
+        <p:nvSpPr>
+          <p:cNvPr id="67" name="מלבן 66">
+            <a:extLst>
+              <a:ext uri="{FF2B5EF4-FFF2-40B4-BE49-F238E27FC236}">
+                <a16:creationId xmlns:a16="http://schemas.microsoft.com/office/drawing/2014/main" id="{5B3FBC68-25B9-4E46-ADD9-559F7C9F3E42}"/>
+              </a:ext>
+            </a:extLst>
+          </p:cNvPr>
+          <p:cNvSpPr/>
+          <p:nvPr/>
+        </p:nvSpPr>
+        <p:spPr>
+          <a:xfrm>
+            <a:off x="8016169" y="887963"/>
+            <a:ext cx="1593669" cy="511548"/>
+          </a:xfrm>
+          <a:prstGeom prst="rect">
+            <a:avLst/>
+          </a:prstGeom>
+        </p:spPr>
+        <p:style>
+          <a:lnRef idx="2">
+            <a:schemeClr val="accent1">
+              <a:shade val="50000"/>
+            </a:schemeClr>
+          </a:lnRef>
+          <a:fillRef idx="1">
+            <a:schemeClr val="accent1"/>
+          </a:fillRef>
+          <a:effectRef idx="0">
+            <a:schemeClr val="accent1"/>
+          </a:effectRef>
+          <a:fontRef idx="minor">
+            <a:schemeClr val="lt1"/>
+          </a:fontRef>
+        </p:style>
+        <p:txBody>
+          <a:bodyPr rtlCol="1" anchor="ctr"/>
+          <a:lstStyle/>
+          <a:p>
+            <a:pPr algn="ctr"/>
+            <a:endParaRPr lang="en-US" sz="1200" dirty="0"/>
+          </a:p>
+          <a:p>
+            <a:pPr algn="ctr"/>
+            <a:r>
+              <a:rPr lang="en-US" sz="1200" dirty="0" err="1"/>
+              <a:t>UserContextReducer</a:t>
+            </a:r>
+            <a:endParaRPr lang="en-US" sz="1200" dirty="0"/>
+          </a:p>
+          <a:p>
+            <a:pPr algn="ctr"/>
+            <a:endParaRPr lang="he-IL" sz="1200" dirty="0"/>
+          </a:p>
+        </p:txBody>
+      </p:sp>
+      <p:cxnSp>
+        <p:nvCxnSpPr>
+          <p:cNvPr id="72" name="מחבר ישר 71">
+            <a:extLst>
+              <a:ext uri="{FF2B5EF4-FFF2-40B4-BE49-F238E27FC236}">
+                <a16:creationId xmlns:a16="http://schemas.microsoft.com/office/drawing/2014/main" id="{FA04D45B-597A-40E9-9E76-3E9EBE9975FD}"/>
+              </a:ext>
+            </a:extLst>
+          </p:cNvPr>
+          <p:cNvCxnSpPr>
+            <a:cxnSpLocks/>
+            <a:stCxn id="5" idx="3"/>
+            <a:endCxn id="67" idx="1"/>
+          </p:cNvCxnSpPr>
+          <p:nvPr/>
+        </p:nvCxnSpPr>
+        <p:spPr>
+          <a:xfrm flipV="1">
+            <a:off x="6907349" y="1143737"/>
+            <a:ext cx="1108820" cy="1049"/>
+          </a:xfrm>
+          <a:prstGeom prst="line">
+            <a:avLst/>
+          </a:prstGeom>
+        </p:spPr>
+        <p:style>
+          <a:lnRef idx="1">
+            <a:schemeClr val="accent1"/>
+          </a:lnRef>
+          <a:fillRef idx="0">
+            <a:schemeClr val="accent1"/>
+          </a:fillRef>
+          <a:effectRef idx="0">
+            <a:schemeClr val="accent1"/>
+          </a:effectRef>
+          <a:fontRef idx="minor">
+            <a:schemeClr val="tx1"/>
+          </a:fontRef>
+        </p:style>
+      </p:cxnSp>
+      <p:sp>
+        <p:nvSpPr>
+          <p:cNvPr id="136" name="מלבן 135">
+            <a:extLst>
+              <a:ext uri="{FF2B5EF4-FFF2-40B4-BE49-F238E27FC236}">
+                <a16:creationId xmlns:a16="http://schemas.microsoft.com/office/drawing/2014/main" id="{89BF5698-347A-4D3C-86B4-DB2BF6B2A2C7}"/>
+              </a:ext>
+            </a:extLst>
+          </p:cNvPr>
+          <p:cNvSpPr/>
+          <p:nvPr/>
+        </p:nvSpPr>
+        <p:spPr>
+          <a:xfrm>
+            <a:off x="4418703" y="1642190"/>
+            <a:ext cx="1593669" cy="509451"/>
+          </a:xfrm>
+          <a:prstGeom prst="rect">
+            <a:avLst/>
+          </a:prstGeom>
+        </p:spPr>
+        <p:style>
+          <a:lnRef idx="2">
+            <a:schemeClr val="accent1">
+              <a:shade val="50000"/>
+            </a:schemeClr>
+          </a:lnRef>
+          <a:fillRef idx="1">
+            <a:schemeClr val="accent1"/>
+          </a:fillRef>
+          <a:effectRef idx="0">
+            <a:schemeClr val="accent1"/>
+          </a:effectRef>
+          <a:fontRef idx="minor">
+            <a:schemeClr val="lt1"/>
+          </a:fontRef>
+        </p:style>
+        <p:txBody>
+          <a:bodyPr rtlCol="1" anchor="ctr"/>
+          <a:lstStyle/>
+          <a:p>
+            <a:pPr algn="ctr"/>
+            <a:r>
+              <a:rPr lang="en-US" sz="1801" dirty="0" err="1"/>
+              <a:t>mobX</a:t>
+            </a:r>
+            <a:endParaRPr lang="he-IL" sz="1801" dirty="0"/>
+          </a:p>
+        </p:txBody>
+      </p:sp>
+      <p:cxnSp>
+        <p:nvCxnSpPr>
+          <p:cNvPr id="141" name="מחבר ישר 140">
+            <a:extLst>
+              <a:ext uri="{FF2B5EF4-FFF2-40B4-BE49-F238E27FC236}">
+                <a16:creationId xmlns:a16="http://schemas.microsoft.com/office/drawing/2014/main" id="{EBA7AB47-0587-44DA-A740-E81E0E5827D2}"/>
+              </a:ext>
+            </a:extLst>
+          </p:cNvPr>
+          <p:cNvCxnSpPr>
+            <a:stCxn id="6" idx="3"/>
+            <a:endCxn id="41" idx="1"/>
+          </p:cNvCxnSpPr>
+          <p:nvPr/>
+        </p:nvCxnSpPr>
+        <p:spPr>
+          <a:xfrm flipV="1">
+            <a:off x="7774169" y="1884580"/>
+            <a:ext cx="242016" cy="1618"/>
+          </a:xfrm>
+          <a:prstGeom prst="line">
+            <a:avLst/>
+          </a:prstGeom>
+        </p:spPr>
+        <p:style>
+          <a:lnRef idx="1">
+            <a:schemeClr val="accent1"/>
+          </a:lnRef>
+          <a:fillRef idx="0">
+            <a:schemeClr val="accent1"/>
+          </a:fillRef>
+          <a:effectRef idx="0">
+            <a:schemeClr val="accent1"/>
+          </a:effectRef>
+          <a:fontRef idx="minor">
+            <a:schemeClr val="tx1"/>
+          </a:fontRef>
+        </p:style>
+      </p:cxnSp>
+      <p:cxnSp>
+        <p:nvCxnSpPr>
+          <p:cNvPr id="146" name="מחבר ישר 145">
+            <a:extLst>
+              <a:ext uri="{FF2B5EF4-FFF2-40B4-BE49-F238E27FC236}">
+                <a16:creationId xmlns:a16="http://schemas.microsoft.com/office/drawing/2014/main" id="{5C4177D4-B163-4E79-A821-0310FA0AD35F}"/>
+              </a:ext>
+            </a:extLst>
+          </p:cNvPr>
+          <p:cNvCxnSpPr>
+            <a:cxnSpLocks/>
+            <a:endCxn id="136" idx="0"/>
+          </p:cNvCxnSpPr>
+          <p:nvPr/>
+        </p:nvCxnSpPr>
+        <p:spPr>
+          <a:xfrm>
+            <a:off x="5215538" y="1392851"/>
+            <a:ext cx="0" cy="249339"/>
+          </a:xfrm>
+          <a:prstGeom prst="line">
+            <a:avLst/>
+          </a:prstGeom>
+        </p:spPr>
+        <p:style>
+          <a:lnRef idx="1">
+            <a:schemeClr val="accent1"/>
+          </a:lnRef>
+          <a:fillRef idx="0">
+            <a:schemeClr val="accent1"/>
+          </a:fillRef>
+          <a:effectRef idx="0">
+            <a:schemeClr val="accent1"/>
+          </a:effectRef>
+          <a:fontRef idx="minor">
+            <a:schemeClr val="tx1"/>
+          </a:fontRef>
+        </p:style>
+      </p:cxnSp>
+      <p:cxnSp>
+        <p:nvCxnSpPr>
+          <p:cNvPr id="148" name="מחבר ישר 147">
+            <a:extLst>
+              <a:ext uri="{FF2B5EF4-FFF2-40B4-BE49-F238E27FC236}">
+                <a16:creationId xmlns:a16="http://schemas.microsoft.com/office/drawing/2014/main" id="{7F07C9EB-1A1C-435D-9D9F-B8BE05FF6B32}"/>
+              </a:ext>
+            </a:extLst>
+          </p:cNvPr>
+          <p:cNvCxnSpPr>
+            <a:cxnSpLocks/>
+            <a:stCxn id="136" idx="2"/>
+          </p:cNvCxnSpPr>
+          <p:nvPr/>
+        </p:nvCxnSpPr>
+        <p:spPr>
+          <a:xfrm>
+            <a:off x="5215538" y="2151641"/>
+            <a:ext cx="0" cy="210056"/>
+          </a:xfrm>
+          <a:prstGeom prst="line">
+            <a:avLst/>
+          </a:prstGeom>
+        </p:spPr>
+        <p:style>
+          <a:lnRef idx="1">
+            <a:schemeClr val="accent1"/>
+          </a:lnRef>
+          <a:fillRef idx="0">
+            <a:schemeClr val="accent1"/>
+          </a:fillRef>
+          <a:effectRef idx="0">
+            <a:schemeClr val="accent1"/>
+          </a:effectRef>
+          <a:fontRef idx="minor">
+            <a:schemeClr val="tx1"/>
+          </a:fontRef>
+        </p:style>
+      </p:cxnSp>
+      <p:sp>
+        <p:nvSpPr>
+          <p:cNvPr id="155" name="מלבן 154">
+            <a:extLst>
+              <a:ext uri="{FF2B5EF4-FFF2-40B4-BE49-F238E27FC236}">
+                <a16:creationId xmlns:a16="http://schemas.microsoft.com/office/drawing/2014/main" id="{428F9213-1BE1-4C9D-BE5E-6B75F87C3088}"/>
+              </a:ext>
+            </a:extLst>
+          </p:cNvPr>
+          <p:cNvSpPr/>
+          <p:nvPr/>
+        </p:nvSpPr>
+        <p:spPr>
+          <a:xfrm>
+            <a:off x="2139401" y="1665524"/>
+            <a:ext cx="1593669" cy="462784"/>
+          </a:xfrm>
+          <a:prstGeom prst="rect">
+            <a:avLst/>
+          </a:prstGeom>
+        </p:spPr>
+        <p:style>
+          <a:lnRef idx="2">
+            <a:schemeClr val="accent1">
+              <a:shade val="50000"/>
+            </a:schemeClr>
+          </a:lnRef>
+          <a:fillRef idx="1">
+            <a:schemeClr val="accent1"/>
+          </a:fillRef>
+          <a:effectRef idx="0">
+            <a:schemeClr val="accent1"/>
+          </a:effectRef>
+          <a:fontRef idx="minor">
+            <a:schemeClr val="lt1"/>
+          </a:fontRef>
+        </p:style>
+        <p:txBody>
+          <a:bodyPr rtlCol="1" anchor="ctr"/>
+          <a:lstStyle/>
+          <a:p>
+            <a:pPr algn="ctr"/>
+            <a:r>
+              <a:rPr lang="en-US" sz="1801" dirty="0" err="1"/>
+              <a:t>LoginStore</a:t>
+            </a:r>
+            <a:endParaRPr lang="he-IL" sz="1801" dirty="0"/>
+          </a:p>
+        </p:txBody>
+      </p:sp>
+      <p:cxnSp>
+        <p:nvCxnSpPr>
+          <p:cNvPr id="157" name="מחבר ישר 156">
+            <a:extLst>
+              <a:ext uri="{FF2B5EF4-FFF2-40B4-BE49-F238E27FC236}">
+                <a16:creationId xmlns:a16="http://schemas.microsoft.com/office/drawing/2014/main" id="{3F3F22E2-3C59-4518-9519-9550856033FA}"/>
+              </a:ext>
+            </a:extLst>
+          </p:cNvPr>
+          <p:cNvCxnSpPr>
+            <a:cxnSpLocks/>
+            <a:stCxn id="136" idx="1"/>
+            <a:endCxn id="155" idx="3"/>
           </p:cNvCxnSpPr>
           <p:nvPr/>
         </p:nvCxnSpPr>
         <p:spPr>
           <a:xfrm flipH="1">
-            <a:off x="8096069" y="4388939"/>
-            <a:ext cx="1" cy="1489775"/>
+            <a:off x="3733070" y="1896916"/>
+            <a:ext cx="685633" cy="0"/>
+          </a:xfrm>
+          <a:prstGeom prst="line">
+            <a:avLst/>
+          </a:prstGeom>
+        </p:spPr>
+        <p:style>
+          <a:lnRef idx="1">
+            <a:schemeClr val="accent1"/>
+          </a:lnRef>
+          <a:fillRef idx="0">
+            <a:schemeClr val="accent1"/>
+          </a:fillRef>
+          <a:effectRef idx="0">
+            <a:schemeClr val="accent1"/>
+          </a:effectRef>
+          <a:fontRef idx="minor">
+            <a:schemeClr val="tx1"/>
+          </a:fontRef>
+        </p:style>
+      </p:cxnSp>
+      <p:cxnSp>
+        <p:nvCxnSpPr>
+          <p:cNvPr id="181" name="מחבר ישר 180">
+            <a:extLst>
+              <a:ext uri="{FF2B5EF4-FFF2-40B4-BE49-F238E27FC236}">
+                <a16:creationId xmlns:a16="http://schemas.microsoft.com/office/drawing/2014/main" id="{4A309F4C-2741-4127-A5BC-CF034BDD6A13}"/>
+              </a:ext>
+            </a:extLst>
+          </p:cNvPr>
+          <p:cNvCxnSpPr>
+            <a:cxnSpLocks/>
+            <a:endCxn id="11" idx="0"/>
+          </p:cNvCxnSpPr>
+          <p:nvPr/>
+        </p:nvCxnSpPr>
+        <p:spPr>
+          <a:xfrm>
+            <a:off x="9294821" y="3616928"/>
+            <a:ext cx="0" cy="242595"/>
+          </a:xfrm>
+          <a:prstGeom prst="line">
+            <a:avLst/>
+          </a:prstGeom>
+        </p:spPr>
+        <p:style>
+          <a:lnRef idx="1">
+            <a:schemeClr val="accent1"/>
+          </a:lnRef>
+          <a:fillRef idx="0">
+            <a:schemeClr val="accent1"/>
+          </a:fillRef>
+          <a:effectRef idx="0">
+            <a:schemeClr val="accent1"/>
+          </a:effectRef>
+          <a:fontRef idx="minor">
+            <a:schemeClr val="tx1"/>
+          </a:fontRef>
+        </p:style>
+      </p:cxnSp>
+      <p:cxnSp>
+        <p:nvCxnSpPr>
+          <p:cNvPr id="188" name="מחבר ישר 187">
+            <a:extLst>
+              <a:ext uri="{FF2B5EF4-FFF2-40B4-BE49-F238E27FC236}">
+                <a16:creationId xmlns:a16="http://schemas.microsoft.com/office/drawing/2014/main" id="{E5CFAC90-5164-4DC0-8CB3-1DA4A51B9575}"/>
+              </a:ext>
+            </a:extLst>
+          </p:cNvPr>
+          <p:cNvCxnSpPr>
+            <a:cxnSpLocks/>
+          </p:cNvCxnSpPr>
+          <p:nvPr/>
+        </p:nvCxnSpPr>
+        <p:spPr>
+          <a:xfrm flipH="1">
+            <a:off x="5215538" y="1399511"/>
+            <a:ext cx="1761798" cy="0"/>
+          </a:xfrm>
+          <a:prstGeom prst="line">
+            <a:avLst/>
+          </a:prstGeom>
+        </p:spPr>
+        <p:style>
+          <a:lnRef idx="1">
+            <a:schemeClr val="accent1"/>
+          </a:lnRef>
+          <a:fillRef idx="0">
+            <a:schemeClr val="accent1"/>
+          </a:fillRef>
+          <a:effectRef idx="0">
+            <a:schemeClr val="accent1"/>
+          </a:effectRef>
+          <a:fontRef idx="minor">
+            <a:schemeClr val="tx1"/>
+          </a:fontRef>
+        </p:style>
+      </p:cxnSp>
+      <p:cxnSp>
+        <p:nvCxnSpPr>
+          <p:cNvPr id="198" name="מחבר ישר 197">
+            <a:extLst>
+              <a:ext uri="{FF2B5EF4-FFF2-40B4-BE49-F238E27FC236}">
+                <a16:creationId xmlns:a16="http://schemas.microsoft.com/office/drawing/2014/main" id="{6730C830-DCC2-4456-830D-EC8F3CAE14DB}"/>
+              </a:ext>
+            </a:extLst>
+          </p:cNvPr>
+          <p:cNvCxnSpPr>
+            <a:cxnSpLocks/>
+          </p:cNvCxnSpPr>
+          <p:nvPr/>
+        </p:nvCxnSpPr>
+        <p:spPr>
+          <a:xfrm>
+            <a:off x="5215538" y="2361697"/>
+            <a:ext cx="1761797" cy="0"/>
+          </a:xfrm>
+          <a:prstGeom prst="line">
+            <a:avLst/>
+          </a:prstGeom>
+        </p:spPr>
+        <p:style>
+          <a:lnRef idx="1">
+            <a:schemeClr val="accent1"/>
+          </a:lnRef>
+          <a:fillRef idx="0">
+            <a:schemeClr val="accent1"/>
+          </a:fillRef>
+          <a:effectRef idx="0">
+            <a:schemeClr val="accent1"/>
+          </a:effectRef>
+          <a:fontRef idx="minor">
+            <a:schemeClr val="tx1"/>
+          </a:fontRef>
+        </p:style>
+      </p:cxnSp>
+      <p:cxnSp>
+        <p:nvCxnSpPr>
+          <p:cNvPr id="211" name="מחבר ישר 210">
+            <a:extLst>
+              <a:ext uri="{FF2B5EF4-FFF2-40B4-BE49-F238E27FC236}">
+                <a16:creationId xmlns:a16="http://schemas.microsoft.com/office/drawing/2014/main" id="{976A067B-C3E9-431E-8C20-634619131776}"/>
+              </a:ext>
+            </a:extLst>
+          </p:cNvPr>
+          <p:cNvCxnSpPr/>
+          <p:nvPr/>
+        </p:nvCxnSpPr>
+        <p:spPr>
+          <a:xfrm flipH="1">
+            <a:off x="3943711" y="4395286"/>
+            <a:ext cx="4368439" cy="0"/>
+          </a:xfrm>
+          <a:prstGeom prst="line">
+            <a:avLst/>
+          </a:prstGeom>
+        </p:spPr>
+        <p:style>
+          <a:lnRef idx="1">
+            <a:schemeClr val="accent1"/>
+          </a:lnRef>
+          <a:fillRef idx="0">
+            <a:schemeClr val="accent1"/>
+          </a:fillRef>
+          <a:effectRef idx="0">
+            <a:schemeClr val="accent1"/>
+          </a:effectRef>
+          <a:fontRef idx="minor">
+            <a:schemeClr val="tx1"/>
+          </a:fontRef>
+        </p:style>
+      </p:cxnSp>
+      <p:cxnSp>
+        <p:nvCxnSpPr>
+          <p:cNvPr id="222" name="מחבר ישר 221">
+            <a:extLst>
+              <a:ext uri="{FF2B5EF4-FFF2-40B4-BE49-F238E27FC236}">
+                <a16:creationId xmlns:a16="http://schemas.microsoft.com/office/drawing/2014/main" id="{50C280FE-7DDB-4503-8C37-6C6149743EFF}"/>
+              </a:ext>
+            </a:extLst>
+          </p:cNvPr>
+          <p:cNvCxnSpPr/>
+          <p:nvPr/>
+        </p:nvCxnSpPr>
+        <p:spPr>
+          <a:xfrm>
+            <a:off x="9609838" y="1576731"/>
+            <a:ext cx="0" cy="619664"/>
           </a:xfrm>
           <a:prstGeom prst="line">
             <a:avLst/>
@@ -5087,7 +5771,7 @@
         </p:nvSpPr>
         <p:spPr>
           <a:xfrm>
-            <a:off x="9986560" y="42444"/>
+            <a:off x="9986560" y="120822"/>
             <a:ext cx="1998617" cy="369460"/>
           </a:xfrm>
           <a:prstGeom prst="rect">
@@ -5124,7 +5808,7 @@
           <p:nvPr>
             <p:extLst>
               <p:ext uri="{D42A27DB-BD31-4B8C-83A1-F6EECF244321}">
-                <p14:modId xmlns:p14="http://schemas.microsoft.com/office/powerpoint/2010/main" val="377859792"/>
+                <p14:modId xmlns:p14="http://schemas.microsoft.com/office/powerpoint/2010/main" val="376541867"/>
               </p:ext>
             </p:extLst>
           </p:nvPr>
@@ -5413,7 +6097,7 @@
                     <a:p>
                       <a:pPr algn="l" rtl="1"/>
                       <a:r>
-                        <a:rPr lang="en-US" sz="1200" dirty="0"/>
+                        <a:rPr lang="en-US" sz="1200" b="1" dirty="0"/>
                         <a:t>App</a:t>
                       </a:r>
                     </a:p>
@@ -5445,7 +6129,7 @@
                     <a:p>
                       <a:pPr algn="ctr" rtl="1"/>
                       <a:r>
-                        <a:rPr lang="en-US" sz="1500" dirty="0"/>
+                        <a:rPr lang="en-US" sz="1500" b="1" dirty="0"/>
                         <a:t>Router</a:t>
                       </a:r>
                     </a:p>
@@ -5633,10 +6317,10 @@
                     <a:p>
                       <a:pPr algn="l" rtl="0"/>
                       <a:r>
-                        <a:rPr lang="en-US" sz="1200" dirty="0" err="1"/>
+                        <a:rPr lang="en-US" sz="1200" b="1" dirty="0" err="1"/>
                         <a:t>AppLayout</a:t>
                       </a:r>
-                      <a:endParaRPr lang="he-IL" sz="1200" dirty="0"/>
+                      <a:endParaRPr lang="he-IL" sz="1200" b="1" dirty="0"/>
                     </a:p>
                   </a:txBody>
                   <a:tcPr marT="45721" marB="45721"/>
@@ -5748,10 +6432,10 @@
                     <a:p>
                       <a:pPr algn="l"/>
                       <a:r>
-                        <a:rPr lang="en-US" sz="1200" dirty="0"/>
+                        <a:rPr lang="en-US" sz="1200" b="1" dirty="0"/>
                         <a:t>Menu</a:t>
                       </a:r>
-                      <a:endParaRPr lang="he-IL" sz="1200" dirty="0"/>
+                      <a:endParaRPr lang="he-IL" sz="1200" b="1" dirty="0"/>
                     </a:p>
                   </a:txBody>
                   <a:tcPr marT="45721" marB="45721"/>
@@ -5906,10 +6590,10 @@
                     <a:p>
                       <a:pPr algn="l"/>
                       <a:r>
-                        <a:rPr lang="en-US" sz="1200" dirty="0" err="1"/>
+                        <a:rPr lang="en-US" sz="1200" b="1" dirty="0" err="1"/>
                         <a:t>NavBar</a:t>
                       </a:r>
-                      <a:endParaRPr lang="he-IL" sz="1200" dirty="0"/>
+                      <a:endParaRPr lang="he-IL" sz="1200" b="1" dirty="0"/>
                     </a:p>
                   </a:txBody>
                   <a:tcPr marT="45721" marB="45721"/>
@@ -6065,10 +6749,10 @@
                     <a:p>
                       <a:pPr algn="l"/>
                       <a:r>
-                        <a:rPr lang="en-US" sz="1200" dirty="0" err="1"/>
+                        <a:rPr lang="en-US" sz="1200" b="1" dirty="0" err="1"/>
                         <a:t>UsingTypingEffect</a:t>
                       </a:r>
-                      <a:endParaRPr lang="he-IL" sz="1200" dirty="0"/>
+                      <a:endParaRPr lang="he-IL" sz="1200" b="1" dirty="0"/>
                     </a:p>
                   </a:txBody>
                   <a:tcPr marT="45721" marB="45721"/>
@@ -6216,10 +6900,10 @@
                     <a:p>
                       <a:pPr algn="l"/>
                       <a:r>
-                        <a:rPr lang="en-US" sz="1200" dirty="0" err="1"/>
+                        <a:rPr lang="en-US" sz="1200" b="1" dirty="0" err="1"/>
                         <a:t>UseTypingEffect</a:t>
                       </a:r>
-                      <a:endParaRPr lang="he-IL" sz="1200" dirty="0"/>
+                      <a:endParaRPr lang="he-IL" sz="1200" b="1" dirty="0"/>
                     </a:p>
                   </a:txBody>
                   <a:tcPr marT="45721" marB="45721"/>
@@ -6335,13 +7019,13 @@
                     <a:p>
                       <a:pPr algn="l"/>
                       <a:r>
-                        <a:rPr lang="en-US" sz="1200" dirty="0"/>
+                        <a:rPr lang="en-US" sz="1200" b="1" dirty="0"/>
                         <a:t>Homepage</a:t>
                       </a:r>
                     </a:p>
                     <a:p>
                       <a:pPr algn="l"/>
-                      <a:endParaRPr lang="he-IL" sz="1200" dirty="0"/>
+                      <a:endParaRPr lang="he-IL" sz="1200" b="1" dirty="0"/>
                     </a:p>
                   </a:txBody>
                   <a:tcPr marT="45721" marB="45721"/>
@@ -6457,10 +7141,10 @@
                     <a:p>
                       <a:pPr algn="l"/>
                       <a:r>
-                        <a:rPr lang="en-US" sz="1200" dirty="0"/>
+                        <a:rPr lang="en-US" sz="1200" b="1" dirty="0"/>
                         <a:t>About</a:t>
                       </a:r>
-                      <a:endParaRPr lang="he-IL" sz="1200" dirty="0"/>
+                      <a:endParaRPr lang="he-IL" sz="1200" b="1" dirty="0"/>
                     </a:p>
                   </a:txBody>
                   <a:tcPr marT="45721" marB="45721"/>
@@ -6567,14 +7251,14 @@
           <p:nvPr>
             <p:extLst>
               <p:ext uri="{D42A27DB-BD31-4B8C-83A1-F6EECF244321}">
-                <p14:modId xmlns:p14="http://schemas.microsoft.com/office/powerpoint/2010/main" val="3489288901"/>
+                <p14:modId xmlns:p14="http://schemas.microsoft.com/office/powerpoint/2010/main" val="1350874937"/>
               </p:ext>
             </p:extLst>
           </p:nvPr>
         </p:nvGraphicFramePr>
         <p:xfrm>
           <a:off x="500745" y="402283"/>
-          <a:ext cx="11190519" cy="6262023"/>
+          <a:ext cx="11190519" cy="6309772"/>
         </p:xfrm>
         <a:graphic>
           <a:graphicData uri="http://schemas.openxmlformats.org/drawingml/2006/table">
@@ -6633,7 +7317,7 @@
                   </a:extLst>
                 </a:gridCol>
               </a:tblGrid>
-              <a:tr h="592576">
+              <a:tr h="331900">
                 <a:tc>
                   <a:txBody>
                     <a:bodyPr/>
@@ -6724,7 +7408,7 @@
                   </a:txBody>
                   <a:tcPr marT="45721" marB="45721"/>
                 </a:tc>
-                <a:tc rowSpan="4">
+                <a:tc rowSpan="2">
                   <a:txBody>
                     <a:bodyPr/>
                     <a:lstStyle/>
@@ -6734,22 +7418,15 @@
                     </a:p>
                     <a:p>
                       <a:pPr algn="r" rtl="1"/>
+                      <a:r>
+                        <a:rPr lang="en-US" sz="2800" dirty="0"/>
+                        <a:t> </a:t>
+                      </a:r>
+                      <a:r>
+                        <a:rPr lang="en-US" sz="2400" dirty="0"/>
+                        <a:t>General  </a:t>
+                      </a:r>
                       <a:endParaRPr lang="en-US" sz="2800" dirty="0"/>
-                    </a:p>
-                    <a:p>
-                      <a:pPr algn="r" rtl="1"/>
-                      <a:endParaRPr lang="en-US" sz="2800" dirty="0"/>
-                    </a:p>
-                    <a:p>
-                      <a:pPr algn="r" rtl="1"/>
-                      <a:endParaRPr lang="en-US" sz="2800" dirty="0"/>
-                    </a:p>
-                    <a:p>
-                      <a:pPr algn="r" rtl="1"/>
-                      <a:r>
-                        <a:rPr lang="en-US" sz="3200" dirty="0"/>
-                        <a:t>Recipes </a:t>
-                      </a:r>
                     </a:p>
                   </a:txBody>
                   <a:tcPr marT="45721" marB="45721"/>
@@ -6760,459 +7437,7 @@
                   </a:ext>
                 </a:extLst>
               </a:tr>
-              <a:tr h="850055">
-                <a:tc>
-                  <a:txBody>
-                    <a:bodyPr/>
-                    <a:lstStyle/>
-                    <a:p>
-                      <a:pPr algn="l" rtl="0"/>
-                      <a:r>
-                        <a:rPr lang="en-US" sz="1200" dirty="0"/>
-                        <a:t>---</a:t>
-                      </a:r>
-                      <a:endParaRPr lang="he-IL" sz="1200" dirty="0"/>
-                    </a:p>
-                  </a:txBody>
-                  <a:tcPr marT="45721" marB="45721"/>
-                </a:tc>
-                <a:tc>
-                  <a:txBody>
-                    <a:bodyPr/>
-                    <a:lstStyle/>
-                    <a:p>
-                      <a:pPr algn="l" rtl="0"/>
-                      <a:r>
-                        <a:rPr lang="en-US" sz="1200" dirty="0"/>
-                        <a:t>Navigate from react-router</a:t>
-                      </a:r>
-                    </a:p>
-                    <a:p>
-                      <a:pPr algn="l" rtl="0"/>
-                      <a:r>
-                        <a:rPr lang="en-US" sz="1200" dirty="0"/>
-                        <a:t>By navbar </a:t>
-                      </a:r>
-                      <a:r>
-                        <a:rPr lang="en-US" sz="1200" dirty="0" err="1"/>
-                        <a:t>cmpnt</a:t>
-                      </a:r>
-                      <a:endParaRPr lang="he-IL" sz="1200" dirty="0"/>
-                    </a:p>
-                  </a:txBody>
-                  <a:tcPr marT="45721" marB="45721"/>
-                </a:tc>
-                <a:tc>
-                  <a:txBody>
-                    <a:bodyPr/>
-                    <a:lstStyle/>
-                    <a:p>
-                      <a:pPr algn="l" rtl="0"/>
-                      <a:r>
-                        <a:rPr lang="en-US" sz="1200" dirty="0"/>
-                        <a:t>Redux :</a:t>
-                      </a:r>
-                    </a:p>
-                    <a:p>
-                      <a:pPr marL="171450" indent="-171450" algn="l" rtl="0">
-                        <a:buFont typeface="Arial" panose="020B0604020202020204" pitchFamily="34" charset="0"/>
-                        <a:buChar char="•"/>
-                      </a:pPr>
-                      <a:r>
-                        <a:rPr lang="en-US" sz="1200" dirty="0"/>
-                        <a:t> </a:t>
-                      </a:r>
-                      <a:r>
-                        <a:rPr lang="en-US" sz="1200" dirty="0" err="1"/>
-                        <a:t>fetchRecipe</a:t>
-                      </a:r>
-                      <a:endParaRPr lang="en-US" sz="1200" dirty="0"/>
-                    </a:p>
-                    <a:p>
-                      <a:pPr marL="171450" indent="-171450" algn="l" rtl="0">
-                        <a:buFont typeface="Arial" panose="020B0604020202020204" pitchFamily="34" charset="0"/>
-                        <a:buChar char="•"/>
-                      </a:pPr>
-                      <a:r>
-                        <a:rPr lang="en-US" sz="1200" dirty="0"/>
-                        <a:t>Loading</a:t>
-                      </a:r>
-                    </a:p>
-                    <a:p>
-                      <a:pPr marL="171450" indent="-171450" algn="l" rtl="0">
-                        <a:buFont typeface="Arial" panose="020B0604020202020204" pitchFamily="34" charset="0"/>
-                        <a:buChar char="•"/>
-                      </a:pPr>
-                      <a:r>
-                        <a:rPr lang="en-US" sz="1200" dirty="0" err="1"/>
-                        <a:t>DeleteRecipe</a:t>
-                      </a:r>
-                      <a:endParaRPr lang="en-US" sz="1200" dirty="0"/>
-                    </a:p>
-                  </a:txBody>
-                  <a:tcPr marT="45721" marB="45721"/>
-                </a:tc>
-                <a:tc>
-                  <a:txBody>
-                    <a:bodyPr/>
-                    <a:lstStyle/>
-                    <a:p>
-                      <a:pPr algn="l" rtl="0"/>
-                      <a:r>
-                        <a:rPr lang="en-US" sz="1200" dirty="0"/>
-                        <a:t>---</a:t>
-                      </a:r>
-                      <a:endParaRPr lang="he-IL" sz="1200" dirty="0"/>
-                    </a:p>
-                  </a:txBody>
-                  <a:tcPr marT="45721" marB="45721"/>
-                </a:tc>
-                <a:tc>
-                  <a:txBody>
-                    <a:bodyPr/>
-                    <a:lstStyle/>
-                    <a:p>
-                      <a:pPr algn="l" rtl="0"/>
-                      <a:r>
-                        <a:rPr lang="en-US" sz="1200" dirty="0"/>
-                        <a:t>Show all the recipes</a:t>
-                      </a:r>
-                    </a:p>
-                    <a:p>
-                      <a:pPr algn="l" rtl="0"/>
-                      <a:r>
-                        <a:rPr lang="en-US" sz="1200" dirty="0" err="1"/>
-                        <a:t>useEffect</a:t>
-                      </a:r>
-                      <a:r>
-                        <a:rPr lang="en-US" sz="1200" dirty="0"/>
-                        <a:t> – to show the recipes</a:t>
-                      </a:r>
-                      <a:endParaRPr lang="he-IL" sz="1200" dirty="0"/>
-                    </a:p>
-                  </a:txBody>
-                  <a:tcPr marT="45721" marB="45721"/>
-                </a:tc>
-                <a:tc>
-                  <a:txBody>
-                    <a:bodyPr/>
-                    <a:lstStyle/>
-                    <a:p>
-                      <a:pPr algn="l" rtl="0"/>
-                      <a:r>
-                        <a:rPr lang="en-US" sz="1200" dirty="0" err="1"/>
-                        <a:t>RecipesList</a:t>
-                      </a:r>
-                      <a:endParaRPr lang="he-IL" sz="1200" dirty="0"/>
-                    </a:p>
-                  </a:txBody>
-                  <a:tcPr marT="45721" marB="45721"/>
-                </a:tc>
-                <a:tc vMerge="1">
-                  <a:txBody>
-                    <a:bodyPr/>
-                    <a:lstStyle/>
-                    <a:p>
-                      <a:pPr algn="l" rtl="0"/>
-                      <a:endParaRPr lang="he-IL" sz="1200" dirty="0"/>
-                    </a:p>
-                  </a:txBody>
-                  <a:tcPr/>
-                </a:tc>
-                <a:extLst>
-                  <a:ext uri="{0D108BD9-81ED-4DB2-BD59-A6C34878D82A}">
-                    <a16:rowId xmlns:a16="http://schemas.microsoft.com/office/drawing/2014/main" val="4174984141"/>
-                  </a:ext>
-                </a:extLst>
-              </a:tr>
-              <a:tr h="660403">
-                <a:tc>
-                  <a:txBody>
-                    <a:bodyPr/>
-                    <a:lstStyle/>
-                    <a:p>
-                      <a:pPr algn="l" rtl="0"/>
-                      <a:r>
-                        <a:rPr lang="en-US" sz="1200" dirty="0"/>
-                        <a:t>---</a:t>
-                      </a:r>
-                      <a:endParaRPr lang="he-IL" sz="1200" dirty="0"/>
-                    </a:p>
-                  </a:txBody>
-                  <a:tcPr marT="45721" marB="45721"/>
-                </a:tc>
-                <a:tc>
-                  <a:txBody>
-                    <a:bodyPr/>
-                    <a:lstStyle/>
-                    <a:p>
-                      <a:pPr algn="l" rtl="0"/>
-                      <a:r>
-                        <a:rPr lang="en-US" sz="1200" dirty="0"/>
-                        <a:t>Navigate from react-router</a:t>
-                      </a:r>
-                    </a:p>
-                    <a:p>
-                      <a:pPr algn="l" rtl="0"/>
-                      <a:r>
-                        <a:rPr lang="en-US" sz="1200" dirty="0"/>
-                        <a:t>By navbar </a:t>
-                      </a:r>
-                      <a:r>
-                        <a:rPr lang="en-US" sz="1200" dirty="0" err="1"/>
-                        <a:t>cmpnt</a:t>
-                      </a:r>
-                      <a:endParaRPr lang="he-IL" sz="1200" dirty="0"/>
-                    </a:p>
-                  </a:txBody>
-                  <a:tcPr marT="45721" marB="45721"/>
-                </a:tc>
-                <a:tc>
-                  <a:txBody>
-                    <a:bodyPr/>
-                    <a:lstStyle/>
-                    <a:p>
-                      <a:pPr algn="l" rtl="0"/>
-                      <a:r>
-                        <a:rPr lang="en-US" sz="1200" dirty="0"/>
-                        <a:t>Redux:</a:t>
-                      </a:r>
-                    </a:p>
-                    <a:p>
-                      <a:pPr marL="171450" indent="-171450" algn="l" rtl="0">
-                        <a:buFont typeface="Arial" panose="020B0604020202020204" pitchFamily="34" charset="0"/>
-                        <a:buChar char="•"/>
-                      </a:pPr>
-                      <a:r>
-                        <a:rPr lang="en-US" sz="1200" dirty="0" err="1"/>
-                        <a:t>fetchRecipe</a:t>
-                      </a:r>
-                      <a:endParaRPr lang="he-IL" sz="1200" dirty="0"/>
-                    </a:p>
-                  </a:txBody>
-                  <a:tcPr marT="45721" marB="45721"/>
-                </a:tc>
-                <a:tc>
-                  <a:txBody>
-                    <a:bodyPr/>
-                    <a:lstStyle/>
-                    <a:p>
-                      <a:pPr algn="l" rtl="0"/>
-                      <a:r>
-                        <a:rPr lang="en-US" sz="1200" dirty="0"/>
-                        <a:t>---</a:t>
-                      </a:r>
-                      <a:endParaRPr lang="he-IL" sz="1200" dirty="0"/>
-                    </a:p>
-                  </a:txBody>
-                  <a:tcPr marT="45721" marB="45721"/>
-                </a:tc>
-                <a:tc>
-                  <a:txBody>
-                    <a:bodyPr/>
-                    <a:lstStyle/>
-                    <a:p>
-                      <a:pPr algn="l" rtl="0"/>
-                      <a:r>
-                        <a:rPr lang="en-US" sz="1200" dirty="0"/>
-                        <a:t>Show recipe details</a:t>
-                      </a:r>
-                      <a:endParaRPr lang="he-IL" sz="1200" dirty="0"/>
-                    </a:p>
-                  </a:txBody>
-                  <a:tcPr marT="45721" marB="45721"/>
-                </a:tc>
-                <a:tc>
-                  <a:txBody>
-                    <a:bodyPr/>
-                    <a:lstStyle/>
-                    <a:p>
-                      <a:pPr algn="l" rtl="0"/>
-                      <a:r>
-                        <a:rPr lang="en-US" sz="1200" dirty="0" err="1"/>
-                        <a:t>ShowRecipe</a:t>
-                      </a:r>
-                      <a:endParaRPr lang="he-IL" sz="1200" dirty="0"/>
-                    </a:p>
-                  </a:txBody>
-                  <a:tcPr marT="45721" marB="45721"/>
-                </a:tc>
-                <a:tc vMerge="1">
-                  <a:txBody>
-                    <a:bodyPr/>
-                    <a:lstStyle/>
-                    <a:p>
-                      <a:pPr algn="l" rtl="0"/>
-                      <a:endParaRPr lang="he-IL" sz="1200" dirty="0"/>
-                    </a:p>
-                  </a:txBody>
-                  <a:tcPr/>
-                </a:tc>
-                <a:extLst>
-                  <a:ext uri="{0D108BD9-81ED-4DB2-BD59-A6C34878D82A}">
-                    <a16:rowId xmlns:a16="http://schemas.microsoft.com/office/drawing/2014/main" val="3013085355"/>
-                  </a:ext>
-                </a:extLst>
-              </a:tr>
-              <a:tr h="992628">
-                <a:tc>
-                  <a:txBody>
-                    <a:bodyPr/>
-                    <a:lstStyle/>
-                    <a:p>
-                      <a:pPr algn="l" rtl="0"/>
-                      <a:r>
-                        <a:rPr lang="en-US" sz="1200" dirty="0"/>
-                        <a:t>---</a:t>
-                      </a:r>
-                      <a:endParaRPr lang="he-IL" sz="1200" dirty="0"/>
-                    </a:p>
-                  </a:txBody>
-                  <a:tcPr marT="45721" marB="45721"/>
-                </a:tc>
-                <a:tc>
-                  <a:txBody>
-                    <a:bodyPr/>
-                    <a:lstStyle/>
-                    <a:p>
-                      <a:pPr marL="171450" indent="-171450" algn="l" rtl="0">
-                        <a:buFont typeface="Arial" panose="020B0604020202020204" pitchFamily="34" charset="0"/>
-                        <a:buChar char="•"/>
-                      </a:pPr>
-                      <a:r>
-                        <a:rPr lang="en-US" sz="1200" dirty="0"/>
-                        <a:t>Navigate from react-router</a:t>
-                      </a:r>
-                    </a:p>
-                    <a:p>
-                      <a:pPr algn="l" rtl="0"/>
-                      <a:r>
-                        <a:rPr lang="en-US" sz="1200" dirty="0"/>
-                        <a:t>    By navbar </a:t>
-                      </a:r>
-                      <a:r>
-                        <a:rPr lang="en-US" sz="1200" dirty="0" err="1"/>
-                        <a:t>cmpnt</a:t>
-                      </a:r>
-                      <a:endParaRPr lang="he-IL" sz="1200" dirty="0"/>
-                    </a:p>
-                    <a:p>
-                      <a:pPr marL="171450" indent="-171450" algn="l" rtl="0">
-                        <a:buFont typeface="Arial" panose="020B0604020202020204" pitchFamily="34" charset="0"/>
-                        <a:buChar char="•"/>
-                      </a:pPr>
-                      <a:r>
-                        <a:rPr lang="en-US" sz="1200" dirty="0"/>
-                        <a:t>Appears Only after login process – (</a:t>
-                      </a:r>
-                      <a:r>
-                        <a:rPr lang="en-US" sz="1200" dirty="0" err="1"/>
-                        <a:t>mubx</a:t>
-                      </a:r>
-                      <a:r>
-                        <a:rPr lang="en-US" sz="1200" dirty="0"/>
-                        <a:t> element)</a:t>
-                      </a:r>
-                      <a:endParaRPr lang="he-IL" sz="1200" dirty="0"/>
-                    </a:p>
-                  </a:txBody>
-                  <a:tcPr marT="45721" marB="45721"/>
-                </a:tc>
-                <a:tc>
-                  <a:txBody>
-                    <a:bodyPr/>
-                    <a:lstStyle/>
-                    <a:p>
-                      <a:pPr algn="l" rtl="0"/>
-                      <a:r>
-                        <a:rPr lang="en-US" sz="1200" dirty="0"/>
-                        <a:t>Redux:</a:t>
-                      </a:r>
-                    </a:p>
-                    <a:p>
-                      <a:pPr marL="171450" indent="-171450" algn="l" rtl="0">
-                        <a:buFont typeface="Arial" panose="020B0604020202020204" pitchFamily="34" charset="0"/>
-                        <a:buChar char="•"/>
-                      </a:pPr>
-                      <a:r>
-                        <a:rPr lang="en-US" sz="1200" dirty="0" err="1"/>
-                        <a:t>IsOpenModal</a:t>
-                      </a:r>
-                      <a:endParaRPr lang="en-US" sz="1200" dirty="0"/>
-                    </a:p>
-                    <a:p>
-                      <a:pPr marL="171450" indent="-171450" algn="l" rtl="0">
-                        <a:buFont typeface="Arial" panose="020B0604020202020204" pitchFamily="34" charset="0"/>
-                        <a:buChar char="•"/>
-                      </a:pPr>
-                      <a:endParaRPr lang="en-US" sz="1200" dirty="0"/>
-                    </a:p>
-                  </a:txBody>
-                  <a:tcPr marT="45721" marB="45721"/>
-                </a:tc>
-                <a:tc>
-                  <a:txBody>
-                    <a:bodyPr/>
-                    <a:lstStyle/>
-                    <a:p>
-                      <a:pPr algn="l" rtl="0"/>
-                      <a:r>
-                        <a:rPr lang="en-US" sz="1200" dirty="0"/>
-                        <a:t>---</a:t>
-                      </a:r>
-                      <a:endParaRPr lang="he-IL" sz="1200" dirty="0"/>
-                    </a:p>
-                  </a:txBody>
-                  <a:tcPr marT="45721" marB="45721"/>
-                </a:tc>
-                <a:tc>
-                  <a:txBody>
-                    <a:bodyPr/>
-                    <a:lstStyle/>
-                    <a:p>
-                      <a:pPr algn="l" rtl="0"/>
-                      <a:r>
-                        <a:rPr lang="en-US" sz="1200" dirty="0"/>
-                        <a:t>A form to add a recipe</a:t>
-                      </a:r>
-                      <a:endParaRPr lang="he-IL" sz="1200" dirty="0"/>
-                    </a:p>
-                  </a:txBody>
-                  <a:tcPr marT="45721" marB="45721"/>
-                </a:tc>
-                <a:tc>
-                  <a:txBody>
-                    <a:bodyPr/>
-                    <a:lstStyle/>
-                    <a:p>
-                      <a:pPr algn="l" rtl="0"/>
-                      <a:r>
-                        <a:rPr lang="en-US" sz="1200" dirty="0" err="1"/>
-                        <a:t>AddRecipe</a:t>
-                      </a:r>
-                      <a:endParaRPr lang="he-IL" sz="1200" dirty="0"/>
-                    </a:p>
-                  </a:txBody>
-                  <a:tcPr marT="45721" marB="45721"/>
-                </a:tc>
-                <a:tc vMerge="1">
-                  <a:txBody>
-                    <a:bodyPr/>
-                    <a:lstStyle/>
-                    <a:p>
-                      <a:pPr algn="l" rtl="0"/>
-                      <a:endParaRPr lang="he-IL" sz="1200" dirty="0"/>
-                    </a:p>
-                  </a:txBody>
-                  <a:tcPr/>
-                </a:tc>
-                <a:extLst>
-                  <a:ext uri="{0D108BD9-81ED-4DB2-BD59-A6C34878D82A}">
-                    <a16:rowId xmlns:a16="http://schemas.microsoft.com/office/drawing/2014/main" val="288553718"/>
-                  </a:ext>
-                </a:extLst>
-              </a:tr>
-              <a:tr h="660403">
+              <a:tr h="630161">
                 <a:tc>
                   <a:txBody>
                     <a:bodyPr/>
@@ -7343,7 +7568,7 @@
                         <a:defRPr/>
                       </a:pPr>
                       <a:r>
-                        <a:rPr lang="en-US" sz="1200" b="0" kern="1200" dirty="0" err="1">
+                        <a:rPr lang="en-US" sz="1200" b="1" kern="1200" dirty="0" err="1">
                           <a:solidFill>
                             <a:schemeClr val="dk1"/>
                           </a:solidFill>
@@ -7354,7 +7579,7 @@
                         </a:rPr>
                         <a:t>UserContextReducer</a:t>
                       </a:r>
-                      <a:endParaRPr lang="en-US" sz="1200" b="0" kern="1200" dirty="0">
+                      <a:endParaRPr lang="en-US" sz="1200" b="1" kern="1200" dirty="0">
                         <a:solidFill>
                           <a:schemeClr val="dk1"/>
                         </a:solidFill>
@@ -7367,36 +7592,516 @@
                   </a:txBody>
                   <a:tcPr marT="45721" marB="45721"/>
                 </a:tc>
-                <a:tc rowSpan="5">
-                  <a:txBody>
-                    <a:bodyPr/>
-                    <a:lstStyle/>
-                    <a:p>
-                      <a:pPr algn="r" rtl="1"/>
-                      <a:endParaRPr lang="en-US" sz="2800" dirty="0"/>
-                    </a:p>
-                    <a:p>
-                      <a:pPr algn="r" rtl="1"/>
-                      <a:endParaRPr lang="en-US" sz="2800" dirty="0"/>
-                    </a:p>
-                    <a:p>
-                      <a:pPr algn="r" rtl="1"/>
-                      <a:endParaRPr lang="en-US" sz="2800" dirty="0"/>
-                    </a:p>
-                    <a:p>
-                      <a:pPr algn="r" rtl="1"/>
-                      <a:r>
-                        <a:rPr lang="en-US" sz="2800" b="1" dirty="0"/>
-                        <a:t>Login   </a:t>
-                      </a:r>
-                      <a:endParaRPr lang="he-IL" sz="2800" b="1" dirty="0"/>
-                    </a:p>
-                  </a:txBody>
-                  <a:tcPr marT="45721" marB="45721"/>
+                <a:tc vMerge="1">
+                  <a:txBody>
+                    <a:bodyPr/>
+                    <a:lstStyle/>
+                    <a:p>
+                      <a:pPr rtl="1"/>
+                      <a:endParaRPr lang="he-IL"/>
+                    </a:p>
+                  </a:txBody>
+                  <a:tcPr/>
                 </a:tc>
                 <a:extLst>
                   <a:ext uri="{0D108BD9-81ED-4DB2-BD59-A6C34878D82A}">
-                    <a16:rowId xmlns:a16="http://schemas.microsoft.com/office/drawing/2014/main" val="816043874"/>
+                    <a16:rowId xmlns:a16="http://schemas.microsoft.com/office/drawing/2014/main" val="249441179"/>
+                  </a:ext>
+                </a:extLst>
+              </a:tr>
+              <a:tr h="213316">
+                <a:tc>
+                  <a:txBody>
+                    <a:bodyPr/>
+                    <a:lstStyle/>
+                    <a:p>
+                      <a:pPr rtl="1"/>
+                      <a:r>
+                        <a:rPr lang="en-US" sz="1200" dirty="0"/>
+                        <a:t>---</a:t>
+                      </a:r>
+                      <a:endParaRPr lang="he-IL" dirty="0"/>
+                    </a:p>
+                  </a:txBody>
+                  <a:tcPr marT="45721" marB="45721"/>
+                </a:tc>
+                <a:tc>
+                  <a:txBody>
+                    <a:bodyPr/>
+                    <a:lstStyle/>
+                    <a:p>
+                      <a:pPr algn="l" rtl="0"/>
+                      <a:r>
+                        <a:rPr lang="en-US" sz="1200"/>
+                        <a:t>Navigate from react-router</a:t>
+                      </a:r>
+                    </a:p>
+                    <a:p>
+                      <a:pPr algn="l" rtl="0"/>
+                      <a:r>
+                        <a:rPr lang="en-US" sz="1200"/>
+                        <a:t>By navbar cmpnt</a:t>
+                      </a:r>
+                      <a:endParaRPr lang="he-IL"/>
+                    </a:p>
+                  </a:txBody>
+                  <a:tcPr marT="45721" marB="45721"/>
+                </a:tc>
+                <a:tc>
+                  <a:txBody>
+                    <a:bodyPr/>
+                    <a:lstStyle/>
+                    <a:p>
+                      <a:pPr algn="l" rtl="0"/>
+                      <a:r>
+                        <a:rPr lang="en-US" sz="1200" dirty="0"/>
+                        <a:t>Redux :</a:t>
+                      </a:r>
+                    </a:p>
+                    <a:p>
+                      <a:pPr marL="171450" indent="-171450" algn="l" rtl="0">
+                        <a:buFont typeface="Arial" panose="020B0604020202020204" pitchFamily="34" charset="0"/>
+                        <a:buChar char="•"/>
+                      </a:pPr>
+                      <a:r>
+                        <a:rPr lang="en-US" sz="1200" dirty="0"/>
+                        <a:t> </a:t>
+                      </a:r>
+                      <a:r>
+                        <a:rPr lang="en-US" sz="1200" dirty="0" err="1"/>
+                        <a:t>fetchRecipe</a:t>
+                      </a:r>
+                      <a:endParaRPr lang="en-US" sz="1200" dirty="0"/>
+                    </a:p>
+                    <a:p>
+                      <a:pPr marL="171450" indent="-171450" algn="l" rtl="0">
+                        <a:buFont typeface="Arial" panose="020B0604020202020204" pitchFamily="34" charset="0"/>
+                        <a:buChar char="•"/>
+                      </a:pPr>
+                      <a:r>
+                        <a:rPr lang="en-US" sz="1200" dirty="0"/>
+                        <a:t>Loading</a:t>
+                      </a:r>
+                    </a:p>
+                    <a:p>
+                      <a:pPr marL="171450" indent="-171450" algn="l" rtl="0">
+                        <a:buFont typeface="Arial" panose="020B0604020202020204" pitchFamily="34" charset="0"/>
+                        <a:buChar char="•"/>
+                      </a:pPr>
+                      <a:r>
+                        <a:rPr lang="en-US" sz="1200" dirty="0" err="1"/>
+                        <a:t>DeleteRecipe</a:t>
+                      </a:r>
+                      <a:endParaRPr lang="he-IL" sz="1200" dirty="0"/>
+                    </a:p>
+                    <a:p>
+                      <a:pPr marL="0" indent="0" algn="l" rtl="0">
+                        <a:buFont typeface="Arial" panose="020B0604020202020204" pitchFamily="34" charset="0"/>
+                        <a:buNone/>
+                      </a:pPr>
+                      <a:r>
+                        <a:rPr lang="en-US" sz="1200" dirty="0" err="1"/>
+                        <a:t>Mubx</a:t>
+                      </a:r>
+                      <a:endParaRPr lang="en-US" sz="1200" dirty="0"/>
+                    </a:p>
+                    <a:p>
+                      <a:pPr marL="171450" indent="-171450" algn="l" rtl="0">
+                        <a:buFont typeface="Arial" panose="020B0604020202020204" pitchFamily="34" charset="0"/>
+                        <a:buChar char="•"/>
+                      </a:pPr>
+                      <a:r>
+                        <a:rPr lang="en-US" sz="1200" dirty="0" err="1"/>
+                        <a:t>userId</a:t>
+                      </a:r>
+                      <a:endParaRPr lang="he-IL" dirty="0"/>
+                    </a:p>
+                  </a:txBody>
+                  <a:tcPr marT="45721" marB="45721"/>
+                </a:tc>
+                <a:tc>
+                  <a:txBody>
+                    <a:bodyPr/>
+                    <a:lstStyle/>
+                    <a:p>
+                      <a:pPr rtl="1"/>
+                      <a:r>
+                        <a:rPr lang="en-US" sz="1200"/>
+                        <a:t>---</a:t>
+                      </a:r>
+                      <a:endParaRPr lang="he-IL"/>
+                    </a:p>
+                  </a:txBody>
+                  <a:tcPr marT="45721" marB="45721"/>
+                </a:tc>
+                <a:tc>
+                  <a:txBody>
+                    <a:bodyPr/>
+                    <a:lstStyle/>
+                    <a:p>
+                      <a:pPr algn="l" rtl="0"/>
+                      <a:r>
+                        <a:rPr lang="en-US" sz="1200" dirty="0"/>
+                        <a:t>Show all the recipes</a:t>
+                      </a:r>
+                    </a:p>
+                    <a:p>
+                      <a:pPr algn="l" rtl="0"/>
+                      <a:r>
+                        <a:rPr lang="en-US" sz="1200" dirty="0" err="1"/>
+                        <a:t>useEffect</a:t>
+                      </a:r>
+                      <a:r>
+                        <a:rPr lang="en-US" sz="1200" dirty="0"/>
+                        <a:t> – to show the recipes,</a:t>
+                      </a:r>
+                    </a:p>
+                    <a:p>
+                      <a:pPr algn="l" rtl="0"/>
+                      <a:r>
+                        <a:rPr lang="en-US" sz="1200" dirty="0"/>
+                        <a:t>A delete option only after login and only to the </a:t>
+                      </a:r>
+                      <a:r>
+                        <a:rPr lang="en-US" sz="1200" dirty="0" err="1"/>
+                        <a:t>authorId</a:t>
+                      </a:r>
+                      <a:r>
+                        <a:rPr lang="en-US" sz="1200" dirty="0"/>
+                        <a:t>.</a:t>
+                      </a:r>
+                      <a:endParaRPr lang="he-IL" dirty="0"/>
+                    </a:p>
+                  </a:txBody>
+                  <a:tcPr marT="45721" marB="45721"/>
+                </a:tc>
+                <a:tc>
+                  <a:txBody>
+                    <a:bodyPr/>
+                    <a:lstStyle/>
+                    <a:p>
+                      <a:pPr algn="l" rtl="1"/>
+                      <a:r>
+                        <a:rPr lang="en-US" sz="1200" b="1" dirty="0" err="1"/>
+                        <a:t>RecipesList</a:t>
+                      </a:r>
+                      <a:endParaRPr lang="he-IL" b="1" dirty="0"/>
+                    </a:p>
+                  </a:txBody>
+                  <a:tcPr marT="45721" marB="45721"/>
+                </a:tc>
+                <a:tc rowSpan="3">
+                  <a:txBody>
+                    <a:bodyPr/>
+                    <a:lstStyle/>
+                    <a:p>
+                      <a:pPr algn="r" rtl="1"/>
+                      <a:endParaRPr lang="en-US" sz="3200" dirty="0"/>
+                    </a:p>
+                    <a:p>
+                      <a:pPr algn="r" rtl="1"/>
+                      <a:endParaRPr lang="en-US" sz="3200" dirty="0"/>
+                    </a:p>
+                    <a:p>
+                      <a:pPr algn="r" rtl="1"/>
+                      <a:r>
+                        <a:rPr lang="en-US" sz="3200" b="1" dirty="0"/>
+                        <a:t>Recipes</a:t>
+                      </a:r>
+                    </a:p>
+                  </a:txBody>
+                  <a:tcPr marT="45721" marB="45721"/>
+                </a:tc>
+                <a:extLst>
+                  <a:ext uri="{0D108BD9-81ED-4DB2-BD59-A6C34878D82A}">
+                    <a16:rowId xmlns:a16="http://schemas.microsoft.com/office/drawing/2014/main" val="882236235"/>
+                  </a:ext>
+                </a:extLst>
+              </a:tr>
+              <a:tr h="660403">
+                <a:tc>
+                  <a:txBody>
+                    <a:bodyPr/>
+                    <a:lstStyle/>
+                    <a:p>
+                      <a:pPr algn="l" rtl="0"/>
+                      <a:r>
+                        <a:rPr lang="en-US" sz="1200" dirty="0"/>
+                        <a:t>---</a:t>
+                      </a:r>
+                      <a:endParaRPr lang="he-IL" sz="1200" dirty="0"/>
+                    </a:p>
+                  </a:txBody>
+                  <a:tcPr marT="45721" marB="45721"/>
+                </a:tc>
+                <a:tc>
+                  <a:txBody>
+                    <a:bodyPr/>
+                    <a:lstStyle/>
+                    <a:p>
+                      <a:pPr algn="l" rtl="0"/>
+                      <a:r>
+                        <a:rPr lang="en-US" sz="1200" dirty="0"/>
+                        <a:t>Navigate from react-router</a:t>
+                      </a:r>
+                    </a:p>
+                    <a:p>
+                      <a:pPr algn="l" rtl="0"/>
+                      <a:r>
+                        <a:rPr lang="en-US" sz="1200" dirty="0"/>
+                        <a:t>By navbar </a:t>
+                      </a:r>
+                      <a:r>
+                        <a:rPr lang="en-US" sz="1200" dirty="0" err="1"/>
+                        <a:t>cmpnt</a:t>
+                      </a:r>
+                      <a:endParaRPr lang="he-IL" sz="1200" dirty="0"/>
+                    </a:p>
+                  </a:txBody>
+                  <a:tcPr marT="45721" marB="45721"/>
+                </a:tc>
+                <a:tc>
+                  <a:txBody>
+                    <a:bodyPr/>
+                    <a:lstStyle/>
+                    <a:p>
+                      <a:pPr algn="l" rtl="0"/>
+                      <a:r>
+                        <a:rPr lang="en-US" sz="1200" dirty="0"/>
+                        <a:t>Redux:</a:t>
+                      </a:r>
+                    </a:p>
+                    <a:p>
+                      <a:pPr marL="171450" indent="-171450" algn="l" rtl="0">
+                        <a:buFont typeface="Arial" panose="020B0604020202020204" pitchFamily="34" charset="0"/>
+                        <a:buChar char="•"/>
+                      </a:pPr>
+                      <a:r>
+                        <a:rPr lang="en-US" sz="1200" dirty="0" err="1"/>
+                        <a:t>fetchRecipe</a:t>
+                      </a:r>
+                      <a:endParaRPr lang="he-IL" sz="1200" dirty="0"/>
+                    </a:p>
+                  </a:txBody>
+                  <a:tcPr marT="45721" marB="45721"/>
+                </a:tc>
+                <a:tc>
+                  <a:txBody>
+                    <a:bodyPr/>
+                    <a:lstStyle/>
+                    <a:p>
+                      <a:pPr algn="l" rtl="0"/>
+                      <a:r>
+                        <a:rPr lang="en-US" sz="1200" dirty="0"/>
+                        <a:t>---</a:t>
+                      </a:r>
+                      <a:endParaRPr lang="he-IL" sz="1200" dirty="0"/>
+                    </a:p>
+                  </a:txBody>
+                  <a:tcPr marT="45721" marB="45721"/>
+                </a:tc>
+                <a:tc>
+                  <a:txBody>
+                    <a:bodyPr/>
+                    <a:lstStyle/>
+                    <a:p>
+                      <a:pPr algn="l" rtl="0"/>
+                      <a:r>
+                        <a:rPr lang="en-US" sz="1200" dirty="0"/>
+                        <a:t>Show recipe details</a:t>
+                      </a:r>
+                      <a:endParaRPr lang="he-IL" sz="1200" dirty="0"/>
+                    </a:p>
+                  </a:txBody>
+                  <a:tcPr marT="45721" marB="45721"/>
+                </a:tc>
+                <a:tc>
+                  <a:txBody>
+                    <a:bodyPr/>
+                    <a:lstStyle/>
+                    <a:p>
+                      <a:pPr algn="l" rtl="0"/>
+                      <a:r>
+                        <a:rPr lang="en-US" sz="1200" b="1" dirty="0" err="1"/>
+                        <a:t>ShowRecipe</a:t>
+                      </a:r>
+                      <a:endParaRPr lang="he-IL" sz="1200" b="1" dirty="0"/>
+                    </a:p>
+                  </a:txBody>
+                  <a:tcPr marT="45721" marB="45721"/>
+                </a:tc>
+                <a:tc vMerge="1">
+                  <a:txBody>
+                    <a:bodyPr/>
+                    <a:lstStyle/>
+                    <a:p>
+                      <a:pPr algn="l" rtl="0"/>
+                      <a:endParaRPr lang="he-IL" sz="1200" dirty="0"/>
+                    </a:p>
+                  </a:txBody>
+                  <a:tcPr/>
+                </a:tc>
+                <a:extLst>
+                  <a:ext uri="{0D108BD9-81ED-4DB2-BD59-A6C34878D82A}">
+                    <a16:rowId xmlns:a16="http://schemas.microsoft.com/office/drawing/2014/main" val="3013085355"/>
+                  </a:ext>
+                </a:extLst>
+              </a:tr>
+              <a:tr h="992628">
+                <a:tc>
+                  <a:txBody>
+                    <a:bodyPr/>
+                    <a:lstStyle/>
+                    <a:p>
+                      <a:pPr algn="l" rtl="0"/>
+                      <a:r>
+                        <a:rPr lang="en-US" sz="1200" dirty="0"/>
+                        <a:t>---</a:t>
+                      </a:r>
+                      <a:endParaRPr lang="he-IL" sz="1200" dirty="0"/>
+                    </a:p>
+                  </a:txBody>
+                  <a:tcPr marT="45721" marB="45721"/>
+                </a:tc>
+                <a:tc>
+                  <a:txBody>
+                    <a:bodyPr/>
+                    <a:lstStyle/>
+                    <a:p>
+                      <a:pPr marL="171450" indent="-171450" algn="l" rtl="0">
+                        <a:buFont typeface="Arial" panose="020B0604020202020204" pitchFamily="34" charset="0"/>
+                        <a:buChar char="•"/>
+                      </a:pPr>
+                      <a:r>
+                        <a:rPr lang="en-US" sz="1200" dirty="0"/>
+                        <a:t>Navigate from react-router</a:t>
+                      </a:r>
+                    </a:p>
+                    <a:p>
+                      <a:pPr algn="l" rtl="0"/>
+                      <a:r>
+                        <a:rPr lang="en-US" sz="1200" dirty="0"/>
+                        <a:t>    By navbar </a:t>
+                      </a:r>
+                      <a:r>
+                        <a:rPr lang="en-US" sz="1200" dirty="0" err="1"/>
+                        <a:t>cmpnt</a:t>
+                      </a:r>
+                      <a:endParaRPr lang="he-IL" sz="1200" dirty="0"/>
+                    </a:p>
+                    <a:p>
+                      <a:pPr marL="171450" indent="-171450" algn="l" rtl="0">
+                        <a:buFont typeface="Arial" panose="020B0604020202020204" pitchFamily="34" charset="0"/>
+                        <a:buChar char="•"/>
+                      </a:pPr>
+                      <a:r>
+                        <a:rPr lang="en-US" sz="1200" dirty="0"/>
+                        <a:t>Appears Only after login process – (</a:t>
+                      </a:r>
+                      <a:r>
+                        <a:rPr lang="en-US" sz="1200" dirty="0" err="1"/>
+                        <a:t>mubx</a:t>
+                      </a:r>
+                      <a:r>
+                        <a:rPr lang="en-US" sz="1200" dirty="0"/>
+                        <a:t> element)</a:t>
+                      </a:r>
+                      <a:endParaRPr lang="he-IL" sz="1200" dirty="0"/>
+                    </a:p>
+                  </a:txBody>
+                  <a:tcPr marT="45721" marB="45721"/>
+                </a:tc>
+                <a:tc>
+                  <a:txBody>
+                    <a:bodyPr/>
+                    <a:lstStyle/>
+                    <a:p>
+                      <a:pPr algn="l" rtl="0"/>
+                      <a:r>
+                        <a:rPr lang="en-US" sz="1200" dirty="0"/>
+                        <a:t>Redux:</a:t>
+                      </a:r>
+                    </a:p>
+                    <a:p>
+                      <a:pPr marL="171450" indent="-171450" algn="l" rtl="0">
+                        <a:buFont typeface="Arial" panose="020B0604020202020204" pitchFamily="34" charset="0"/>
+                        <a:buChar char="•"/>
+                      </a:pPr>
+                      <a:r>
+                        <a:rPr lang="en-US" sz="1200" dirty="0" err="1"/>
+                        <a:t>IsOpenModal</a:t>
+                      </a:r>
+                      <a:endParaRPr lang="en-US" sz="1200" dirty="0"/>
+                    </a:p>
+                    <a:p>
+                      <a:pPr marL="171450" indent="-171450" algn="l" rtl="0">
+                        <a:buFont typeface="Arial" panose="020B0604020202020204" pitchFamily="34" charset="0"/>
+                        <a:buChar char="•"/>
+                      </a:pPr>
+                      <a:endParaRPr lang="en-US" sz="1200" dirty="0"/>
+                    </a:p>
+                  </a:txBody>
+                  <a:tcPr marT="45721" marB="45721"/>
+                </a:tc>
+                <a:tc>
+                  <a:txBody>
+                    <a:bodyPr/>
+                    <a:lstStyle/>
+                    <a:p>
+                      <a:pPr algn="l" rtl="0"/>
+                      <a:r>
+                        <a:rPr lang="en-US" sz="1200" dirty="0"/>
+                        <a:t>---</a:t>
+                      </a:r>
+                      <a:endParaRPr lang="he-IL" sz="1200" dirty="0"/>
+                    </a:p>
+                  </a:txBody>
+                  <a:tcPr marT="45721" marB="45721"/>
+                </a:tc>
+                <a:tc>
+                  <a:txBody>
+                    <a:bodyPr/>
+                    <a:lstStyle/>
+                    <a:p>
+                      <a:pPr algn="l" rtl="0"/>
+                      <a:r>
+                        <a:rPr lang="en-US" sz="1200" dirty="0"/>
+                        <a:t>A form to add a recipe</a:t>
+                      </a:r>
+                      <a:endParaRPr lang="he-IL" sz="1200" dirty="0"/>
+                    </a:p>
+                  </a:txBody>
+                  <a:tcPr marT="45721" marB="45721"/>
+                </a:tc>
+                <a:tc>
+                  <a:txBody>
+                    <a:bodyPr/>
+                    <a:lstStyle/>
+                    <a:p>
+                      <a:pPr algn="l" rtl="0"/>
+                      <a:r>
+                        <a:rPr lang="en-US" sz="1200" b="1" dirty="0" err="1"/>
+                        <a:t>AddRecipe</a:t>
+                      </a:r>
+                      <a:endParaRPr lang="he-IL" sz="1200" b="1" dirty="0"/>
+                    </a:p>
+                  </a:txBody>
+                  <a:tcPr marT="45721" marB="45721"/>
+                </a:tc>
+                <a:tc vMerge="1">
+                  <a:txBody>
+                    <a:bodyPr/>
+                    <a:lstStyle/>
+                    <a:p>
+                      <a:pPr algn="l" rtl="0"/>
+                      <a:endParaRPr lang="he-IL" sz="1200" dirty="0"/>
+                    </a:p>
+                  </a:txBody>
+                  <a:tcPr/>
+                </a:tc>
+                <a:extLst>
+                  <a:ext uri="{0D108BD9-81ED-4DB2-BD59-A6C34878D82A}">
+                    <a16:rowId xmlns:a16="http://schemas.microsoft.com/office/drawing/2014/main" val="288553718"/>
                   </a:ext>
                 </a:extLst>
               </a:tr>
@@ -7578,7 +8283,7 @@
                         <a:defRPr/>
                       </a:pPr>
                       <a:r>
-                        <a:rPr lang="en-US" sz="1200" b="0" kern="1200" dirty="0" err="1">
+                        <a:rPr lang="en-US" sz="1200" b="1" kern="1200" dirty="0" err="1">
                           <a:solidFill>
                             <a:schemeClr val="dk1"/>
                           </a:solidFill>
@@ -7589,7 +8294,7 @@
                         </a:rPr>
                         <a:t>LoginBtn</a:t>
                       </a:r>
-                      <a:endParaRPr lang="en-US" sz="1200" b="0" kern="1200" dirty="0">
+                      <a:endParaRPr lang="en-US" sz="1200" b="1" kern="1200" dirty="0">
                         <a:solidFill>
                           <a:schemeClr val="dk1"/>
                         </a:solidFill>
@@ -7602,13 +8307,33 @@
                   </a:txBody>
                   <a:tcPr marT="45721" marB="45721"/>
                 </a:tc>
-                <a:tc vMerge="1">
+                <a:tc rowSpan="4">
                   <a:txBody>
                     <a:bodyPr/>
                     <a:lstStyle/>
                     <a:p>
                       <a:pPr algn="l" rtl="0"/>
-                      <a:endParaRPr lang="he-IL" sz="1200" dirty="0"/>
+                      <a:endParaRPr lang="en-US" sz="2400" dirty="0"/>
+                    </a:p>
+                    <a:p>
+                      <a:pPr algn="l" rtl="0"/>
+                      <a:endParaRPr lang="en-US" sz="2400" dirty="0"/>
+                    </a:p>
+                    <a:p>
+                      <a:pPr algn="l" rtl="0"/>
+                      <a:r>
+                        <a:rPr lang="en-US" sz="3200" b="1" dirty="0">
+                          <a:solidFill>
+                            <a:schemeClr val="tx1"/>
+                          </a:solidFill>
+                        </a:rPr>
+                        <a:t> Login </a:t>
+                      </a:r>
+                      <a:endParaRPr lang="he-IL" sz="3200" b="1" dirty="0">
+                        <a:solidFill>
+                          <a:schemeClr val="tx1"/>
+                        </a:solidFill>
+                      </a:endParaRPr>
                     </a:p>
                   </a:txBody>
                   <a:tcPr/>
@@ -7901,7 +8626,7 @@
                         <a:defRPr/>
                       </a:pPr>
                       <a:r>
-                        <a:rPr lang="en-US" sz="1200" b="0" kern="1200" dirty="0" err="1">
+                        <a:rPr lang="en-US" sz="1200" b="1" kern="1200" dirty="0" err="1">
                           <a:solidFill>
                             <a:schemeClr val="dk1"/>
                           </a:solidFill>
@@ -7912,7 +8637,7 @@
                         </a:rPr>
                         <a:t>LoginApi</a:t>
                       </a:r>
-                      <a:endParaRPr lang="en-US" sz="1200" b="0" kern="1200" dirty="0">
+                      <a:endParaRPr lang="en-US" sz="1200" b="1" kern="1200" dirty="0">
                         <a:solidFill>
                           <a:schemeClr val="dk1"/>
                         </a:solidFill>
@@ -8085,7 +8810,7 @@
                         <a:defRPr/>
                       </a:pPr>
                       <a:r>
-                        <a:rPr lang="en-US" sz="1200" b="0" kern="1200" dirty="0" err="1">
+                        <a:rPr lang="en-US" sz="1200" b="1" kern="1200" dirty="0" err="1">
                           <a:solidFill>
                             <a:schemeClr val="dk1"/>
                           </a:solidFill>
@@ -8096,7 +8821,7 @@
                         </a:rPr>
                         <a:t>UserDetails</a:t>
                       </a:r>
-                      <a:endParaRPr lang="en-US" sz="1200" b="0" kern="1200" dirty="0">
+                      <a:endParaRPr lang="en-US" sz="1200" b="1" kern="1200" dirty="0">
                         <a:solidFill>
                           <a:schemeClr val="dk1"/>
                         </a:solidFill>
@@ -8241,10 +8966,10 @@
                         <a:defRPr/>
                       </a:pPr>
                       <a:r>
-                        <a:rPr lang="en-US" sz="1200" dirty="0" err="1"/>
+                        <a:rPr lang="en-US" sz="1200" b="1" dirty="0" err="1"/>
                         <a:t>UpdateUser</a:t>
                       </a:r>
-                      <a:endParaRPr lang="he-IL" sz="1200" dirty="0"/>
+                      <a:endParaRPr lang="he-IL" sz="1200" b="1" dirty="0"/>
                     </a:p>
                   </a:txBody>
                   <a:tcPr marT="45721" marB="45721"/>
